--- a/Documents/Structure.pptx
+++ b/Documents/Structure.pptx
@@ -7,7 +7,8 @@
   <p:sldIdLst>
     <p:sldId id="258" r:id="rId2"/>
     <p:sldId id="256" r:id="rId3"/>
-    <p:sldId id="257" r:id="rId4"/>
+    <p:sldId id="259" r:id="rId4"/>
+    <p:sldId id="257" r:id="rId5"/>
   </p:sldIdLst>
   <p:sldSz cx="12192000" cy="6858000"/>
   <p:notesSz cx="6858000" cy="9144000"/>
@@ -245,7 +246,7 @@
           <a:p>
             <a:fld id="{1C7BAE8E-F25C-4613-8620-6E4584186655}" type="datetimeFigureOut">
               <a:rPr lang="en-US" smtClean="0"/>
-              <a:t>11/30/2017</a:t>
+              <a:t>12/1/2017</a:t>
             </a:fld>
             <a:endParaRPr lang="en-US"/>
           </a:p>
@@ -415,7 +416,7 @@
           <a:p>
             <a:fld id="{1C7BAE8E-F25C-4613-8620-6E4584186655}" type="datetimeFigureOut">
               <a:rPr lang="en-US" smtClean="0"/>
-              <a:t>11/30/2017</a:t>
+              <a:t>12/1/2017</a:t>
             </a:fld>
             <a:endParaRPr lang="en-US"/>
           </a:p>
@@ -595,7 +596,7 @@
           <a:p>
             <a:fld id="{1C7BAE8E-F25C-4613-8620-6E4584186655}" type="datetimeFigureOut">
               <a:rPr lang="en-US" smtClean="0"/>
-              <a:t>11/30/2017</a:t>
+              <a:t>12/1/2017</a:t>
             </a:fld>
             <a:endParaRPr lang="en-US"/>
           </a:p>
@@ -765,7 +766,7 @@
           <a:p>
             <a:fld id="{1C7BAE8E-F25C-4613-8620-6E4584186655}" type="datetimeFigureOut">
               <a:rPr lang="en-US" smtClean="0"/>
-              <a:t>11/30/2017</a:t>
+              <a:t>12/1/2017</a:t>
             </a:fld>
             <a:endParaRPr lang="en-US"/>
           </a:p>
@@ -1011,7 +1012,7 @@
           <a:p>
             <a:fld id="{1C7BAE8E-F25C-4613-8620-6E4584186655}" type="datetimeFigureOut">
               <a:rPr lang="en-US" smtClean="0"/>
-              <a:t>11/30/2017</a:t>
+              <a:t>12/1/2017</a:t>
             </a:fld>
             <a:endParaRPr lang="en-US"/>
           </a:p>
@@ -1243,7 +1244,7 @@
           <a:p>
             <a:fld id="{1C7BAE8E-F25C-4613-8620-6E4584186655}" type="datetimeFigureOut">
               <a:rPr lang="en-US" smtClean="0"/>
-              <a:t>11/30/2017</a:t>
+              <a:t>12/1/2017</a:t>
             </a:fld>
             <a:endParaRPr lang="en-US"/>
           </a:p>
@@ -1610,7 +1611,7 @@
           <a:p>
             <a:fld id="{1C7BAE8E-F25C-4613-8620-6E4584186655}" type="datetimeFigureOut">
               <a:rPr lang="en-US" smtClean="0"/>
-              <a:t>11/30/2017</a:t>
+              <a:t>12/1/2017</a:t>
             </a:fld>
             <a:endParaRPr lang="en-US"/>
           </a:p>
@@ -1728,7 +1729,7 @@
           <a:p>
             <a:fld id="{1C7BAE8E-F25C-4613-8620-6E4584186655}" type="datetimeFigureOut">
               <a:rPr lang="en-US" smtClean="0"/>
-              <a:t>11/30/2017</a:t>
+              <a:t>12/1/2017</a:t>
             </a:fld>
             <a:endParaRPr lang="en-US"/>
           </a:p>
@@ -1823,7 +1824,7 @@
           <a:p>
             <a:fld id="{1C7BAE8E-F25C-4613-8620-6E4584186655}" type="datetimeFigureOut">
               <a:rPr lang="en-US" smtClean="0"/>
-              <a:t>11/30/2017</a:t>
+              <a:t>12/1/2017</a:t>
             </a:fld>
             <a:endParaRPr lang="en-US"/>
           </a:p>
@@ -2100,7 +2101,7 @@
           <a:p>
             <a:fld id="{1C7BAE8E-F25C-4613-8620-6E4584186655}" type="datetimeFigureOut">
               <a:rPr lang="en-US" smtClean="0"/>
-              <a:t>11/30/2017</a:t>
+              <a:t>12/1/2017</a:t>
             </a:fld>
             <a:endParaRPr lang="en-US"/>
           </a:p>
@@ -2353,7 +2354,7 @@
           <a:p>
             <a:fld id="{1C7BAE8E-F25C-4613-8620-6E4584186655}" type="datetimeFigureOut">
               <a:rPr lang="en-US" smtClean="0"/>
-              <a:t>11/30/2017</a:t>
+              <a:t>12/1/2017</a:t>
             </a:fld>
             <a:endParaRPr lang="en-US"/>
           </a:p>
@@ -2566,7 +2567,7 @@
           <a:p>
             <a:fld id="{1C7BAE8E-F25C-4613-8620-6E4584186655}" type="datetimeFigureOut">
               <a:rPr lang="en-US" smtClean="0"/>
-              <a:t>11/30/2017</a:t>
+              <a:t>12/1/2017</a:t>
             </a:fld>
             <a:endParaRPr lang="en-US"/>
           </a:p>
@@ -2973,25 +2974,31 @@
       </p:grpSpPr>
       <p:sp>
         <p:nvSpPr>
-          <p:cNvPr id="19" name="Rounded Rectangle 18"/>
+          <p:cNvPr id="22" name="Rounded Rectangle 21"/>
           <p:cNvSpPr/>
           <p:nvPr/>
         </p:nvSpPr>
         <p:spPr>
           <a:xfrm>
-            <a:off x="905510" y="2038350"/>
-            <a:ext cx="6200140" cy="2171700"/>
+            <a:off x="139700" y="115253"/>
+            <a:ext cx="7816850" cy="2132965"/>
           </a:xfrm>
           <a:prstGeom prst="roundRect">
             <a:avLst/>
           </a:prstGeom>
           <a:solidFill>
-            <a:schemeClr val="accent1">
+            <a:schemeClr val="accent6">
               <a:lumMod val="20000"/>
               <a:lumOff val="80000"/>
             </a:schemeClr>
           </a:solidFill>
-          <a:ln w="76200"/>
+          <a:ln w="76200">
+            <a:solidFill>
+              <a:schemeClr val="accent6">
+                <a:lumMod val="75000"/>
+              </a:schemeClr>
+            </a:solidFill>
+          </a:ln>
         </p:spPr>
         <p:style>
           <a:lnRef idx="2">
@@ -3014,20 +3021,12 @@
           <a:lstStyle/>
           <a:p>
             <a:r>
-              <a:rPr lang="en-US" smtClean="0">
-                <a:solidFill>
-                  <a:schemeClr val="tx1"/>
-                </a:solidFill>
-              </a:rPr>
-              <a:t>24-Bit DVI </a:t>
-            </a:r>
-            <a:r>
               <a:rPr lang="en-US" dirty="0" smtClean="0">
                 <a:solidFill>
                   <a:schemeClr val="tx1"/>
                 </a:solidFill>
               </a:rPr>
-              <a:t>Signal</a:t>
+              <a:t>Information</a:t>
             </a:r>
             <a:endParaRPr lang="en-US" dirty="0">
               <a:solidFill>
@@ -3039,13 +3038,309 @@
       </p:sp>
       <p:sp>
         <p:nvSpPr>
+          <p:cNvPr id="25" name="Rounded Rectangle 24"/>
+          <p:cNvSpPr/>
+          <p:nvPr/>
+        </p:nvSpPr>
+        <p:spPr>
+          <a:xfrm>
+            <a:off x="5834380" y="597854"/>
+            <a:ext cx="1899920" cy="1460500"/>
+          </a:xfrm>
+          <a:prstGeom prst="roundRect">
+            <a:avLst/>
+          </a:prstGeom>
+          <a:solidFill>
+            <a:schemeClr val="accent6">
+              <a:lumMod val="60000"/>
+              <a:lumOff val="40000"/>
+            </a:schemeClr>
+          </a:solidFill>
+          <a:ln w="76200">
+            <a:noFill/>
+          </a:ln>
+        </p:spPr>
+        <p:style>
+          <a:lnRef idx="2">
+            <a:schemeClr val="accent5">
+              <a:shade val="50000"/>
+            </a:schemeClr>
+          </a:lnRef>
+          <a:fillRef idx="1">
+            <a:schemeClr val="accent5"/>
+          </a:fillRef>
+          <a:effectRef idx="0">
+            <a:schemeClr val="accent5"/>
+          </a:effectRef>
+          <a:fontRef idx="minor">
+            <a:schemeClr val="lt1"/>
+          </a:fontRef>
+        </p:style>
+        <p:txBody>
+          <a:bodyPr rtlCol="0" anchor="t"/>
+          <a:lstStyle/>
+          <a:p>
+            <a:r>
+              <a:rPr lang="en-US" dirty="0" smtClean="0">
+                <a:solidFill>
+                  <a:schemeClr val="tx1"/>
+                </a:solidFill>
+              </a:rPr>
+              <a:t>Static</a:t>
+            </a:r>
+            <a:endParaRPr lang="en-US" dirty="0">
+              <a:solidFill>
+                <a:schemeClr val="tx1"/>
+              </a:solidFill>
+            </a:endParaRPr>
+          </a:p>
+        </p:txBody>
+      </p:sp>
+      <p:sp>
+        <p:nvSpPr>
+          <p:cNvPr id="20" name="Rounded Rectangle 19"/>
+          <p:cNvSpPr/>
+          <p:nvPr/>
+        </p:nvSpPr>
+        <p:spPr>
+          <a:xfrm>
+            <a:off x="335280" y="597854"/>
+            <a:ext cx="5303520" cy="1460500"/>
+          </a:xfrm>
+          <a:prstGeom prst="roundRect">
+            <a:avLst/>
+          </a:prstGeom>
+          <a:solidFill>
+            <a:schemeClr val="accent6">
+              <a:lumMod val="60000"/>
+              <a:lumOff val="40000"/>
+            </a:schemeClr>
+          </a:solidFill>
+          <a:ln w="76200">
+            <a:noFill/>
+          </a:ln>
+        </p:spPr>
+        <p:style>
+          <a:lnRef idx="2">
+            <a:schemeClr val="accent5">
+              <a:shade val="50000"/>
+            </a:schemeClr>
+          </a:lnRef>
+          <a:fillRef idx="1">
+            <a:schemeClr val="accent5"/>
+          </a:fillRef>
+          <a:effectRef idx="0">
+            <a:schemeClr val="accent5"/>
+          </a:effectRef>
+          <a:fontRef idx="minor">
+            <a:schemeClr val="lt1"/>
+          </a:fontRef>
+        </p:style>
+        <p:txBody>
+          <a:bodyPr rtlCol="0" anchor="t"/>
+          <a:lstStyle/>
+          <a:p>
+            <a:r>
+              <a:rPr lang="en-US" dirty="0" smtClean="0">
+                <a:solidFill>
+                  <a:schemeClr val="tx1"/>
+                </a:solidFill>
+              </a:rPr>
+              <a:t>Dynamic</a:t>
+            </a:r>
+            <a:endParaRPr lang="en-US" dirty="0">
+              <a:solidFill>
+                <a:schemeClr val="tx1"/>
+              </a:solidFill>
+            </a:endParaRPr>
+          </a:p>
+        </p:txBody>
+      </p:sp>
+      <p:sp>
+        <p:nvSpPr>
+          <p:cNvPr id="19" name="Rounded Rectangle 18"/>
+          <p:cNvSpPr/>
+          <p:nvPr/>
+        </p:nvSpPr>
+        <p:spPr>
+          <a:xfrm>
+            <a:off x="9364980" y="704215"/>
+            <a:ext cx="4298950" cy="2171700"/>
+          </a:xfrm>
+          <a:prstGeom prst="roundRect">
+            <a:avLst/>
+          </a:prstGeom>
+          <a:solidFill>
+            <a:schemeClr val="accent1">
+              <a:lumMod val="20000"/>
+              <a:lumOff val="80000"/>
+            </a:schemeClr>
+          </a:solidFill>
+          <a:ln w="76200"/>
+        </p:spPr>
+        <p:style>
+          <a:lnRef idx="2">
+            <a:schemeClr val="accent5">
+              <a:shade val="50000"/>
+            </a:schemeClr>
+          </a:lnRef>
+          <a:fillRef idx="1">
+            <a:schemeClr val="accent5"/>
+          </a:fillRef>
+          <a:effectRef idx="0">
+            <a:schemeClr val="accent5"/>
+          </a:effectRef>
+          <a:fontRef idx="minor">
+            <a:schemeClr val="lt1"/>
+          </a:fontRef>
+        </p:style>
+        <p:txBody>
+          <a:bodyPr rtlCol="0" anchor="t"/>
+          <a:lstStyle/>
+          <a:p>
+            <a:r>
+              <a:rPr lang="en-US" dirty="0" smtClean="0">
+                <a:solidFill>
+                  <a:schemeClr val="tx1"/>
+                </a:solidFill>
+              </a:rPr>
+              <a:t>120Hz DVI Video Stream</a:t>
+            </a:r>
+            <a:endParaRPr lang="en-US" dirty="0">
+              <a:solidFill>
+                <a:schemeClr val="tx1"/>
+              </a:solidFill>
+            </a:endParaRPr>
+          </a:p>
+        </p:txBody>
+      </p:sp>
+      <p:sp>
+        <p:nvSpPr>
+          <p:cNvPr id="69" name="Rounded Rectangle 68"/>
+          <p:cNvSpPr/>
+          <p:nvPr/>
+        </p:nvSpPr>
+        <p:spPr>
+          <a:xfrm>
+            <a:off x="139541" y="2387439"/>
+            <a:ext cx="7817009" cy="3270411"/>
+          </a:xfrm>
+          <a:prstGeom prst="roundRect">
+            <a:avLst/>
+          </a:prstGeom>
+          <a:solidFill>
+            <a:schemeClr val="bg1"/>
+          </a:solidFill>
+          <a:ln w="76200">
+            <a:solidFill>
+              <a:schemeClr val="tx1"/>
+            </a:solidFill>
+          </a:ln>
+        </p:spPr>
+        <p:style>
+          <a:lnRef idx="2">
+            <a:schemeClr val="accent5">
+              <a:shade val="50000"/>
+            </a:schemeClr>
+          </a:lnRef>
+          <a:fillRef idx="1">
+            <a:schemeClr val="accent5"/>
+          </a:fillRef>
+          <a:effectRef idx="0">
+            <a:schemeClr val="accent5"/>
+          </a:effectRef>
+          <a:fontRef idx="minor">
+            <a:schemeClr val="lt1"/>
+          </a:fontRef>
+        </p:style>
+        <p:txBody>
+          <a:bodyPr rtlCol="0" anchor="t"/>
+          <a:lstStyle/>
+          <a:p>
+            <a:r>
+              <a:rPr lang="en-US" dirty="0" smtClean="0">
+                <a:solidFill>
+                  <a:schemeClr val="tx1"/>
+                </a:solidFill>
+              </a:rPr>
+              <a:t>Program </a:t>
+            </a:r>
+            <a:endParaRPr lang="en-US" dirty="0">
+              <a:solidFill>
+                <a:schemeClr val="tx1"/>
+              </a:solidFill>
+            </a:endParaRPr>
+          </a:p>
+        </p:txBody>
+      </p:sp>
+      <p:sp>
+        <p:nvSpPr>
+          <p:cNvPr id="35" name="Rounded Rectangle 34"/>
+          <p:cNvSpPr/>
+          <p:nvPr/>
+        </p:nvSpPr>
+        <p:spPr>
+          <a:xfrm>
+            <a:off x="354966" y="2900994"/>
+            <a:ext cx="7379334" cy="2493015"/>
+          </a:xfrm>
+          <a:prstGeom prst="roundRect">
+            <a:avLst/>
+          </a:prstGeom>
+          <a:solidFill>
+            <a:schemeClr val="bg1">
+              <a:lumMod val="75000"/>
+            </a:schemeClr>
+          </a:solidFill>
+          <a:ln>
+            <a:noFill/>
+          </a:ln>
+        </p:spPr>
+        <p:style>
+          <a:lnRef idx="2">
+            <a:schemeClr val="accent1">
+              <a:shade val="50000"/>
+            </a:schemeClr>
+          </a:lnRef>
+          <a:fillRef idx="1">
+            <a:schemeClr val="accent1"/>
+          </a:fillRef>
+          <a:effectRef idx="0">
+            <a:schemeClr val="accent1"/>
+          </a:effectRef>
+          <a:fontRef idx="minor">
+            <a:schemeClr val="lt1"/>
+          </a:fontRef>
+        </p:style>
+        <p:txBody>
+          <a:bodyPr rtlCol="0" anchor="t"/>
+          <a:lstStyle/>
+          <a:p>
+            <a:r>
+              <a:rPr lang="en-US" dirty="0" smtClean="0">
+                <a:solidFill>
+                  <a:schemeClr val="tx1"/>
+                </a:solidFill>
+              </a:rPr>
+              <a:t>24-Bit Pattern</a:t>
+            </a:r>
+            <a:endParaRPr lang="en-US" dirty="0">
+              <a:solidFill>
+                <a:schemeClr val="tx1"/>
+              </a:solidFill>
+            </a:endParaRPr>
+          </a:p>
+        </p:txBody>
+      </p:sp>
+      <p:sp>
+        <p:nvSpPr>
           <p:cNvPr id="18" name="Rounded Rectangle 17"/>
           <p:cNvSpPr/>
           <p:nvPr/>
         </p:nvSpPr>
         <p:spPr>
           <a:xfrm>
-            <a:off x="5137150" y="3030220"/>
+            <a:off x="9867583" y="5648325"/>
             <a:ext cx="1772920" cy="792480"/>
           </a:xfrm>
           <a:prstGeom prst="roundRect">
@@ -3097,25 +3392,28 @@
         </p:nvSpPr>
         <p:spPr>
           <a:xfrm>
-            <a:off x="-833120" y="6461760"/>
+            <a:off x="2225040" y="1062674"/>
             <a:ext cx="1493520" cy="792480"/>
           </a:xfrm>
           <a:prstGeom prst="roundRect">
             <a:avLst/>
           </a:prstGeom>
+          <a:solidFill>
+            <a:srgbClr val="65A638"/>
+          </a:solidFill>
         </p:spPr>
         <p:style>
           <a:lnRef idx="1">
             <a:schemeClr val="accent6"/>
           </a:lnRef>
-          <a:fillRef idx="2">
+          <a:fillRef idx="3">
             <a:schemeClr val="accent6"/>
           </a:fillRef>
-          <a:effectRef idx="1">
+          <a:effectRef idx="2">
             <a:schemeClr val="accent6"/>
           </a:effectRef>
           <a:fontRef idx="minor">
-            <a:schemeClr val="dk1"/>
+            <a:schemeClr val="lt1"/>
           </a:fontRef>
         </p:style>
         <p:txBody>
@@ -3127,7 +3425,7 @@
               <a:rPr lang="en-US" dirty="0" smtClean="0">
                 <a:ln w="0"/>
                 <a:solidFill>
-                  <a:schemeClr val="tx1"/>
+                  <a:schemeClr val="bg1"/>
                 </a:solidFill>
                 <a:effectLst>
                   <a:outerShdw blurRad="38100" dist="19050" dir="2700000" algn="tl" rotWithShape="0">
@@ -3150,7 +3448,7 @@
         </p:nvSpPr>
         <p:spPr>
           <a:xfrm>
-            <a:off x="1103630" y="2553970"/>
+            <a:off x="9563100" y="1219835"/>
             <a:ext cx="3837940" cy="1447800"/>
           </a:xfrm>
           <a:prstGeom prst="roundRect">
@@ -3181,10 +3479,18 @@
           <a:lstStyle/>
           <a:p>
             <a:r>
-              <a:rPr lang="en-US" dirty="0" smtClean="0"/>
+              <a:rPr lang="en-US" dirty="0" smtClean="0">
+                <a:solidFill>
+                  <a:schemeClr val="tx1"/>
+                </a:solidFill>
+              </a:rPr>
               <a:t>Message</a:t>
             </a:r>
-            <a:endParaRPr lang="en-US" dirty="0"/>
+            <a:endParaRPr lang="en-US" dirty="0">
+              <a:solidFill>
+                <a:schemeClr val="tx1"/>
+              </a:solidFill>
+            </a:endParaRPr>
           </a:p>
         </p:txBody>
       </p:sp>
@@ -3196,25 +3502,28 @@
         </p:nvSpPr>
         <p:spPr>
           <a:xfrm>
-            <a:off x="-1309370" y="6461760"/>
+            <a:off x="533400" y="1062674"/>
             <a:ext cx="1493520" cy="792480"/>
           </a:xfrm>
           <a:prstGeom prst="roundRect">
             <a:avLst/>
           </a:prstGeom>
+          <a:solidFill>
+            <a:srgbClr val="65A638"/>
+          </a:solidFill>
         </p:spPr>
         <p:style>
           <a:lnRef idx="1">
             <a:schemeClr val="accent6"/>
           </a:lnRef>
-          <a:fillRef idx="2">
+          <a:fillRef idx="3">
             <a:schemeClr val="accent6"/>
           </a:fillRef>
-          <a:effectRef idx="1">
+          <a:effectRef idx="2">
             <a:schemeClr val="accent6"/>
           </a:effectRef>
           <a:fontRef idx="minor">
-            <a:schemeClr val="dk1"/>
+            <a:schemeClr val="lt1"/>
           </a:fontRef>
         </p:style>
         <p:txBody>
@@ -3226,7 +3535,7 @@
               <a:rPr lang="en-US" dirty="0" smtClean="0">
                 <a:ln w="0"/>
                 <a:solidFill>
-                  <a:schemeClr val="tx1"/>
+                  <a:schemeClr val="bg1"/>
                 </a:solidFill>
                 <a:effectLst>
                   <a:outerShdw blurRad="38100" dist="19050" dir="2700000" algn="tl" rotWithShape="0">
@@ -3241,7 +3550,7 @@
             <a:endParaRPr lang="en-US" b="1" dirty="0" smtClean="0">
               <a:ln w="0"/>
               <a:solidFill>
-                <a:schemeClr val="tx1"/>
+                <a:schemeClr val="bg1"/>
               </a:solidFill>
               <a:effectLst>
                 <a:outerShdw blurRad="38100" dist="19050" dir="2700000" algn="tl" rotWithShape="0">
@@ -3258,7 +3567,7 @@
               <a:rPr lang="en-US" dirty="0" smtClean="0">
                 <a:ln w="0"/>
                 <a:solidFill>
-                  <a:schemeClr val="tx1"/>
+                  <a:schemeClr val="bg1"/>
                 </a:solidFill>
                 <a:effectLst>
                   <a:outerShdw blurRad="38100" dist="19050" dir="2700000" algn="tl" rotWithShape="0">
@@ -3281,7 +3590,7 @@
         </p:nvSpPr>
         <p:spPr>
           <a:xfrm>
-            <a:off x="1301750" y="3030220"/>
+            <a:off x="9761220" y="1696085"/>
             <a:ext cx="1493520" cy="792480"/>
           </a:xfrm>
           <a:prstGeom prst="roundRect">
@@ -3316,7 +3625,7 @@
               <a:rPr lang="en-US" dirty="0" smtClean="0">
                 <a:ln w="0"/>
                 <a:solidFill>
-                  <a:schemeClr val="tx1"/>
+                  <a:schemeClr val="bg1"/>
                 </a:solidFill>
                 <a:effectLst>
                   <a:outerShdw blurRad="38100" dist="19050" dir="2700000" algn="tl" rotWithShape="0">
@@ -3333,143 +3642,26 @@
       </p:sp>
       <p:sp>
         <p:nvSpPr>
-          <p:cNvPr id="11" name="Rounded Rectangle 10"/>
-          <p:cNvSpPr/>
-          <p:nvPr/>
-        </p:nvSpPr>
-        <p:spPr>
-          <a:xfrm>
-            <a:off x="-1282065" y="5168900"/>
-            <a:ext cx="1747520" cy="792480"/>
-          </a:xfrm>
-          <a:prstGeom prst="roundRect">
-            <a:avLst/>
-          </a:prstGeom>
-        </p:spPr>
-        <p:style>
-          <a:lnRef idx="1">
-            <a:schemeClr val="accent1"/>
-          </a:lnRef>
-          <a:fillRef idx="2">
-            <a:schemeClr val="accent1"/>
-          </a:fillRef>
-          <a:effectRef idx="1">
-            <a:schemeClr val="accent1"/>
-          </a:effectRef>
-          <a:fontRef idx="minor">
-            <a:schemeClr val="dk1"/>
-          </a:fontRef>
-        </p:style>
-        <p:txBody>
-          <a:bodyPr rtlCol="0" anchor="ctr"/>
-          <a:lstStyle/>
-          <a:p>
-            <a:pPr algn="ctr"/>
-            <a:r>
-              <a:rPr lang="en-GB" dirty="0" smtClean="0">
-                <a:ln w="0"/>
-                <a:solidFill>
-                  <a:schemeClr val="tx1"/>
-                </a:solidFill>
-                <a:effectLst>
-                  <a:outerShdw blurRad="38100" dist="19050" dir="2700000" algn="tl" rotWithShape="0">
-                    <a:schemeClr val="dk1">
-                      <a:alpha val="40000"/>
-                    </a:schemeClr>
-                  </a:outerShdw>
-                </a:effectLst>
-              </a:rPr>
-              <a:t>Synchronisation</a:t>
-            </a:r>
-          </a:p>
-          <a:p>
-            <a:pPr algn="ctr"/>
-            <a:r>
-              <a:rPr lang="en-US" dirty="0" smtClean="0">
-                <a:ln w="0"/>
-                <a:solidFill>
-                  <a:schemeClr val="tx1"/>
-                </a:solidFill>
-                <a:effectLst>
-                  <a:outerShdw blurRad="38100" dist="19050" dir="2700000" algn="tl" rotWithShape="0">
-                    <a:schemeClr val="dk1">
-                      <a:alpha val="40000"/>
-                    </a:schemeClr>
-                  </a:outerShdw>
-                </a:effectLst>
-              </a:rPr>
-              <a:t>Pattern</a:t>
-            </a:r>
-          </a:p>
-        </p:txBody>
-      </p:sp>
-      <p:sp>
-        <p:nvSpPr>
-          <p:cNvPr id="12" name="Rounded Rectangle 11"/>
-          <p:cNvSpPr/>
-          <p:nvPr/>
-        </p:nvSpPr>
-        <p:spPr>
-          <a:xfrm>
-            <a:off x="-957580" y="5513070"/>
-            <a:ext cx="1742440" cy="792480"/>
-          </a:xfrm>
-          <a:prstGeom prst="roundRect">
-            <a:avLst/>
-          </a:prstGeom>
-        </p:spPr>
-        <p:style>
-          <a:lnRef idx="1">
-            <a:schemeClr val="accent1"/>
-          </a:lnRef>
-          <a:fillRef idx="2">
-            <a:schemeClr val="accent1"/>
-          </a:fillRef>
-          <a:effectRef idx="1">
-            <a:schemeClr val="accent1"/>
-          </a:effectRef>
-          <a:fontRef idx="minor">
-            <a:schemeClr val="dk1"/>
-          </a:fontRef>
-        </p:style>
-        <p:txBody>
-          <a:bodyPr rtlCol="0" anchor="ctr"/>
-          <a:lstStyle/>
-          <a:p>
-            <a:pPr algn="ctr"/>
-            <a:r>
-              <a:rPr lang="en-US" dirty="0" smtClean="0">
-                <a:ln w="0"/>
-                <a:solidFill>
-                  <a:schemeClr val="tx1"/>
-                </a:solidFill>
-                <a:effectLst>
-                  <a:outerShdw blurRad="38100" dist="19050" dir="2700000" algn="tl" rotWithShape="0">
-                    <a:schemeClr val="dk1">
-                      <a:alpha val="40000"/>
-                    </a:schemeClr>
-                  </a:outerShdw>
-                </a:effectLst>
-              </a:rPr>
-              <a:t>Communication</a:t>
-            </a:r>
-          </a:p>
-        </p:txBody>
-      </p:sp>
-      <p:sp>
-        <p:nvSpPr>
           <p:cNvPr id="13" name="Rounded Rectangle 12"/>
           <p:cNvSpPr/>
           <p:nvPr/>
         </p:nvSpPr>
         <p:spPr>
           <a:xfrm>
-            <a:off x="-1309370" y="5669280"/>
-            <a:ext cx="1493520" cy="792480"/>
+            <a:off x="533400" y="3385824"/>
+            <a:ext cx="1493521" cy="792480"/>
           </a:xfrm>
           <a:prstGeom prst="roundRect">
-            <a:avLst/>
+            <a:avLst>
+              <a:gd name="adj" fmla="val 50000"/>
+            </a:avLst>
           </a:prstGeom>
+          <a:solidFill>
+            <a:schemeClr val="tx1"/>
+          </a:solidFill>
+          <a:ln>
+            <a:noFill/>
+          </a:ln>
         </p:spPr>
         <p:style>
           <a:lnRef idx="1">
@@ -3494,7 +3686,7 @@
               <a:rPr lang="en-US" dirty="0" smtClean="0">
                 <a:ln w="0"/>
                 <a:solidFill>
-                  <a:schemeClr val="tx1"/>
+                  <a:schemeClr val="bg1"/>
                 </a:solidFill>
                 <a:effectLst>
                   <a:outerShdw blurRad="38100" dist="19050" dir="2700000" algn="tl" rotWithShape="0">
@@ -3504,50 +3696,16 @@
                   </a:outerShdw>
                 </a:effectLst>
               </a:rPr>
-              <a:t>Patter Calculation</a:t>
-            </a:r>
-          </a:p>
-        </p:txBody>
-      </p:sp>
-      <p:sp>
-        <p:nvSpPr>
-          <p:cNvPr id="16" name="Rounded Rectangle 15"/>
-          <p:cNvSpPr/>
-          <p:nvPr/>
-        </p:nvSpPr>
-        <p:spPr>
-          <a:xfrm>
-            <a:off x="-746760" y="5773420"/>
-            <a:ext cx="1493520" cy="792480"/>
-          </a:xfrm>
-          <a:prstGeom prst="roundRect">
-            <a:avLst/>
-          </a:prstGeom>
-        </p:spPr>
-        <p:style>
-          <a:lnRef idx="1">
-            <a:schemeClr val="accent3"/>
-          </a:lnRef>
-          <a:fillRef idx="2">
-            <a:schemeClr val="accent3"/>
-          </a:fillRef>
-          <a:effectRef idx="1">
-            <a:schemeClr val="accent3"/>
-          </a:effectRef>
-          <a:fontRef idx="minor">
-            <a:schemeClr val="dk1"/>
-          </a:fontRef>
-        </p:style>
-        <p:txBody>
-          <a:bodyPr rtlCol="0" anchor="ctr"/>
-          <a:lstStyle/>
+              <a:t>Patter</a:t>
+            </a:r>
+          </a:p>
           <a:p>
             <a:pPr algn="ctr"/>
             <a:r>
               <a:rPr lang="en-US" dirty="0" smtClean="0">
                 <a:ln w="0"/>
                 <a:solidFill>
-                  <a:schemeClr val="tx1"/>
+                  <a:schemeClr val="bg1"/>
                 </a:solidFill>
                 <a:effectLst>
                   <a:outerShdw blurRad="38100" dist="19050" dir="2700000" algn="tl" rotWithShape="0">
@@ -3557,8 +3715,21 @@
                   </a:outerShdw>
                 </a:effectLst>
               </a:rPr>
-              <a:t>Simulated Environment</a:t>
-            </a:r>
+              <a:t>Generation</a:t>
+            </a:r>
+            <a:endParaRPr lang="en-US" dirty="0" smtClean="0">
+              <a:ln w="0"/>
+              <a:solidFill>
+                <a:schemeClr val="bg1"/>
+              </a:solidFill>
+              <a:effectLst>
+                <a:outerShdw blurRad="38100" dist="19050" dir="2700000" algn="tl" rotWithShape="0">
+                  <a:schemeClr val="dk1">
+                    <a:alpha val="40000"/>
+                  </a:schemeClr>
+                </a:outerShdw>
+              </a:effectLst>
+            </a:endParaRPr>
           </a:p>
         </p:txBody>
       </p:sp>
@@ -3570,7 +3741,7 @@
         </p:nvSpPr>
         <p:spPr>
           <a:xfrm>
-            <a:off x="2993390" y="3030220"/>
+            <a:off x="11452860" y="1696085"/>
             <a:ext cx="1753870" cy="792480"/>
           </a:xfrm>
           <a:prstGeom prst="roundRect">
@@ -3605,6 +3776,366 @@
               <a:rPr lang="en-US" dirty="0" smtClean="0">
                 <a:ln w="0"/>
                 <a:solidFill>
+                  <a:schemeClr val="bg1"/>
+                </a:solidFill>
+                <a:effectLst>
+                  <a:outerShdw blurRad="38100" dist="19050" dir="2700000" algn="tl" rotWithShape="0">
+                    <a:schemeClr val="dk1">
+                      <a:alpha val="40000"/>
+                    </a:schemeClr>
+                  </a:outerShdw>
+                </a:effectLst>
+              </a:rPr>
+              <a:t>Communication</a:t>
+            </a:r>
+          </a:p>
+        </p:txBody>
+      </p:sp>
+      <p:sp>
+        <p:nvSpPr>
+          <p:cNvPr id="24" name="Rounded Rectangle 23"/>
+          <p:cNvSpPr/>
+          <p:nvPr/>
+        </p:nvSpPr>
+        <p:spPr>
+          <a:xfrm>
+            <a:off x="6017260" y="1062674"/>
+            <a:ext cx="1493520" cy="792480"/>
+          </a:xfrm>
+          <a:prstGeom prst="roundRect">
+            <a:avLst/>
+          </a:prstGeom>
+          <a:solidFill>
+            <a:srgbClr val="65A638"/>
+          </a:solidFill>
+        </p:spPr>
+        <p:style>
+          <a:lnRef idx="1">
+            <a:schemeClr val="accent6"/>
+          </a:lnRef>
+          <a:fillRef idx="3">
+            <a:schemeClr val="accent6"/>
+          </a:fillRef>
+          <a:effectRef idx="2">
+            <a:schemeClr val="accent6"/>
+          </a:effectRef>
+          <a:fontRef idx="minor">
+            <a:schemeClr val="lt1"/>
+          </a:fontRef>
+        </p:style>
+        <p:txBody>
+          <a:bodyPr rtlCol="0" anchor="ctr"/>
+          <a:lstStyle/>
+          <a:p>
+            <a:pPr algn="ctr"/>
+            <a:r>
+              <a:rPr lang="en-US" dirty="0" smtClean="0">
+                <a:ln w="0"/>
+                <a:solidFill>
+                  <a:schemeClr val="bg1"/>
+                </a:solidFill>
+                <a:effectLst>
+                  <a:outerShdw blurRad="38100" dist="19050" dir="2700000" algn="tl" rotWithShape="0">
+                    <a:schemeClr val="dk1">
+                      <a:alpha val="40000"/>
+                    </a:schemeClr>
+                  </a:outerShdw>
+                </a:effectLst>
+              </a:rPr>
+              <a:t>Position</a:t>
+            </a:r>
+            <a:endParaRPr lang="en-US" dirty="0" smtClean="0">
+              <a:ln w="0"/>
+              <a:solidFill>
+                <a:schemeClr val="bg1"/>
+              </a:solidFill>
+              <a:effectLst>
+                <a:outerShdw blurRad="38100" dist="19050" dir="2700000" algn="tl" rotWithShape="0">
+                  <a:schemeClr val="dk1">
+                    <a:alpha val="40000"/>
+                  </a:schemeClr>
+                </a:outerShdw>
+              </a:effectLst>
+            </a:endParaRPr>
+          </a:p>
+        </p:txBody>
+      </p:sp>
+      <p:sp>
+        <p:nvSpPr>
+          <p:cNvPr id="26" name="Rounded Rectangle 25"/>
+          <p:cNvSpPr/>
+          <p:nvPr/>
+        </p:nvSpPr>
+        <p:spPr>
+          <a:xfrm>
+            <a:off x="9558973" y="3089275"/>
+            <a:ext cx="4311650" cy="2171700"/>
+          </a:xfrm>
+          <a:prstGeom prst="roundRect">
+            <a:avLst/>
+          </a:prstGeom>
+          <a:solidFill>
+            <a:schemeClr val="bg1"/>
+          </a:solidFill>
+          <a:ln w="76200">
+            <a:solidFill>
+              <a:schemeClr val="tx1"/>
+            </a:solidFill>
+          </a:ln>
+        </p:spPr>
+        <p:style>
+          <a:lnRef idx="2">
+            <a:schemeClr val="accent5">
+              <a:shade val="50000"/>
+            </a:schemeClr>
+          </a:lnRef>
+          <a:fillRef idx="1">
+            <a:schemeClr val="accent5"/>
+          </a:fillRef>
+          <a:effectRef idx="0">
+            <a:schemeClr val="accent5"/>
+          </a:effectRef>
+          <a:fontRef idx="minor">
+            <a:schemeClr val="lt1"/>
+          </a:fontRef>
+        </p:style>
+        <p:txBody>
+          <a:bodyPr rtlCol="0" anchor="t"/>
+          <a:lstStyle/>
+          <a:p>
+            <a:r>
+              <a:rPr lang="en-US" dirty="0" smtClean="0">
+                <a:solidFill>
+                  <a:schemeClr val="tx1"/>
+                </a:solidFill>
+              </a:rPr>
+              <a:t>Pattern Sequence</a:t>
+            </a:r>
+            <a:endParaRPr lang="en-US" dirty="0">
+              <a:solidFill>
+                <a:schemeClr val="tx1"/>
+              </a:solidFill>
+            </a:endParaRPr>
+          </a:p>
+        </p:txBody>
+      </p:sp>
+      <p:sp>
+        <p:nvSpPr>
+          <p:cNvPr id="27" name="Rounded Rectangle 26"/>
+          <p:cNvSpPr/>
+          <p:nvPr/>
+        </p:nvSpPr>
+        <p:spPr>
+          <a:xfrm>
+            <a:off x="9757093" y="3604895"/>
+            <a:ext cx="3837940" cy="1447800"/>
+          </a:xfrm>
+          <a:prstGeom prst="roundRect">
+            <a:avLst/>
+          </a:prstGeom>
+          <a:solidFill>
+            <a:schemeClr val="bg1">
+              <a:lumMod val="75000"/>
+            </a:schemeClr>
+          </a:solidFill>
+          <a:ln>
+            <a:noFill/>
+          </a:ln>
+        </p:spPr>
+        <p:style>
+          <a:lnRef idx="2">
+            <a:schemeClr val="accent1">
+              <a:shade val="50000"/>
+            </a:schemeClr>
+          </a:lnRef>
+          <a:fillRef idx="1">
+            <a:schemeClr val="accent1"/>
+          </a:fillRef>
+          <a:effectRef idx="0">
+            <a:schemeClr val="accent1"/>
+          </a:effectRef>
+          <a:fontRef idx="minor">
+            <a:schemeClr val="lt1"/>
+          </a:fontRef>
+        </p:style>
+        <p:txBody>
+          <a:bodyPr rtlCol="0" anchor="t"/>
+          <a:lstStyle/>
+          <a:p>
+            <a:r>
+              <a:rPr lang="en-US" dirty="0" smtClean="0">
+                <a:solidFill>
+                  <a:schemeClr val="tx1"/>
+                </a:solidFill>
+              </a:rPr>
+              <a:t>Message</a:t>
+            </a:r>
+            <a:endParaRPr lang="en-US" dirty="0">
+              <a:solidFill>
+                <a:schemeClr val="tx1"/>
+              </a:solidFill>
+            </a:endParaRPr>
+          </a:p>
+        </p:txBody>
+      </p:sp>
+      <p:sp>
+        <p:nvSpPr>
+          <p:cNvPr id="28" name="Rounded Rectangle 27"/>
+          <p:cNvSpPr/>
+          <p:nvPr/>
+        </p:nvSpPr>
+        <p:spPr>
+          <a:xfrm>
+            <a:off x="9955213" y="4081145"/>
+            <a:ext cx="1493520" cy="792480"/>
+          </a:xfrm>
+          <a:prstGeom prst="roundRect">
+            <a:avLst/>
+          </a:prstGeom>
+          <a:solidFill>
+            <a:schemeClr val="tx1">
+              <a:lumMod val="95000"/>
+              <a:lumOff val="5000"/>
+            </a:schemeClr>
+          </a:solidFill>
+          <a:ln/>
+        </p:spPr>
+        <p:style>
+          <a:lnRef idx="1">
+            <a:schemeClr val="accent6"/>
+          </a:lnRef>
+          <a:fillRef idx="3">
+            <a:schemeClr val="accent6"/>
+          </a:fillRef>
+          <a:effectRef idx="2">
+            <a:schemeClr val="accent6"/>
+          </a:effectRef>
+          <a:fontRef idx="minor">
+            <a:schemeClr val="lt1"/>
+          </a:fontRef>
+        </p:style>
+        <p:txBody>
+          <a:bodyPr rtlCol="0" anchor="ctr"/>
+          <a:lstStyle/>
+          <a:p>
+            <a:pPr algn="ctr"/>
+            <a:r>
+              <a:rPr lang="en-US" dirty="0" smtClean="0">
+                <a:ln w="0"/>
+                <a:solidFill>
+                  <a:schemeClr val="bg1"/>
+                </a:solidFill>
+                <a:effectLst>
+                  <a:outerShdw blurRad="38100" dist="19050" dir="2700000" algn="tl" rotWithShape="0">
+                    <a:schemeClr val="dk1">
+                      <a:alpha val="40000"/>
+                    </a:schemeClr>
+                  </a:outerShdw>
+                </a:effectLst>
+              </a:rPr>
+              <a:t>Position</a:t>
+            </a:r>
+          </a:p>
+        </p:txBody>
+      </p:sp>
+      <p:sp>
+        <p:nvSpPr>
+          <p:cNvPr id="29" name="Rounded Rectangle 28"/>
+          <p:cNvSpPr/>
+          <p:nvPr/>
+        </p:nvSpPr>
+        <p:spPr>
+          <a:xfrm>
+            <a:off x="11646853" y="4081145"/>
+            <a:ext cx="1753870" cy="792480"/>
+          </a:xfrm>
+          <a:prstGeom prst="roundRect">
+            <a:avLst/>
+          </a:prstGeom>
+          <a:solidFill>
+            <a:schemeClr val="tx1">
+              <a:lumMod val="95000"/>
+              <a:lumOff val="5000"/>
+            </a:schemeClr>
+          </a:solidFill>
+          <a:ln/>
+        </p:spPr>
+        <p:style>
+          <a:lnRef idx="1">
+            <a:schemeClr val="accent6"/>
+          </a:lnRef>
+          <a:fillRef idx="3">
+            <a:schemeClr val="accent6"/>
+          </a:fillRef>
+          <a:effectRef idx="2">
+            <a:schemeClr val="accent6"/>
+          </a:effectRef>
+          <a:fontRef idx="minor">
+            <a:schemeClr val="lt1"/>
+          </a:fontRef>
+        </p:style>
+        <p:txBody>
+          <a:bodyPr rtlCol="0" anchor="ctr"/>
+          <a:lstStyle/>
+          <a:p>
+            <a:pPr algn="ctr"/>
+            <a:r>
+              <a:rPr lang="en-US" dirty="0" smtClean="0">
+                <a:ln w="0"/>
+                <a:solidFill>
+                  <a:schemeClr val="bg1"/>
+                </a:solidFill>
+                <a:effectLst>
+                  <a:outerShdw blurRad="38100" dist="19050" dir="2700000" algn="tl" rotWithShape="0">
+                    <a:schemeClr val="dk1">
+                      <a:alpha val="40000"/>
+                    </a:schemeClr>
+                  </a:outerShdw>
+                </a:effectLst>
+              </a:rPr>
+              <a:t>Communication</a:t>
+            </a:r>
+          </a:p>
+        </p:txBody>
+      </p:sp>
+      <p:sp>
+        <p:nvSpPr>
+          <p:cNvPr id="30" name="Rounded Rectangle 29"/>
+          <p:cNvSpPr/>
+          <p:nvPr/>
+        </p:nvSpPr>
+        <p:spPr>
+          <a:xfrm>
+            <a:off x="5786120" y="6440805"/>
+            <a:ext cx="1586230" cy="792480"/>
+          </a:xfrm>
+          <a:prstGeom prst="roundRect">
+            <a:avLst/>
+          </a:prstGeom>
+        </p:spPr>
+        <p:style>
+          <a:lnRef idx="1">
+            <a:schemeClr val="accent3"/>
+          </a:lnRef>
+          <a:fillRef idx="2">
+            <a:schemeClr val="accent3"/>
+          </a:fillRef>
+          <a:effectRef idx="1">
+            <a:schemeClr val="accent3"/>
+          </a:effectRef>
+          <a:fontRef idx="minor">
+            <a:schemeClr val="dk1"/>
+          </a:fontRef>
+        </p:style>
+        <p:txBody>
+          <a:bodyPr rtlCol="0" anchor="ctr"/>
+          <a:lstStyle/>
+          <a:p>
+            <a:pPr algn="ctr"/>
+            <a:r>
+              <a:rPr lang="en-US" dirty="0" smtClean="0">
+                <a:ln w="0"/>
+                <a:solidFill>
                   <a:schemeClr val="tx1"/>
                 </a:solidFill>
                 <a:effectLst>
@@ -3615,7 +4146,26 @@
                   </a:outerShdw>
                 </a:effectLst>
               </a:rPr>
-              <a:t>Communication</a:t>
+              <a:t>Mapping of</a:t>
+            </a:r>
+          </a:p>
+          <a:p>
+            <a:pPr algn="ctr"/>
+            <a:r>
+              <a:rPr lang="en-US" dirty="0" smtClean="0">
+                <a:ln w="0"/>
+                <a:solidFill>
+                  <a:schemeClr val="tx1"/>
+                </a:solidFill>
+                <a:effectLst>
+                  <a:outerShdw blurRad="38100" dist="19050" dir="2700000" algn="tl" rotWithShape="0">
+                    <a:schemeClr val="dk1">
+                      <a:alpha val="40000"/>
+                    </a:schemeClr>
+                  </a:outerShdw>
+                </a:effectLst>
+              </a:rPr>
+              <a:t>Binary Stream</a:t>
             </a:r>
             <a:endParaRPr lang="en-US" dirty="0" smtClean="0">
               <a:ln w="0"/>
@@ -3633,6 +4183,943 @@
           </a:p>
         </p:txBody>
       </p:sp>
+      <p:sp>
+        <p:nvSpPr>
+          <p:cNvPr id="33" name="Rounded Rectangle 32"/>
+          <p:cNvSpPr/>
+          <p:nvPr/>
+        </p:nvSpPr>
+        <p:spPr>
+          <a:xfrm>
+            <a:off x="3914140" y="1062674"/>
+            <a:ext cx="1493520" cy="792480"/>
+          </a:xfrm>
+          <a:prstGeom prst="roundRect">
+            <a:avLst/>
+          </a:prstGeom>
+          <a:solidFill>
+            <a:srgbClr val="65A638"/>
+          </a:solidFill>
+        </p:spPr>
+        <p:style>
+          <a:lnRef idx="1">
+            <a:schemeClr val="accent6"/>
+          </a:lnRef>
+          <a:fillRef idx="3">
+            <a:schemeClr val="accent6"/>
+          </a:fillRef>
+          <a:effectRef idx="2">
+            <a:schemeClr val="accent6"/>
+          </a:effectRef>
+          <a:fontRef idx="minor">
+            <a:schemeClr val="lt1"/>
+          </a:fontRef>
+        </p:style>
+        <p:txBody>
+          <a:bodyPr rtlCol="0" anchor="ctr"/>
+          <a:lstStyle/>
+          <a:p>
+            <a:pPr algn="ctr"/>
+            <a:r>
+              <a:rPr lang="en-US" dirty="0" smtClean="0">
+                <a:ln w="0"/>
+                <a:solidFill>
+                  <a:schemeClr val="bg1"/>
+                </a:solidFill>
+                <a:effectLst>
+                  <a:outerShdw blurRad="38100" dist="19050" dir="2700000" algn="tl" rotWithShape="0">
+                    <a:schemeClr val="dk1">
+                      <a:alpha val="40000"/>
+                    </a:schemeClr>
+                  </a:outerShdw>
+                </a:effectLst>
+              </a:rPr>
+              <a:t>Commands</a:t>
+            </a:r>
+            <a:endParaRPr lang="en-US" dirty="0" smtClean="0">
+              <a:ln w="0"/>
+              <a:solidFill>
+                <a:schemeClr val="bg1"/>
+              </a:solidFill>
+              <a:effectLst>
+                <a:outerShdw blurRad="38100" dist="19050" dir="2700000" algn="tl" rotWithShape="0">
+                  <a:schemeClr val="dk1">
+                    <a:alpha val="40000"/>
+                  </a:schemeClr>
+                </a:outerShdw>
+              </a:effectLst>
+            </a:endParaRPr>
+          </a:p>
+        </p:txBody>
+      </p:sp>
+      <p:sp>
+        <p:nvSpPr>
+          <p:cNvPr id="34" name="Rounded Rectangle 33"/>
+          <p:cNvSpPr/>
+          <p:nvPr/>
+        </p:nvSpPr>
+        <p:spPr>
+          <a:xfrm>
+            <a:off x="-1214120" y="5787073"/>
+            <a:ext cx="4311650" cy="2171700"/>
+          </a:xfrm>
+          <a:prstGeom prst="roundRect">
+            <a:avLst/>
+          </a:prstGeom>
+          <a:solidFill>
+            <a:schemeClr val="bg1"/>
+          </a:solidFill>
+          <a:ln w="76200">
+            <a:solidFill>
+              <a:schemeClr val="tx1"/>
+            </a:solidFill>
+          </a:ln>
+        </p:spPr>
+        <p:style>
+          <a:lnRef idx="2">
+            <a:schemeClr val="accent5">
+              <a:shade val="50000"/>
+            </a:schemeClr>
+          </a:lnRef>
+          <a:fillRef idx="1">
+            <a:schemeClr val="accent5"/>
+          </a:fillRef>
+          <a:effectRef idx="0">
+            <a:schemeClr val="accent5"/>
+          </a:effectRef>
+          <a:fontRef idx="minor">
+            <a:schemeClr val="lt1"/>
+          </a:fontRef>
+        </p:style>
+        <p:txBody>
+          <a:bodyPr rtlCol="0" anchor="t"/>
+          <a:lstStyle/>
+          <a:p>
+            <a:endParaRPr lang="en-US" dirty="0">
+              <a:solidFill>
+                <a:schemeClr val="tx1"/>
+              </a:solidFill>
+            </a:endParaRPr>
+          </a:p>
+        </p:txBody>
+      </p:sp>
+      <p:sp>
+        <p:nvSpPr>
+          <p:cNvPr id="36" name="Rounded Rectangle 35"/>
+          <p:cNvSpPr/>
+          <p:nvPr/>
+        </p:nvSpPr>
+        <p:spPr>
+          <a:xfrm>
+            <a:off x="-817880" y="6778943"/>
+            <a:ext cx="1493520" cy="792480"/>
+          </a:xfrm>
+          <a:prstGeom prst="roundRect">
+            <a:avLst/>
+          </a:prstGeom>
+          <a:solidFill>
+            <a:schemeClr val="tx1">
+              <a:lumMod val="95000"/>
+              <a:lumOff val="5000"/>
+            </a:schemeClr>
+          </a:solidFill>
+          <a:ln/>
+        </p:spPr>
+        <p:style>
+          <a:lnRef idx="1">
+            <a:schemeClr val="accent6"/>
+          </a:lnRef>
+          <a:fillRef idx="3">
+            <a:schemeClr val="accent6"/>
+          </a:fillRef>
+          <a:effectRef idx="2">
+            <a:schemeClr val="accent6"/>
+          </a:effectRef>
+          <a:fontRef idx="minor">
+            <a:schemeClr val="lt1"/>
+          </a:fontRef>
+        </p:style>
+        <p:txBody>
+          <a:bodyPr rtlCol="0" anchor="ctr"/>
+          <a:lstStyle/>
+          <a:p>
+            <a:pPr algn="ctr"/>
+            <a:r>
+              <a:rPr lang="en-US" dirty="0" smtClean="0">
+                <a:ln w="0"/>
+                <a:solidFill>
+                  <a:schemeClr val="bg1"/>
+                </a:solidFill>
+                <a:effectLst>
+                  <a:outerShdw blurRad="38100" dist="19050" dir="2700000" algn="tl" rotWithShape="0">
+                    <a:schemeClr val="dk1">
+                      <a:alpha val="40000"/>
+                    </a:schemeClr>
+                  </a:outerShdw>
+                </a:effectLst>
+              </a:rPr>
+              <a:t>Position</a:t>
+            </a:r>
+          </a:p>
+        </p:txBody>
+      </p:sp>
+      <p:sp>
+        <p:nvSpPr>
+          <p:cNvPr id="37" name="Rounded Rectangle 36"/>
+          <p:cNvSpPr/>
+          <p:nvPr/>
+        </p:nvSpPr>
+        <p:spPr>
+          <a:xfrm>
+            <a:off x="873760" y="6778943"/>
+            <a:ext cx="1753870" cy="792480"/>
+          </a:xfrm>
+          <a:prstGeom prst="roundRect">
+            <a:avLst/>
+          </a:prstGeom>
+          <a:solidFill>
+            <a:schemeClr val="tx1">
+              <a:lumMod val="95000"/>
+              <a:lumOff val="5000"/>
+            </a:schemeClr>
+          </a:solidFill>
+          <a:ln/>
+        </p:spPr>
+        <p:style>
+          <a:lnRef idx="1">
+            <a:schemeClr val="accent6"/>
+          </a:lnRef>
+          <a:fillRef idx="3">
+            <a:schemeClr val="accent6"/>
+          </a:fillRef>
+          <a:effectRef idx="2">
+            <a:schemeClr val="accent6"/>
+          </a:effectRef>
+          <a:fontRef idx="minor">
+            <a:schemeClr val="lt1"/>
+          </a:fontRef>
+        </p:style>
+        <p:txBody>
+          <a:bodyPr rtlCol="0" anchor="ctr"/>
+          <a:lstStyle/>
+          <a:p>
+            <a:pPr algn="ctr"/>
+            <a:r>
+              <a:rPr lang="en-US" dirty="0" smtClean="0">
+                <a:ln w="0"/>
+                <a:solidFill>
+                  <a:schemeClr val="bg1"/>
+                </a:solidFill>
+                <a:effectLst>
+                  <a:outerShdw blurRad="38100" dist="19050" dir="2700000" algn="tl" rotWithShape="0">
+                    <a:schemeClr val="dk1">
+                      <a:alpha val="40000"/>
+                    </a:schemeClr>
+                  </a:outerShdw>
+                </a:effectLst>
+              </a:rPr>
+              <a:t>Communication</a:t>
+            </a:r>
+          </a:p>
+        </p:txBody>
+      </p:sp>
+      <p:cxnSp>
+        <p:nvCxnSpPr>
+          <p:cNvPr id="3" name="Straight Arrow Connector 2"/>
+          <p:cNvCxnSpPr>
+            <a:stCxn id="9" idx="2"/>
+            <a:endCxn id="13" idx="0"/>
+          </p:cNvCxnSpPr>
+          <p:nvPr/>
+        </p:nvCxnSpPr>
+        <p:spPr>
+          <a:xfrm>
+            <a:off x="1280160" y="1855154"/>
+            <a:ext cx="1" cy="1530670"/>
+          </a:xfrm>
+          <a:prstGeom prst="straightConnector1">
+            <a:avLst/>
+          </a:prstGeom>
+          <a:ln>
+            <a:solidFill>
+              <a:schemeClr val="tx1"/>
+            </a:solidFill>
+            <a:tailEnd type="triangle"/>
+          </a:ln>
+        </p:spPr>
+        <p:style>
+          <a:lnRef idx="1">
+            <a:schemeClr val="accent1"/>
+          </a:lnRef>
+          <a:fillRef idx="0">
+            <a:schemeClr val="accent1"/>
+          </a:fillRef>
+          <a:effectRef idx="0">
+            <a:schemeClr val="accent1"/>
+          </a:effectRef>
+          <a:fontRef idx="minor">
+            <a:schemeClr val="tx1"/>
+          </a:fontRef>
+        </p:style>
+      </p:cxnSp>
+      <p:cxnSp>
+        <p:nvCxnSpPr>
+          <p:cNvPr id="40" name="Straight Arrow Connector 39"/>
+          <p:cNvCxnSpPr>
+            <a:stCxn id="5" idx="2"/>
+            <a:endCxn id="95" idx="0"/>
+          </p:cNvCxnSpPr>
+          <p:nvPr/>
+        </p:nvCxnSpPr>
+        <p:spPr>
+          <a:xfrm>
+            <a:off x="2971800" y="1855154"/>
+            <a:ext cx="2" cy="1506539"/>
+          </a:xfrm>
+          <a:prstGeom prst="straightConnector1">
+            <a:avLst/>
+          </a:prstGeom>
+          <a:ln>
+            <a:solidFill>
+              <a:schemeClr val="tx1"/>
+            </a:solidFill>
+            <a:tailEnd type="triangle"/>
+          </a:ln>
+        </p:spPr>
+        <p:style>
+          <a:lnRef idx="1">
+            <a:schemeClr val="accent1"/>
+          </a:lnRef>
+          <a:fillRef idx="0">
+            <a:schemeClr val="accent1"/>
+          </a:fillRef>
+          <a:effectRef idx="0">
+            <a:schemeClr val="accent1"/>
+          </a:effectRef>
+          <a:fontRef idx="minor">
+            <a:schemeClr val="tx1"/>
+          </a:fontRef>
+        </p:style>
+      </p:cxnSp>
+      <p:cxnSp>
+        <p:nvCxnSpPr>
+          <p:cNvPr id="42" name="Straight Arrow Connector 41"/>
+          <p:cNvCxnSpPr>
+            <a:stCxn id="33" idx="2"/>
+            <a:endCxn id="96" idx="0"/>
+          </p:cNvCxnSpPr>
+          <p:nvPr/>
+        </p:nvCxnSpPr>
+        <p:spPr>
+          <a:xfrm>
+            <a:off x="4660900" y="1855154"/>
+            <a:ext cx="2" cy="1506539"/>
+          </a:xfrm>
+          <a:prstGeom prst="straightConnector1">
+            <a:avLst/>
+          </a:prstGeom>
+          <a:ln>
+            <a:solidFill>
+              <a:schemeClr val="tx1"/>
+            </a:solidFill>
+            <a:tailEnd type="triangle"/>
+          </a:ln>
+        </p:spPr>
+        <p:style>
+          <a:lnRef idx="1">
+            <a:schemeClr val="accent1"/>
+          </a:lnRef>
+          <a:fillRef idx="0">
+            <a:schemeClr val="accent1"/>
+          </a:fillRef>
+          <a:effectRef idx="0">
+            <a:schemeClr val="accent1"/>
+          </a:effectRef>
+          <a:fontRef idx="minor">
+            <a:schemeClr val="tx1"/>
+          </a:fontRef>
+        </p:style>
+      </p:cxnSp>
+      <p:cxnSp>
+        <p:nvCxnSpPr>
+          <p:cNvPr id="44" name="Straight Arrow Connector 43"/>
+          <p:cNvCxnSpPr>
+            <a:stCxn id="24" idx="2"/>
+            <a:endCxn id="97" idx="0"/>
+          </p:cNvCxnSpPr>
+          <p:nvPr/>
+        </p:nvCxnSpPr>
+        <p:spPr>
+          <a:xfrm>
+            <a:off x="6764020" y="1855154"/>
+            <a:ext cx="18259" cy="1506539"/>
+          </a:xfrm>
+          <a:prstGeom prst="straightConnector1">
+            <a:avLst/>
+          </a:prstGeom>
+          <a:ln>
+            <a:solidFill>
+              <a:schemeClr val="tx1"/>
+            </a:solidFill>
+            <a:tailEnd type="triangle"/>
+          </a:ln>
+        </p:spPr>
+        <p:style>
+          <a:lnRef idx="1">
+            <a:schemeClr val="accent1"/>
+          </a:lnRef>
+          <a:fillRef idx="0">
+            <a:schemeClr val="accent1"/>
+          </a:fillRef>
+          <a:effectRef idx="0">
+            <a:schemeClr val="accent1"/>
+          </a:effectRef>
+          <a:fontRef idx="minor">
+            <a:schemeClr val="tx1"/>
+          </a:fontRef>
+        </p:style>
+      </p:cxnSp>
+      <p:sp>
+        <p:nvSpPr>
+          <p:cNvPr id="95" name="Rounded Rectangle 94"/>
+          <p:cNvSpPr/>
+          <p:nvPr/>
+        </p:nvSpPr>
+        <p:spPr>
+          <a:xfrm>
+            <a:off x="2225041" y="3361693"/>
+            <a:ext cx="1493521" cy="792480"/>
+          </a:xfrm>
+          <a:prstGeom prst="roundRect">
+            <a:avLst>
+              <a:gd name="adj" fmla="val 50000"/>
+            </a:avLst>
+          </a:prstGeom>
+          <a:solidFill>
+            <a:schemeClr val="tx1"/>
+          </a:solidFill>
+          <a:ln>
+            <a:noFill/>
+          </a:ln>
+        </p:spPr>
+        <p:style>
+          <a:lnRef idx="1">
+            <a:schemeClr val="accent3"/>
+          </a:lnRef>
+          <a:fillRef idx="2">
+            <a:schemeClr val="accent3"/>
+          </a:fillRef>
+          <a:effectRef idx="1">
+            <a:schemeClr val="accent3"/>
+          </a:effectRef>
+          <a:fontRef idx="minor">
+            <a:schemeClr val="dk1"/>
+          </a:fontRef>
+        </p:style>
+        <p:txBody>
+          <a:bodyPr rtlCol="0" anchor="ctr"/>
+          <a:lstStyle/>
+          <a:p>
+            <a:pPr algn="ctr"/>
+            <a:r>
+              <a:rPr lang="en-US" dirty="0" smtClean="0">
+                <a:ln w="0"/>
+                <a:solidFill>
+                  <a:schemeClr val="bg1"/>
+                </a:solidFill>
+                <a:effectLst>
+                  <a:outerShdw blurRad="38100" dist="19050" dir="2700000" algn="tl" rotWithShape="0">
+                    <a:schemeClr val="dk1">
+                      <a:alpha val="40000"/>
+                    </a:schemeClr>
+                  </a:outerShdw>
+                </a:effectLst>
+              </a:rPr>
+              <a:t>Patter</a:t>
+            </a:r>
+          </a:p>
+          <a:p>
+            <a:pPr algn="ctr"/>
+            <a:r>
+              <a:rPr lang="en-US" dirty="0" smtClean="0">
+                <a:ln w="0"/>
+                <a:solidFill>
+                  <a:schemeClr val="bg1"/>
+                </a:solidFill>
+                <a:effectLst>
+                  <a:outerShdw blurRad="38100" dist="19050" dir="2700000" algn="tl" rotWithShape="0">
+                    <a:schemeClr val="dk1">
+                      <a:alpha val="40000"/>
+                    </a:schemeClr>
+                  </a:outerShdw>
+                </a:effectLst>
+              </a:rPr>
+              <a:t>Generation</a:t>
+            </a:r>
+            <a:endParaRPr lang="en-US" dirty="0" smtClean="0">
+              <a:ln w="0"/>
+              <a:solidFill>
+                <a:schemeClr val="bg1"/>
+              </a:solidFill>
+              <a:effectLst>
+                <a:outerShdw blurRad="38100" dist="19050" dir="2700000" algn="tl" rotWithShape="0">
+                  <a:schemeClr val="dk1">
+                    <a:alpha val="40000"/>
+                  </a:schemeClr>
+                </a:outerShdw>
+              </a:effectLst>
+            </a:endParaRPr>
+          </a:p>
+        </p:txBody>
+      </p:sp>
+      <p:sp>
+        <p:nvSpPr>
+          <p:cNvPr id="96" name="Rounded Rectangle 95"/>
+          <p:cNvSpPr/>
+          <p:nvPr/>
+        </p:nvSpPr>
+        <p:spPr>
+          <a:xfrm>
+            <a:off x="3914141" y="3361693"/>
+            <a:ext cx="1493521" cy="792480"/>
+          </a:xfrm>
+          <a:prstGeom prst="roundRect">
+            <a:avLst>
+              <a:gd name="adj" fmla="val 50000"/>
+            </a:avLst>
+          </a:prstGeom>
+          <a:solidFill>
+            <a:schemeClr val="tx1"/>
+          </a:solidFill>
+          <a:ln>
+            <a:noFill/>
+          </a:ln>
+        </p:spPr>
+        <p:style>
+          <a:lnRef idx="1">
+            <a:schemeClr val="accent3"/>
+          </a:lnRef>
+          <a:fillRef idx="2">
+            <a:schemeClr val="accent3"/>
+          </a:fillRef>
+          <a:effectRef idx="1">
+            <a:schemeClr val="accent3"/>
+          </a:effectRef>
+          <a:fontRef idx="minor">
+            <a:schemeClr val="dk1"/>
+          </a:fontRef>
+        </p:style>
+        <p:txBody>
+          <a:bodyPr rtlCol="0" anchor="ctr"/>
+          <a:lstStyle/>
+          <a:p>
+            <a:pPr algn="ctr"/>
+            <a:r>
+              <a:rPr lang="en-US" dirty="0" smtClean="0">
+                <a:ln w="0"/>
+                <a:solidFill>
+                  <a:schemeClr val="bg1"/>
+                </a:solidFill>
+                <a:effectLst>
+                  <a:outerShdw blurRad="38100" dist="19050" dir="2700000" algn="tl" rotWithShape="0">
+                    <a:schemeClr val="dk1">
+                      <a:alpha val="40000"/>
+                    </a:schemeClr>
+                  </a:outerShdw>
+                </a:effectLst>
+              </a:rPr>
+              <a:t>Patter</a:t>
+            </a:r>
+          </a:p>
+          <a:p>
+            <a:pPr algn="ctr"/>
+            <a:r>
+              <a:rPr lang="en-US" dirty="0" smtClean="0">
+                <a:ln w="0"/>
+                <a:solidFill>
+                  <a:schemeClr val="bg1"/>
+                </a:solidFill>
+                <a:effectLst>
+                  <a:outerShdw blurRad="38100" dist="19050" dir="2700000" algn="tl" rotWithShape="0">
+                    <a:schemeClr val="dk1">
+                      <a:alpha val="40000"/>
+                    </a:schemeClr>
+                  </a:outerShdw>
+                </a:effectLst>
+              </a:rPr>
+              <a:t>Generation</a:t>
+            </a:r>
+            <a:endParaRPr lang="en-US" dirty="0" smtClean="0">
+              <a:ln w="0"/>
+              <a:solidFill>
+                <a:schemeClr val="bg1"/>
+              </a:solidFill>
+              <a:effectLst>
+                <a:outerShdw blurRad="38100" dist="19050" dir="2700000" algn="tl" rotWithShape="0">
+                  <a:schemeClr val="dk1">
+                    <a:alpha val="40000"/>
+                  </a:schemeClr>
+                </a:outerShdw>
+              </a:effectLst>
+            </a:endParaRPr>
+          </a:p>
+        </p:txBody>
+      </p:sp>
+      <p:sp>
+        <p:nvSpPr>
+          <p:cNvPr id="97" name="Rounded Rectangle 96"/>
+          <p:cNvSpPr/>
+          <p:nvPr/>
+        </p:nvSpPr>
+        <p:spPr>
+          <a:xfrm>
+            <a:off x="6035518" y="3361693"/>
+            <a:ext cx="1493521" cy="792480"/>
+          </a:xfrm>
+          <a:prstGeom prst="roundRect">
+            <a:avLst>
+              <a:gd name="adj" fmla="val 50000"/>
+            </a:avLst>
+          </a:prstGeom>
+          <a:solidFill>
+            <a:schemeClr val="tx1"/>
+          </a:solidFill>
+          <a:ln>
+            <a:noFill/>
+          </a:ln>
+        </p:spPr>
+        <p:style>
+          <a:lnRef idx="1">
+            <a:schemeClr val="accent3"/>
+          </a:lnRef>
+          <a:fillRef idx="2">
+            <a:schemeClr val="accent3"/>
+          </a:fillRef>
+          <a:effectRef idx="1">
+            <a:schemeClr val="accent3"/>
+          </a:effectRef>
+          <a:fontRef idx="minor">
+            <a:schemeClr val="dk1"/>
+          </a:fontRef>
+        </p:style>
+        <p:txBody>
+          <a:bodyPr rtlCol="0" anchor="ctr"/>
+          <a:lstStyle/>
+          <a:p>
+            <a:pPr algn="ctr"/>
+            <a:r>
+              <a:rPr lang="en-US" dirty="0" smtClean="0">
+                <a:ln w="0"/>
+                <a:solidFill>
+                  <a:schemeClr val="bg1"/>
+                </a:solidFill>
+                <a:effectLst>
+                  <a:outerShdw blurRad="38100" dist="19050" dir="2700000" algn="tl" rotWithShape="0">
+                    <a:schemeClr val="dk1">
+                      <a:alpha val="40000"/>
+                    </a:schemeClr>
+                  </a:outerShdw>
+                </a:effectLst>
+              </a:rPr>
+              <a:t>Patter</a:t>
+            </a:r>
+          </a:p>
+          <a:p>
+            <a:pPr algn="ctr"/>
+            <a:r>
+              <a:rPr lang="en-US" dirty="0" smtClean="0">
+                <a:ln w="0"/>
+                <a:solidFill>
+                  <a:schemeClr val="bg1"/>
+                </a:solidFill>
+                <a:effectLst>
+                  <a:outerShdw blurRad="38100" dist="19050" dir="2700000" algn="tl" rotWithShape="0">
+                    <a:schemeClr val="dk1">
+                      <a:alpha val="40000"/>
+                    </a:schemeClr>
+                  </a:outerShdw>
+                </a:effectLst>
+              </a:rPr>
+              <a:t>Generation</a:t>
+            </a:r>
+            <a:endParaRPr lang="en-US" dirty="0" smtClean="0">
+              <a:ln w="0"/>
+              <a:solidFill>
+                <a:schemeClr val="bg1"/>
+              </a:solidFill>
+              <a:effectLst>
+                <a:outerShdw blurRad="38100" dist="19050" dir="2700000" algn="tl" rotWithShape="0">
+                  <a:schemeClr val="dk1">
+                    <a:alpha val="40000"/>
+                  </a:schemeClr>
+                </a:outerShdw>
+              </a:effectLst>
+            </a:endParaRPr>
+          </a:p>
+        </p:txBody>
+      </p:sp>
+      <p:sp>
+        <p:nvSpPr>
+          <p:cNvPr id="105" name="Rounded Rectangle 104"/>
+          <p:cNvSpPr/>
+          <p:nvPr/>
+        </p:nvSpPr>
+        <p:spPr>
+          <a:xfrm>
+            <a:off x="3301285" y="4468495"/>
+            <a:ext cx="1493521" cy="792480"/>
+          </a:xfrm>
+          <a:prstGeom prst="roundRect">
+            <a:avLst>
+              <a:gd name="adj" fmla="val 50000"/>
+            </a:avLst>
+          </a:prstGeom>
+          <a:solidFill>
+            <a:schemeClr val="tx1"/>
+          </a:solidFill>
+          <a:ln>
+            <a:noFill/>
+          </a:ln>
+        </p:spPr>
+        <p:style>
+          <a:lnRef idx="1">
+            <a:schemeClr val="accent3"/>
+          </a:lnRef>
+          <a:fillRef idx="2">
+            <a:schemeClr val="accent3"/>
+          </a:fillRef>
+          <a:effectRef idx="1">
+            <a:schemeClr val="accent3"/>
+          </a:effectRef>
+          <a:fontRef idx="minor">
+            <a:schemeClr val="dk1"/>
+          </a:fontRef>
+        </p:style>
+        <p:txBody>
+          <a:bodyPr rtlCol="0" anchor="ctr"/>
+          <a:lstStyle/>
+          <a:p>
+            <a:pPr algn="ctr"/>
+            <a:r>
+              <a:rPr lang="en-US" dirty="0" smtClean="0">
+                <a:ln w="0"/>
+                <a:solidFill>
+                  <a:schemeClr val="bg1"/>
+                </a:solidFill>
+                <a:effectLst>
+                  <a:outerShdw blurRad="38100" dist="19050" dir="2700000" algn="tl" rotWithShape="0">
+                    <a:schemeClr val="dk1">
+                      <a:alpha val="40000"/>
+                    </a:schemeClr>
+                  </a:outerShdw>
+                </a:effectLst>
+              </a:rPr>
+              <a:t>Pattern</a:t>
+            </a:r>
+            <a:r>
+              <a:rPr lang="en-US" dirty="0" smtClean="0">
+                <a:ln w="0"/>
+                <a:solidFill>
+                  <a:schemeClr val="tx1"/>
+                </a:solidFill>
+                <a:effectLst>
+                  <a:outerShdw blurRad="38100" dist="19050" dir="2700000" algn="tl" rotWithShape="0">
+                    <a:schemeClr val="dk1">
+                      <a:alpha val="40000"/>
+                    </a:schemeClr>
+                  </a:outerShdw>
+                </a:effectLst>
+              </a:rPr>
+              <a:t> </a:t>
+            </a:r>
+            <a:r>
+              <a:rPr lang="en-US" dirty="0" smtClean="0">
+                <a:ln w="0"/>
+                <a:solidFill>
+                  <a:schemeClr val="bg1"/>
+                </a:solidFill>
+                <a:effectLst>
+                  <a:outerShdw blurRad="38100" dist="19050" dir="2700000" algn="tl" rotWithShape="0">
+                    <a:schemeClr val="dk1">
+                      <a:alpha val="40000"/>
+                    </a:schemeClr>
+                  </a:outerShdw>
+                </a:effectLst>
+              </a:rPr>
+              <a:t>Array</a:t>
+            </a:r>
+            <a:endParaRPr lang="en-US" dirty="0" smtClean="0">
+              <a:ln w="0"/>
+              <a:solidFill>
+                <a:schemeClr val="bg1"/>
+              </a:solidFill>
+              <a:effectLst>
+                <a:outerShdw blurRad="38100" dist="19050" dir="2700000" algn="tl" rotWithShape="0">
+                  <a:schemeClr val="dk1">
+                    <a:alpha val="40000"/>
+                  </a:schemeClr>
+                </a:outerShdw>
+              </a:effectLst>
+            </a:endParaRPr>
+          </a:p>
+        </p:txBody>
+      </p:sp>
+      <p:cxnSp>
+        <p:nvCxnSpPr>
+          <p:cNvPr id="108" name="Straight Arrow Connector 107"/>
+          <p:cNvCxnSpPr>
+            <a:stCxn id="13" idx="2"/>
+            <a:endCxn id="105" idx="0"/>
+          </p:cNvCxnSpPr>
+          <p:nvPr/>
+        </p:nvCxnSpPr>
+        <p:spPr>
+          <a:xfrm>
+            <a:off x="1280161" y="4178304"/>
+            <a:ext cx="2767885" cy="290191"/>
+          </a:xfrm>
+          <a:prstGeom prst="straightConnector1">
+            <a:avLst/>
+          </a:prstGeom>
+          <a:ln>
+            <a:solidFill>
+              <a:schemeClr val="tx1"/>
+            </a:solidFill>
+            <a:tailEnd type="triangle"/>
+          </a:ln>
+        </p:spPr>
+        <p:style>
+          <a:lnRef idx="1">
+            <a:schemeClr val="accent1"/>
+          </a:lnRef>
+          <a:fillRef idx="0">
+            <a:schemeClr val="accent1"/>
+          </a:fillRef>
+          <a:effectRef idx="0">
+            <a:schemeClr val="accent1"/>
+          </a:effectRef>
+          <a:fontRef idx="minor">
+            <a:schemeClr val="tx1"/>
+          </a:fontRef>
+        </p:style>
+      </p:cxnSp>
+      <p:cxnSp>
+        <p:nvCxnSpPr>
+          <p:cNvPr id="109" name="Straight Arrow Connector 108"/>
+          <p:cNvCxnSpPr>
+            <a:stCxn id="95" idx="2"/>
+            <a:endCxn id="105" idx="0"/>
+          </p:cNvCxnSpPr>
+          <p:nvPr/>
+        </p:nvCxnSpPr>
+        <p:spPr>
+          <a:xfrm>
+            <a:off x="2971802" y="4154173"/>
+            <a:ext cx="1076244" cy="314322"/>
+          </a:xfrm>
+          <a:prstGeom prst="straightConnector1">
+            <a:avLst/>
+          </a:prstGeom>
+          <a:ln>
+            <a:solidFill>
+              <a:schemeClr val="tx1"/>
+            </a:solidFill>
+            <a:tailEnd type="triangle"/>
+          </a:ln>
+        </p:spPr>
+        <p:style>
+          <a:lnRef idx="1">
+            <a:schemeClr val="accent1"/>
+          </a:lnRef>
+          <a:fillRef idx="0">
+            <a:schemeClr val="accent1"/>
+          </a:fillRef>
+          <a:effectRef idx="0">
+            <a:schemeClr val="accent1"/>
+          </a:effectRef>
+          <a:fontRef idx="minor">
+            <a:schemeClr val="tx1"/>
+          </a:fontRef>
+        </p:style>
+      </p:cxnSp>
+      <p:cxnSp>
+        <p:nvCxnSpPr>
+          <p:cNvPr id="110" name="Straight Arrow Connector 109"/>
+          <p:cNvCxnSpPr>
+            <a:stCxn id="97" idx="2"/>
+            <a:endCxn id="105" idx="0"/>
+          </p:cNvCxnSpPr>
+          <p:nvPr/>
+        </p:nvCxnSpPr>
+        <p:spPr>
+          <a:xfrm flipH="1">
+            <a:off x="4048046" y="4154173"/>
+            <a:ext cx="2734233" cy="314322"/>
+          </a:xfrm>
+          <a:prstGeom prst="straightConnector1">
+            <a:avLst/>
+          </a:prstGeom>
+          <a:ln>
+            <a:solidFill>
+              <a:schemeClr val="tx1"/>
+            </a:solidFill>
+            <a:tailEnd type="triangle"/>
+          </a:ln>
+        </p:spPr>
+        <p:style>
+          <a:lnRef idx="1">
+            <a:schemeClr val="accent1"/>
+          </a:lnRef>
+          <a:fillRef idx="0">
+            <a:schemeClr val="accent1"/>
+          </a:fillRef>
+          <a:effectRef idx="0">
+            <a:schemeClr val="accent1"/>
+          </a:effectRef>
+          <a:fontRef idx="minor">
+            <a:schemeClr val="tx1"/>
+          </a:fontRef>
+        </p:style>
+      </p:cxnSp>
+      <p:cxnSp>
+        <p:nvCxnSpPr>
+          <p:cNvPr id="111" name="Straight Arrow Connector 110"/>
+          <p:cNvCxnSpPr>
+            <a:stCxn id="96" idx="2"/>
+            <a:endCxn id="105" idx="0"/>
+          </p:cNvCxnSpPr>
+          <p:nvPr/>
+        </p:nvCxnSpPr>
+        <p:spPr>
+          <a:xfrm flipH="1">
+            <a:off x="4048046" y="4154173"/>
+            <a:ext cx="612856" cy="314322"/>
+          </a:xfrm>
+          <a:prstGeom prst="straightConnector1">
+            <a:avLst/>
+          </a:prstGeom>
+          <a:ln>
+            <a:solidFill>
+              <a:schemeClr val="tx1"/>
+            </a:solidFill>
+            <a:tailEnd type="triangle"/>
+          </a:ln>
+        </p:spPr>
+        <p:style>
+          <a:lnRef idx="1">
+            <a:schemeClr val="accent1"/>
+          </a:lnRef>
+          <a:fillRef idx="0">
+            <a:schemeClr val="accent1"/>
+          </a:fillRef>
+          <a:effectRef idx="0">
+            <a:schemeClr val="accent1"/>
+          </a:effectRef>
+          <a:fontRef idx="minor">
+            <a:schemeClr val="tx1"/>
+          </a:fontRef>
+        </p:style>
+      </p:cxnSp>
     </p:spTree>
     <p:extLst>
       <p:ext uri="{BB962C8B-B14F-4D97-AF65-F5344CB8AC3E}">
@@ -3798,6 +5285,715 @@
 </file>
 
 <file path=ppt/slides/slide3.xml><?xml version="1.0" encoding="utf-8"?>
+<p:sld xmlns:a="http://schemas.openxmlformats.org/drawingml/2006/main" xmlns:r="http://schemas.openxmlformats.org/officeDocument/2006/relationships" xmlns:p="http://schemas.openxmlformats.org/presentationml/2006/main">
+  <p:cSld>
+    <p:spTree>
+      <p:nvGrpSpPr>
+        <p:cNvPr id="1" name=""/>
+        <p:cNvGrpSpPr/>
+        <p:nvPr/>
+      </p:nvGrpSpPr>
+      <p:grpSpPr>
+        <a:xfrm>
+          <a:off x="0" y="0"/>
+          <a:ext cx="0" cy="0"/>
+          <a:chOff x="0" y="0"/>
+          <a:chExt cx="0" cy="0"/>
+        </a:xfrm>
+      </p:grpSpPr>
+      <p:sp>
+        <p:nvSpPr>
+          <p:cNvPr id="4" name="Rounded Rectangle 3"/>
+          <p:cNvSpPr/>
+          <p:nvPr/>
+        </p:nvSpPr>
+        <p:spPr>
+          <a:xfrm>
+            <a:off x="2279650" y="185103"/>
+            <a:ext cx="7816850" cy="2132965"/>
+          </a:xfrm>
+          <a:prstGeom prst="roundRect">
+            <a:avLst/>
+          </a:prstGeom>
+          <a:solidFill>
+            <a:schemeClr val="accent6">
+              <a:lumMod val="20000"/>
+              <a:lumOff val="80000"/>
+            </a:schemeClr>
+          </a:solidFill>
+          <a:ln w="76200">
+            <a:solidFill>
+              <a:schemeClr val="accent6">
+                <a:lumMod val="75000"/>
+              </a:schemeClr>
+            </a:solidFill>
+          </a:ln>
+        </p:spPr>
+        <p:style>
+          <a:lnRef idx="2">
+            <a:schemeClr val="accent5">
+              <a:shade val="50000"/>
+            </a:schemeClr>
+          </a:lnRef>
+          <a:fillRef idx="1">
+            <a:schemeClr val="accent5"/>
+          </a:fillRef>
+          <a:effectRef idx="0">
+            <a:schemeClr val="accent5"/>
+          </a:effectRef>
+          <a:fontRef idx="minor">
+            <a:schemeClr val="lt1"/>
+          </a:fontRef>
+        </p:style>
+        <p:txBody>
+          <a:bodyPr rtlCol="0" anchor="t"/>
+          <a:lstStyle/>
+          <a:p>
+            <a:r>
+              <a:rPr lang="en-US" dirty="0" smtClean="0">
+                <a:solidFill>
+                  <a:schemeClr val="tx1"/>
+                </a:solidFill>
+              </a:rPr>
+              <a:t>Information</a:t>
+            </a:r>
+            <a:endParaRPr lang="en-US" dirty="0">
+              <a:solidFill>
+                <a:schemeClr val="tx1"/>
+              </a:solidFill>
+            </a:endParaRPr>
+          </a:p>
+        </p:txBody>
+      </p:sp>
+      <p:sp>
+        <p:nvSpPr>
+          <p:cNvPr id="5" name="Rounded Rectangle 4"/>
+          <p:cNvSpPr/>
+          <p:nvPr/>
+        </p:nvSpPr>
+        <p:spPr>
+          <a:xfrm>
+            <a:off x="7974330" y="667704"/>
+            <a:ext cx="1899920" cy="1460500"/>
+          </a:xfrm>
+          <a:prstGeom prst="roundRect">
+            <a:avLst/>
+          </a:prstGeom>
+          <a:solidFill>
+            <a:schemeClr val="accent6">
+              <a:lumMod val="60000"/>
+              <a:lumOff val="40000"/>
+            </a:schemeClr>
+          </a:solidFill>
+          <a:ln w="76200">
+            <a:noFill/>
+          </a:ln>
+        </p:spPr>
+        <p:style>
+          <a:lnRef idx="2">
+            <a:schemeClr val="accent5">
+              <a:shade val="50000"/>
+            </a:schemeClr>
+          </a:lnRef>
+          <a:fillRef idx="1">
+            <a:schemeClr val="accent5"/>
+          </a:fillRef>
+          <a:effectRef idx="0">
+            <a:schemeClr val="accent5"/>
+          </a:effectRef>
+          <a:fontRef idx="minor">
+            <a:schemeClr val="lt1"/>
+          </a:fontRef>
+        </p:style>
+        <p:txBody>
+          <a:bodyPr rtlCol="0" anchor="t"/>
+          <a:lstStyle/>
+          <a:p>
+            <a:r>
+              <a:rPr lang="en-US" dirty="0" smtClean="0">
+                <a:solidFill>
+                  <a:schemeClr val="tx1"/>
+                </a:solidFill>
+              </a:rPr>
+              <a:t>Static</a:t>
+            </a:r>
+            <a:endParaRPr lang="en-US" dirty="0">
+              <a:solidFill>
+                <a:schemeClr val="tx1"/>
+              </a:solidFill>
+            </a:endParaRPr>
+          </a:p>
+        </p:txBody>
+      </p:sp>
+      <p:sp>
+        <p:nvSpPr>
+          <p:cNvPr id="6" name="Rounded Rectangle 5"/>
+          <p:cNvSpPr/>
+          <p:nvPr/>
+        </p:nvSpPr>
+        <p:spPr>
+          <a:xfrm>
+            <a:off x="2475230" y="667704"/>
+            <a:ext cx="5303520" cy="1460500"/>
+          </a:xfrm>
+          <a:prstGeom prst="roundRect">
+            <a:avLst/>
+          </a:prstGeom>
+          <a:solidFill>
+            <a:schemeClr val="accent6">
+              <a:lumMod val="60000"/>
+              <a:lumOff val="40000"/>
+            </a:schemeClr>
+          </a:solidFill>
+          <a:ln w="76200">
+            <a:noFill/>
+          </a:ln>
+        </p:spPr>
+        <p:style>
+          <a:lnRef idx="2">
+            <a:schemeClr val="accent5">
+              <a:shade val="50000"/>
+            </a:schemeClr>
+          </a:lnRef>
+          <a:fillRef idx="1">
+            <a:schemeClr val="accent5"/>
+          </a:fillRef>
+          <a:effectRef idx="0">
+            <a:schemeClr val="accent5"/>
+          </a:effectRef>
+          <a:fontRef idx="minor">
+            <a:schemeClr val="lt1"/>
+          </a:fontRef>
+        </p:style>
+        <p:txBody>
+          <a:bodyPr rtlCol="0" anchor="t"/>
+          <a:lstStyle/>
+          <a:p>
+            <a:r>
+              <a:rPr lang="en-US" dirty="0" smtClean="0">
+                <a:solidFill>
+                  <a:schemeClr val="tx1"/>
+                </a:solidFill>
+              </a:rPr>
+              <a:t>Dynamic</a:t>
+            </a:r>
+            <a:endParaRPr lang="en-US" dirty="0">
+              <a:solidFill>
+                <a:schemeClr val="tx1"/>
+              </a:solidFill>
+            </a:endParaRPr>
+          </a:p>
+        </p:txBody>
+      </p:sp>
+      <p:sp>
+        <p:nvSpPr>
+          <p:cNvPr id="7" name="Rounded Rectangle 6"/>
+          <p:cNvSpPr/>
+          <p:nvPr/>
+        </p:nvSpPr>
+        <p:spPr>
+          <a:xfrm>
+            <a:off x="4364990" y="1132524"/>
+            <a:ext cx="1493520" cy="792480"/>
+          </a:xfrm>
+          <a:prstGeom prst="roundRect">
+            <a:avLst/>
+          </a:prstGeom>
+          <a:solidFill>
+            <a:srgbClr val="65A638"/>
+          </a:solidFill>
+        </p:spPr>
+        <p:style>
+          <a:lnRef idx="1">
+            <a:schemeClr val="accent6"/>
+          </a:lnRef>
+          <a:fillRef idx="3">
+            <a:schemeClr val="accent6"/>
+          </a:fillRef>
+          <a:effectRef idx="2">
+            <a:schemeClr val="accent6"/>
+          </a:effectRef>
+          <a:fontRef idx="minor">
+            <a:schemeClr val="lt1"/>
+          </a:fontRef>
+        </p:style>
+        <p:txBody>
+          <a:bodyPr rtlCol="0" anchor="ctr"/>
+          <a:lstStyle/>
+          <a:p>
+            <a:pPr algn="ctr"/>
+            <a:r>
+              <a:rPr lang="en-US" dirty="0" smtClean="0">
+                <a:ln w="0"/>
+                <a:solidFill>
+                  <a:schemeClr val="bg1"/>
+                </a:solidFill>
+                <a:effectLst>
+                  <a:outerShdw blurRad="38100" dist="19050" dir="2700000" algn="tl" rotWithShape="0">
+                    <a:schemeClr val="dk1">
+                      <a:alpha val="40000"/>
+                    </a:schemeClr>
+                  </a:outerShdw>
+                </a:effectLst>
+              </a:rPr>
+              <a:t>Simulated Environment</a:t>
+            </a:r>
+          </a:p>
+        </p:txBody>
+      </p:sp>
+      <p:sp>
+        <p:nvSpPr>
+          <p:cNvPr id="8" name="Rounded Rectangle 7"/>
+          <p:cNvSpPr/>
+          <p:nvPr/>
+        </p:nvSpPr>
+        <p:spPr>
+          <a:xfrm>
+            <a:off x="2673350" y="1132524"/>
+            <a:ext cx="1493520" cy="792480"/>
+          </a:xfrm>
+          <a:prstGeom prst="roundRect">
+            <a:avLst/>
+          </a:prstGeom>
+          <a:solidFill>
+            <a:srgbClr val="65A638"/>
+          </a:solidFill>
+        </p:spPr>
+        <p:style>
+          <a:lnRef idx="1">
+            <a:schemeClr val="accent6"/>
+          </a:lnRef>
+          <a:fillRef idx="3">
+            <a:schemeClr val="accent6"/>
+          </a:fillRef>
+          <a:effectRef idx="2">
+            <a:schemeClr val="accent6"/>
+          </a:effectRef>
+          <a:fontRef idx="minor">
+            <a:schemeClr val="lt1"/>
+          </a:fontRef>
+        </p:style>
+        <p:txBody>
+          <a:bodyPr rtlCol="0" anchor="ctr"/>
+          <a:lstStyle/>
+          <a:p>
+            <a:pPr algn="ctr"/>
+            <a:r>
+              <a:rPr lang="en-US" dirty="0" smtClean="0">
+                <a:ln w="0"/>
+                <a:solidFill>
+                  <a:schemeClr val="bg1"/>
+                </a:solidFill>
+                <a:effectLst>
+                  <a:outerShdw blurRad="38100" dist="19050" dir="2700000" algn="tl" rotWithShape="0">
+                    <a:schemeClr val="dk1">
+                      <a:alpha val="40000"/>
+                    </a:schemeClr>
+                  </a:outerShdw>
+                </a:effectLst>
+              </a:rPr>
+              <a:t>User </a:t>
+            </a:r>
+            <a:endParaRPr lang="en-US" b="1" dirty="0" smtClean="0">
+              <a:ln w="0"/>
+              <a:solidFill>
+                <a:schemeClr val="bg1"/>
+              </a:solidFill>
+              <a:effectLst>
+                <a:outerShdw blurRad="38100" dist="19050" dir="2700000" algn="tl" rotWithShape="0">
+                  <a:schemeClr val="dk1">
+                    <a:alpha val="40000"/>
+                  </a:schemeClr>
+                </a:outerShdw>
+              </a:effectLst>
+            </a:endParaRPr>
+          </a:p>
+          <a:p>
+            <a:pPr algn="ctr"/>
+            <a:r>
+              <a:rPr lang="en-US" dirty="0" smtClean="0">
+                <a:ln w="0"/>
+                <a:solidFill>
+                  <a:schemeClr val="bg1"/>
+                </a:solidFill>
+                <a:effectLst>
+                  <a:outerShdw blurRad="38100" dist="19050" dir="2700000" algn="tl" rotWithShape="0">
+                    <a:schemeClr val="dk1">
+                      <a:alpha val="40000"/>
+                    </a:schemeClr>
+                  </a:outerShdw>
+                </a:effectLst>
+              </a:rPr>
+              <a:t>Interaction</a:t>
+            </a:r>
+          </a:p>
+        </p:txBody>
+      </p:sp>
+      <p:sp>
+        <p:nvSpPr>
+          <p:cNvPr id="9" name="Rounded Rectangle 8"/>
+          <p:cNvSpPr/>
+          <p:nvPr/>
+        </p:nvSpPr>
+        <p:spPr>
+          <a:xfrm>
+            <a:off x="8157210" y="1132524"/>
+            <a:ext cx="1493520" cy="792480"/>
+          </a:xfrm>
+          <a:prstGeom prst="roundRect">
+            <a:avLst/>
+          </a:prstGeom>
+          <a:solidFill>
+            <a:srgbClr val="65A638"/>
+          </a:solidFill>
+        </p:spPr>
+        <p:style>
+          <a:lnRef idx="1">
+            <a:schemeClr val="accent6"/>
+          </a:lnRef>
+          <a:fillRef idx="3">
+            <a:schemeClr val="accent6"/>
+          </a:fillRef>
+          <a:effectRef idx="2">
+            <a:schemeClr val="accent6"/>
+          </a:effectRef>
+          <a:fontRef idx="minor">
+            <a:schemeClr val="lt1"/>
+          </a:fontRef>
+        </p:style>
+        <p:txBody>
+          <a:bodyPr rtlCol="0" anchor="ctr"/>
+          <a:lstStyle/>
+          <a:p>
+            <a:pPr algn="ctr"/>
+            <a:r>
+              <a:rPr lang="en-US" dirty="0" smtClean="0">
+                <a:ln w="0"/>
+                <a:solidFill>
+                  <a:schemeClr val="bg1"/>
+                </a:solidFill>
+                <a:effectLst>
+                  <a:outerShdw blurRad="38100" dist="19050" dir="2700000" algn="tl" rotWithShape="0">
+                    <a:schemeClr val="dk1">
+                      <a:alpha val="40000"/>
+                    </a:schemeClr>
+                  </a:outerShdw>
+                </a:effectLst>
+              </a:rPr>
+              <a:t>Position</a:t>
+            </a:r>
+            <a:endParaRPr lang="en-US" dirty="0" smtClean="0">
+              <a:ln w="0"/>
+              <a:solidFill>
+                <a:schemeClr val="bg1"/>
+              </a:solidFill>
+              <a:effectLst>
+                <a:outerShdw blurRad="38100" dist="19050" dir="2700000" algn="tl" rotWithShape="0">
+                  <a:schemeClr val="dk1">
+                    <a:alpha val="40000"/>
+                  </a:schemeClr>
+                </a:outerShdw>
+              </a:effectLst>
+            </a:endParaRPr>
+          </a:p>
+        </p:txBody>
+      </p:sp>
+      <p:sp>
+        <p:nvSpPr>
+          <p:cNvPr id="10" name="Rounded Rectangle 9"/>
+          <p:cNvSpPr/>
+          <p:nvPr/>
+        </p:nvSpPr>
+        <p:spPr>
+          <a:xfrm>
+            <a:off x="6054090" y="1132524"/>
+            <a:ext cx="1493520" cy="792480"/>
+          </a:xfrm>
+          <a:prstGeom prst="roundRect">
+            <a:avLst/>
+          </a:prstGeom>
+          <a:solidFill>
+            <a:srgbClr val="65A638"/>
+          </a:solidFill>
+        </p:spPr>
+        <p:style>
+          <a:lnRef idx="1">
+            <a:schemeClr val="accent6"/>
+          </a:lnRef>
+          <a:fillRef idx="3">
+            <a:schemeClr val="accent6"/>
+          </a:fillRef>
+          <a:effectRef idx="2">
+            <a:schemeClr val="accent6"/>
+          </a:effectRef>
+          <a:fontRef idx="minor">
+            <a:schemeClr val="lt1"/>
+          </a:fontRef>
+        </p:style>
+        <p:txBody>
+          <a:bodyPr rtlCol="0" anchor="ctr"/>
+          <a:lstStyle/>
+          <a:p>
+            <a:pPr algn="ctr"/>
+            <a:r>
+              <a:rPr lang="en-US" dirty="0" smtClean="0">
+                <a:ln w="0"/>
+                <a:solidFill>
+                  <a:schemeClr val="bg1"/>
+                </a:solidFill>
+                <a:effectLst>
+                  <a:outerShdw blurRad="38100" dist="19050" dir="2700000" algn="tl" rotWithShape="0">
+                    <a:schemeClr val="dk1">
+                      <a:alpha val="40000"/>
+                    </a:schemeClr>
+                  </a:outerShdw>
+                </a:effectLst>
+              </a:rPr>
+              <a:t>Commands</a:t>
+            </a:r>
+            <a:endParaRPr lang="en-US" dirty="0" smtClean="0">
+              <a:ln w="0"/>
+              <a:solidFill>
+                <a:schemeClr val="bg1"/>
+              </a:solidFill>
+              <a:effectLst>
+                <a:outerShdw blurRad="38100" dist="19050" dir="2700000" algn="tl" rotWithShape="0">
+                  <a:schemeClr val="dk1">
+                    <a:alpha val="40000"/>
+                  </a:schemeClr>
+                </a:outerShdw>
+              </a:effectLst>
+            </a:endParaRPr>
+          </a:p>
+        </p:txBody>
+      </p:sp>
+      <p:sp>
+        <p:nvSpPr>
+          <p:cNvPr id="27" name="Rounded Rectangle 26"/>
+          <p:cNvSpPr/>
+          <p:nvPr/>
+        </p:nvSpPr>
+        <p:spPr>
+          <a:xfrm>
+            <a:off x="981710" y="3145474"/>
+            <a:ext cx="1493520" cy="792480"/>
+          </a:xfrm>
+          <a:prstGeom prst="roundRect">
+            <a:avLst/>
+          </a:prstGeom>
+          <a:solidFill>
+            <a:srgbClr val="65A638"/>
+          </a:solidFill>
+        </p:spPr>
+        <p:style>
+          <a:lnRef idx="1">
+            <a:schemeClr val="accent6"/>
+          </a:lnRef>
+          <a:fillRef idx="3">
+            <a:schemeClr val="accent6"/>
+          </a:fillRef>
+          <a:effectRef idx="2">
+            <a:schemeClr val="accent6"/>
+          </a:effectRef>
+          <a:fontRef idx="minor">
+            <a:schemeClr val="lt1"/>
+          </a:fontRef>
+        </p:style>
+        <p:txBody>
+          <a:bodyPr rtlCol="0" anchor="ctr"/>
+          <a:lstStyle/>
+          <a:p>
+            <a:pPr algn="ctr"/>
+            <a:r>
+              <a:rPr lang="en-US" dirty="0" smtClean="0">
+                <a:ln w="0"/>
+                <a:solidFill>
+                  <a:schemeClr val="bg1"/>
+                </a:solidFill>
+                <a:effectLst>
+                  <a:outerShdw blurRad="38100" dist="19050" dir="2700000" algn="tl" rotWithShape="0">
+                    <a:schemeClr val="dk1">
+                      <a:alpha val="40000"/>
+                    </a:schemeClr>
+                  </a:outerShdw>
+                </a:effectLst>
+              </a:rPr>
+              <a:t>User </a:t>
+            </a:r>
+            <a:endParaRPr lang="en-US" b="1" dirty="0" smtClean="0">
+              <a:ln w="0"/>
+              <a:solidFill>
+                <a:schemeClr val="bg1"/>
+              </a:solidFill>
+              <a:effectLst>
+                <a:outerShdw blurRad="38100" dist="19050" dir="2700000" algn="tl" rotWithShape="0">
+                  <a:schemeClr val="dk1">
+                    <a:alpha val="40000"/>
+                  </a:schemeClr>
+                </a:outerShdw>
+              </a:effectLst>
+            </a:endParaRPr>
+          </a:p>
+          <a:p>
+            <a:pPr algn="ctr"/>
+            <a:r>
+              <a:rPr lang="en-US" dirty="0" smtClean="0">
+                <a:ln w="0"/>
+                <a:solidFill>
+                  <a:schemeClr val="bg1"/>
+                </a:solidFill>
+                <a:effectLst>
+                  <a:outerShdw blurRad="38100" dist="19050" dir="2700000" algn="tl" rotWithShape="0">
+                    <a:schemeClr val="dk1">
+                      <a:alpha val="40000"/>
+                    </a:schemeClr>
+                  </a:outerShdw>
+                </a:effectLst>
+              </a:rPr>
+              <a:t>Interaction</a:t>
+            </a:r>
+          </a:p>
+        </p:txBody>
+      </p:sp>
+      <p:sp>
+        <p:nvSpPr>
+          <p:cNvPr id="28" name="Rounded Rectangle 27"/>
+          <p:cNvSpPr/>
+          <p:nvPr/>
+        </p:nvSpPr>
+        <p:spPr>
+          <a:xfrm>
+            <a:off x="981710" y="4072574"/>
+            <a:ext cx="1493520" cy="792480"/>
+          </a:xfrm>
+          <a:prstGeom prst="roundRect">
+            <a:avLst/>
+          </a:prstGeom>
+          <a:solidFill>
+            <a:srgbClr val="65A638"/>
+          </a:solidFill>
+        </p:spPr>
+        <p:style>
+          <a:lnRef idx="1">
+            <a:schemeClr val="accent6"/>
+          </a:lnRef>
+          <a:fillRef idx="3">
+            <a:schemeClr val="accent6"/>
+          </a:fillRef>
+          <a:effectRef idx="2">
+            <a:schemeClr val="accent6"/>
+          </a:effectRef>
+          <a:fontRef idx="minor">
+            <a:schemeClr val="lt1"/>
+          </a:fontRef>
+        </p:style>
+        <p:txBody>
+          <a:bodyPr rtlCol="0" anchor="ctr"/>
+          <a:lstStyle/>
+          <a:p>
+            <a:pPr algn="ctr"/>
+            <a:r>
+              <a:rPr lang="en-US" dirty="0" smtClean="0">
+                <a:ln w="0"/>
+                <a:solidFill>
+                  <a:schemeClr val="bg1"/>
+                </a:solidFill>
+                <a:effectLst>
+                  <a:outerShdw blurRad="38100" dist="19050" dir="2700000" algn="tl" rotWithShape="0">
+                    <a:schemeClr val="dk1">
+                      <a:alpha val="40000"/>
+                    </a:schemeClr>
+                  </a:outerShdw>
+                </a:effectLst>
+              </a:rPr>
+              <a:t>Commands</a:t>
+            </a:r>
+            <a:endParaRPr lang="en-US" dirty="0" smtClean="0">
+              <a:ln w="0"/>
+              <a:solidFill>
+                <a:schemeClr val="bg1"/>
+              </a:solidFill>
+              <a:effectLst>
+                <a:outerShdw blurRad="38100" dist="19050" dir="2700000" algn="tl" rotWithShape="0">
+                  <a:schemeClr val="dk1">
+                    <a:alpha val="40000"/>
+                  </a:schemeClr>
+                </a:outerShdw>
+              </a:effectLst>
+            </a:endParaRPr>
+          </a:p>
+        </p:txBody>
+      </p:sp>
+      <p:sp>
+        <p:nvSpPr>
+          <p:cNvPr id="30" name="Rounded Rectangle 29"/>
+          <p:cNvSpPr/>
+          <p:nvPr/>
+        </p:nvSpPr>
+        <p:spPr>
+          <a:xfrm>
+            <a:off x="981710" y="4999674"/>
+            <a:ext cx="1493520" cy="792480"/>
+          </a:xfrm>
+          <a:prstGeom prst="roundRect">
+            <a:avLst/>
+          </a:prstGeom>
+          <a:solidFill>
+            <a:srgbClr val="65A638"/>
+          </a:solidFill>
+        </p:spPr>
+        <p:style>
+          <a:lnRef idx="1">
+            <a:schemeClr val="accent6"/>
+          </a:lnRef>
+          <a:fillRef idx="3">
+            <a:schemeClr val="accent6"/>
+          </a:fillRef>
+          <a:effectRef idx="2">
+            <a:schemeClr val="accent6"/>
+          </a:effectRef>
+          <a:fontRef idx="minor">
+            <a:schemeClr val="lt1"/>
+          </a:fontRef>
+        </p:style>
+        <p:txBody>
+          <a:bodyPr rtlCol="0" anchor="ctr"/>
+          <a:lstStyle/>
+          <a:p>
+            <a:pPr algn="ctr"/>
+            <a:r>
+              <a:rPr lang="en-US" dirty="0" smtClean="0">
+                <a:ln w="0"/>
+                <a:solidFill>
+                  <a:schemeClr val="bg1"/>
+                </a:solidFill>
+                <a:effectLst>
+                  <a:outerShdw blurRad="38100" dist="19050" dir="2700000" algn="tl" rotWithShape="0">
+                    <a:schemeClr val="dk1">
+                      <a:alpha val="40000"/>
+                    </a:schemeClr>
+                  </a:outerShdw>
+                </a:effectLst>
+              </a:rPr>
+              <a:t>Simulated Environment</a:t>
+            </a:r>
+          </a:p>
+        </p:txBody>
+      </p:sp>
+    </p:spTree>
+    <p:extLst>
+      <p:ext uri="{BB962C8B-B14F-4D97-AF65-F5344CB8AC3E}">
+        <p14:creationId xmlns:p14="http://schemas.microsoft.com/office/powerpoint/2010/main" val="1973740140"/>
+      </p:ext>
+    </p:extLst>
+  </p:cSld>
+  <p:clrMapOvr>
+    <a:masterClrMapping/>
+  </p:clrMapOvr>
+</p:sld>
+</file>
+
+<file path=ppt/slides/slide4.xml><?xml version="1.0" encoding="utf-8"?>
 <p:sld xmlns:a="http://schemas.openxmlformats.org/drawingml/2006/main" xmlns:r="http://schemas.openxmlformats.org/officeDocument/2006/relationships" xmlns:p="http://schemas.openxmlformats.org/presentationml/2006/main">
   <p:cSld>
     <p:spTree>

--- a/Documents/Structure.pptx
+++ b/Documents/Structure.pptx
@@ -246,7 +246,7 @@
           <a:p>
             <a:fld id="{1C7BAE8E-F25C-4613-8620-6E4584186655}" type="datetimeFigureOut">
               <a:rPr lang="en-US" smtClean="0"/>
-              <a:t>12/1/2017</a:t>
+              <a:t>12/7/2017</a:t>
             </a:fld>
             <a:endParaRPr lang="en-US"/>
           </a:p>
@@ -416,7 +416,7 @@
           <a:p>
             <a:fld id="{1C7BAE8E-F25C-4613-8620-6E4584186655}" type="datetimeFigureOut">
               <a:rPr lang="en-US" smtClean="0"/>
-              <a:t>12/1/2017</a:t>
+              <a:t>12/7/2017</a:t>
             </a:fld>
             <a:endParaRPr lang="en-US"/>
           </a:p>
@@ -596,7 +596,7 @@
           <a:p>
             <a:fld id="{1C7BAE8E-F25C-4613-8620-6E4584186655}" type="datetimeFigureOut">
               <a:rPr lang="en-US" smtClean="0"/>
-              <a:t>12/1/2017</a:t>
+              <a:t>12/7/2017</a:t>
             </a:fld>
             <a:endParaRPr lang="en-US"/>
           </a:p>
@@ -766,7 +766,7 @@
           <a:p>
             <a:fld id="{1C7BAE8E-F25C-4613-8620-6E4584186655}" type="datetimeFigureOut">
               <a:rPr lang="en-US" smtClean="0"/>
-              <a:t>12/1/2017</a:t>
+              <a:t>12/7/2017</a:t>
             </a:fld>
             <a:endParaRPr lang="en-US"/>
           </a:p>
@@ -1012,7 +1012,7 @@
           <a:p>
             <a:fld id="{1C7BAE8E-F25C-4613-8620-6E4584186655}" type="datetimeFigureOut">
               <a:rPr lang="en-US" smtClean="0"/>
-              <a:t>12/1/2017</a:t>
+              <a:t>12/7/2017</a:t>
             </a:fld>
             <a:endParaRPr lang="en-US"/>
           </a:p>
@@ -1244,7 +1244,7 @@
           <a:p>
             <a:fld id="{1C7BAE8E-F25C-4613-8620-6E4584186655}" type="datetimeFigureOut">
               <a:rPr lang="en-US" smtClean="0"/>
-              <a:t>12/1/2017</a:t>
+              <a:t>12/7/2017</a:t>
             </a:fld>
             <a:endParaRPr lang="en-US"/>
           </a:p>
@@ -1611,7 +1611,7 @@
           <a:p>
             <a:fld id="{1C7BAE8E-F25C-4613-8620-6E4584186655}" type="datetimeFigureOut">
               <a:rPr lang="en-US" smtClean="0"/>
-              <a:t>12/1/2017</a:t>
+              <a:t>12/7/2017</a:t>
             </a:fld>
             <a:endParaRPr lang="en-US"/>
           </a:p>
@@ -1729,7 +1729,7 @@
           <a:p>
             <a:fld id="{1C7BAE8E-F25C-4613-8620-6E4584186655}" type="datetimeFigureOut">
               <a:rPr lang="en-US" smtClean="0"/>
-              <a:t>12/1/2017</a:t>
+              <a:t>12/7/2017</a:t>
             </a:fld>
             <a:endParaRPr lang="en-US"/>
           </a:p>
@@ -1824,7 +1824,7 @@
           <a:p>
             <a:fld id="{1C7BAE8E-F25C-4613-8620-6E4584186655}" type="datetimeFigureOut">
               <a:rPr lang="en-US" smtClean="0"/>
-              <a:t>12/1/2017</a:t>
+              <a:t>12/7/2017</a:t>
             </a:fld>
             <a:endParaRPr lang="en-US"/>
           </a:p>
@@ -2101,7 +2101,7 @@
           <a:p>
             <a:fld id="{1C7BAE8E-F25C-4613-8620-6E4584186655}" type="datetimeFigureOut">
               <a:rPr lang="en-US" smtClean="0"/>
-              <a:t>12/1/2017</a:t>
+              <a:t>12/7/2017</a:t>
             </a:fld>
             <a:endParaRPr lang="en-US"/>
           </a:p>
@@ -2354,7 +2354,7 @@
           <a:p>
             <a:fld id="{1C7BAE8E-F25C-4613-8620-6E4584186655}" type="datetimeFigureOut">
               <a:rPr lang="en-US" smtClean="0"/>
-              <a:t>12/1/2017</a:t>
+              <a:t>12/7/2017</a:t>
             </a:fld>
             <a:endParaRPr lang="en-US"/>
           </a:p>
@@ -2567,7 +2567,7 @@
           <a:p>
             <a:fld id="{1C7BAE8E-F25C-4613-8620-6E4584186655}" type="datetimeFigureOut">
               <a:rPr lang="en-US" smtClean="0"/>
-              <a:t>12/1/2017</a:t>
+              <a:t>12/7/2017</a:t>
             </a:fld>
             <a:endParaRPr lang="en-US"/>
           </a:p>
@@ -3164,8 +3164,8 @@
         </p:nvSpPr>
         <p:spPr>
           <a:xfrm>
-            <a:off x="9364980" y="704215"/>
-            <a:ext cx="4298950" cy="2171700"/>
+            <a:off x="-980732" y="7749667"/>
+            <a:ext cx="8372133" cy="2171700"/>
           </a:xfrm>
           <a:prstGeom prst="roundRect">
             <a:avLst/>
@@ -3204,7 +3204,7 @@
                   <a:schemeClr val="tx1"/>
                 </a:solidFill>
               </a:rPr>
-              <a:t>120Hz DVI Video Stream</a:t>
+              <a:t>Projection for Robots</a:t>
             </a:r>
             <a:endParaRPr lang="en-US" dirty="0">
               <a:solidFill>
@@ -3340,7 +3340,7 @@
         </p:nvSpPr>
         <p:spPr>
           <a:xfrm>
-            <a:off x="9867583" y="5648325"/>
+            <a:off x="-3612831" y="5055711"/>
             <a:ext cx="1772920" cy="792480"/>
           </a:xfrm>
           <a:prstGeom prst="roundRect">
@@ -3448,7 +3448,7 @@
         </p:nvSpPr>
         <p:spPr>
           <a:xfrm>
-            <a:off x="9563100" y="1219835"/>
+            <a:off x="-782611" y="8265287"/>
             <a:ext cx="3837940" cy="1447800"/>
           </a:xfrm>
           <a:prstGeom prst="roundRect">
@@ -3479,13 +3479,15 @@
           <a:lstStyle/>
           <a:p>
             <a:r>
-              <a:rPr lang="en-US" dirty="0" smtClean="0">
+              <a:rPr lang="en-US" dirty="0">
                 <a:solidFill>
                   <a:schemeClr val="tx1"/>
                 </a:solidFill>
               </a:rPr>
-              <a:t>Message</a:t>
-            </a:r>
+              <a:t>Message/120Hz DVI Video Stream</a:t>
+            </a:r>
+          </a:p>
+          <a:p>
             <a:endParaRPr lang="en-US" dirty="0">
               <a:solidFill>
                 <a:schemeClr val="tx1"/>
@@ -3590,7 +3592,7 @@
         </p:nvSpPr>
         <p:spPr>
           <a:xfrm>
-            <a:off x="9761220" y="1696085"/>
+            <a:off x="-584491" y="8741537"/>
             <a:ext cx="1493520" cy="792480"/>
           </a:xfrm>
           <a:prstGeom prst="roundRect">
@@ -3717,19 +3719,6 @@
               </a:rPr>
               <a:t>Generation</a:t>
             </a:r>
-            <a:endParaRPr lang="en-US" dirty="0" smtClean="0">
-              <a:ln w="0"/>
-              <a:solidFill>
-                <a:schemeClr val="bg1"/>
-              </a:solidFill>
-              <a:effectLst>
-                <a:outerShdw blurRad="38100" dist="19050" dir="2700000" algn="tl" rotWithShape="0">
-                  <a:schemeClr val="dk1">
-                    <a:alpha val="40000"/>
-                  </a:schemeClr>
-                </a:outerShdw>
-              </a:effectLst>
-            </a:endParaRPr>
           </a:p>
         </p:txBody>
       </p:sp>
@@ -3741,7 +3730,7 @@
         </p:nvSpPr>
         <p:spPr>
           <a:xfrm>
-            <a:off x="11452860" y="1696085"/>
+            <a:off x="1107149" y="8741537"/>
             <a:ext cx="1753870" cy="792480"/>
           </a:xfrm>
           <a:prstGeom prst="roundRect">
@@ -3844,19 +3833,6 @@
               </a:rPr>
               <a:t>Position</a:t>
             </a:r>
-            <a:endParaRPr lang="en-US" dirty="0" smtClean="0">
-              <a:ln w="0"/>
-              <a:solidFill>
-                <a:schemeClr val="bg1"/>
-              </a:solidFill>
-              <a:effectLst>
-                <a:outerShdw blurRad="38100" dist="19050" dir="2700000" algn="tl" rotWithShape="0">
-                  <a:schemeClr val="dk1">
-                    <a:alpha val="40000"/>
-                  </a:schemeClr>
-                </a:outerShdw>
-              </a:effectLst>
-            </a:endParaRPr>
           </a:p>
         </p:txBody>
       </p:sp>
@@ -3868,8 +3844,8 @@
         </p:nvSpPr>
         <p:spPr>
           <a:xfrm>
-            <a:off x="9558973" y="3089275"/>
-            <a:ext cx="4311650" cy="2171700"/>
+            <a:off x="2664102" y="6038533"/>
+            <a:ext cx="3254098" cy="492140"/>
           </a:xfrm>
           <a:prstGeom prst="roundRect">
             <a:avLst/>
@@ -3909,7 +3885,15 @@
                   <a:schemeClr val="tx1"/>
                 </a:solidFill>
               </a:rPr>
-              <a:t>Pattern Sequence</a:t>
+              <a:t>Pattern </a:t>
+            </a:r>
+            <a:r>
+              <a:rPr lang="en-US" dirty="0" smtClean="0">
+                <a:solidFill>
+                  <a:schemeClr val="tx1"/>
+                </a:solidFill>
+              </a:rPr>
+              <a:t>Sequence (PC, DLP GUI)</a:t>
             </a:r>
             <a:endParaRPr lang="en-US" dirty="0">
               <a:solidFill>
@@ -3921,84 +3905,93 @@
       </p:sp>
       <p:sp>
         <p:nvSpPr>
-          <p:cNvPr id="27" name="Rounded Rectangle 26"/>
+          <p:cNvPr id="30" name="Rounded Rectangle 29"/>
           <p:cNvSpPr/>
           <p:nvPr/>
         </p:nvSpPr>
         <p:spPr>
           <a:xfrm>
-            <a:off x="9757093" y="3604895"/>
-            <a:ext cx="3837940" cy="1447800"/>
+            <a:off x="2971800" y="6743930"/>
+            <a:ext cx="1586230" cy="792480"/>
+          </a:xfrm>
+          <a:prstGeom prst="roundRect">
+            <a:avLst/>
+          </a:prstGeom>
+        </p:spPr>
+        <p:style>
+          <a:lnRef idx="1">
+            <a:schemeClr val="accent3"/>
+          </a:lnRef>
+          <a:fillRef idx="2">
+            <a:schemeClr val="accent3"/>
+          </a:fillRef>
+          <a:effectRef idx="1">
+            <a:schemeClr val="accent3"/>
+          </a:effectRef>
+          <a:fontRef idx="minor">
+            <a:schemeClr val="dk1"/>
+          </a:fontRef>
+        </p:style>
+        <p:txBody>
+          <a:bodyPr rtlCol="0" anchor="ctr"/>
+          <a:lstStyle/>
+          <a:p>
+            <a:pPr algn="ctr"/>
+            <a:r>
+              <a:rPr lang="en-US" dirty="0" smtClean="0">
+                <a:ln w="0"/>
+                <a:solidFill>
+                  <a:schemeClr val="tx1"/>
+                </a:solidFill>
+                <a:effectLst>
+                  <a:outerShdw blurRad="38100" dist="19050" dir="2700000" algn="tl" rotWithShape="0">
+                    <a:schemeClr val="dk1">
+                      <a:alpha val="40000"/>
+                    </a:schemeClr>
+                  </a:outerShdw>
+                </a:effectLst>
+              </a:rPr>
+              <a:t>Mapping of</a:t>
+            </a:r>
+          </a:p>
+          <a:p>
+            <a:pPr algn="ctr"/>
+            <a:r>
+              <a:rPr lang="en-US" dirty="0" smtClean="0">
+                <a:ln w="0"/>
+                <a:solidFill>
+                  <a:schemeClr val="tx1"/>
+                </a:solidFill>
+                <a:effectLst>
+                  <a:outerShdw blurRad="38100" dist="19050" dir="2700000" algn="tl" rotWithShape="0">
+                    <a:schemeClr val="dk1">
+                      <a:alpha val="40000"/>
+                    </a:schemeClr>
+                  </a:outerShdw>
+                </a:effectLst>
+              </a:rPr>
+              <a:t>Binary Stream</a:t>
+            </a:r>
+          </a:p>
+        </p:txBody>
+      </p:sp>
+      <p:sp>
+        <p:nvSpPr>
+          <p:cNvPr id="33" name="Rounded Rectangle 32"/>
+          <p:cNvSpPr/>
+          <p:nvPr/>
+        </p:nvSpPr>
+        <p:spPr>
+          <a:xfrm>
+            <a:off x="3914140" y="1062674"/>
+            <a:ext cx="1493520" cy="792480"/>
           </a:xfrm>
           <a:prstGeom prst="roundRect">
             <a:avLst/>
           </a:prstGeom>
           <a:solidFill>
-            <a:schemeClr val="bg1">
-              <a:lumMod val="75000"/>
-            </a:schemeClr>
+            <a:srgbClr val="65A638"/>
           </a:solidFill>
-          <a:ln>
-            <a:noFill/>
-          </a:ln>
-        </p:spPr>
-        <p:style>
-          <a:lnRef idx="2">
-            <a:schemeClr val="accent1">
-              <a:shade val="50000"/>
-            </a:schemeClr>
-          </a:lnRef>
-          <a:fillRef idx="1">
-            <a:schemeClr val="accent1"/>
-          </a:fillRef>
-          <a:effectRef idx="0">
-            <a:schemeClr val="accent1"/>
-          </a:effectRef>
-          <a:fontRef idx="minor">
-            <a:schemeClr val="lt1"/>
-          </a:fontRef>
-        </p:style>
-        <p:txBody>
-          <a:bodyPr rtlCol="0" anchor="t"/>
-          <a:lstStyle/>
-          <a:p>
-            <a:r>
-              <a:rPr lang="en-US" dirty="0" smtClean="0">
-                <a:solidFill>
-                  <a:schemeClr val="tx1"/>
-                </a:solidFill>
-              </a:rPr>
-              <a:t>Message</a:t>
-            </a:r>
-            <a:endParaRPr lang="en-US" dirty="0">
-              <a:solidFill>
-                <a:schemeClr val="tx1"/>
-              </a:solidFill>
-            </a:endParaRPr>
-          </a:p>
-        </p:txBody>
-      </p:sp>
-      <p:sp>
-        <p:nvSpPr>
-          <p:cNvPr id="28" name="Rounded Rectangle 27"/>
-          <p:cNvSpPr/>
-          <p:nvPr/>
-        </p:nvSpPr>
-        <p:spPr>
-          <a:xfrm>
-            <a:off x="9955213" y="4081145"/>
-            <a:ext cx="1493520" cy="792480"/>
-          </a:xfrm>
-          <a:prstGeom prst="roundRect">
-            <a:avLst/>
-          </a:prstGeom>
-          <a:solidFill>
-            <a:schemeClr val="tx1">
-              <a:lumMod val="95000"/>
-              <a:lumOff val="5000"/>
-            </a:schemeClr>
-          </a:solidFill>
-          <a:ln/>
         </p:spPr>
         <p:style>
           <a:lnRef idx="1">
@@ -4033,392 +4026,7 @@
                   </a:outerShdw>
                 </a:effectLst>
               </a:rPr>
-              <a:t>Position</a:t>
-            </a:r>
-          </a:p>
-        </p:txBody>
-      </p:sp>
-      <p:sp>
-        <p:nvSpPr>
-          <p:cNvPr id="29" name="Rounded Rectangle 28"/>
-          <p:cNvSpPr/>
-          <p:nvPr/>
-        </p:nvSpPr>
-        <p:spPr>
-          <a:xfrm>
-            <a:off x="11646853" y="4081145"/>
-            <a:ext cx="1753870" cy="792480"/>
-          </a:xfrm>
-          <a:prstGeom prst="roundRect">
-            <a:avLst/>
-          </a:prstGeom>
-          <a:solidFill>
-            <a:schemeClr val="tx1">
-              <a:lumMod val="95000"/>
-              <a:lumOff val="5000"/>
-            </a:schemeClr>
-          </a:solidFill>
-          <a:ln/>
-        </p:spPr>
-        <p:style>
-          <a:lnRef idx="1">
-            <a:schemeClr val="accent6"/>
-          </a:lnRef>
-          <a:fillRef idx="3">
-            <a:schemeClr val="accent6"/>
-          </a:fillRef>
-          <a:effectRef idx="2">
-            <a:schemeClr val="accent6"/>
-          </a:effectRef>
-          <a:fontRef idx="minor">
-            <a:schemeClr val="lt1"/>
-          </a:fontRef>
-        </p:style>
-        <p:txBody>
-          <a:bodyPr rtlCol="0" anchor="ctr"/>
-          <a:lstStyle/>
-          <a:p>
-            <a:pPr algn="ctr"/>
-            <a:r>
-              <a:rPr lang="en-US" dirty="0" smtClean="0">
-                <a:ln w="0"/>
-                <a:solidFill>
-                  <a:schemeClr val="bg1"/>
-                </a:solidFill>
-                <a:effectLst>
-                  <a:outerShdw blurRad="38100" dist="19050" dir="2700000" algn="tl" rotWithShape="0">
-                    <a:schemeClr val="dk1">
-                      <a:alpha val="40000"/>
-                    </a:schemeClr>
-                  </a:outerShdw>
-                </a:effectLst>
-              </a:rPr>
-              <a:t>Communication</a:t>
-            </a:r>
-          </a:p>
-        </p:txBody>
-      </p:sp>
-      <p:sp>
-        <p:nvSpPr>
-          <p:cNvPr id="30" name="Rounded Rectangle 29"/>
-          <p:cNvSpPr/>
-          <p:nvPr/>
-        </p:nvSpPr>
-        <p:spPr>
-          <a:xfrm>
-            <a:off x="5786120" y="6440805"/>
-            <a:ext cx="1586230" cy="792480"/>
-          </a:xfrm>
-          <a:prstGeom prst="roundRect">
-            <a:avLst/>
-          </a:prstGeom>
-        </p:spPr>
-        <p:style>
-          <a:lnRef idx="1">
-            <a:schemeClr val="accent3"/>
-          </a:lnRef>
-          <a:fillRef idx="2">
-            <a:schemeClr val="accent3"/>
-          </a:fillRef>
-          <a:effectRef idx="1">
-            <a:schemeClr val="accent3"/>
-          </a:effectRef>
-          <a:fontRef idx="minor">
-            <a:schemeClr val="dk1"/>
-          </a:fontRef>
-        </p:style>
-        <p:txBody>
-          <a:bodyPr rtlCol="0" anchor="ctr"/>
-          <a:lstStyle/>
-          <a:p>
-            <a:pPr algn="ctr"/>
-            <a:r>
-              <a:rPr lang="en-US" dirty="0" smtClean="0">
-                <a:ln w="0"/>
-                <a:solidFill>
-                  <a:schemeClr val="tx1"/>
-                </a:solidFill>
-                <a:effectLst>
-                  <a:outerShdw blurRad="38100" dist="19050" dir="2700000" algn="tl" rotWithShape="0">
-                    <a:schemeClr val="dk1">
-                      <a:alpha val="40000"/>
-                    </a:schemeClr>
-                  </a:outerShdw>
-                </a:effectLst>
-              </a:rPr>
-              <a:t>Mapping of</a:t>
-            </a:r>
-          </a:p>
-          <a:p>
-            <a:pPr algn="ctr"/>
-            <a:r>
-              <a:rPr lang="en-US" dirty="0" smtClean="0">
-                <a:ln w="0"/>
-                <a:solidFill>
-                  <a:schemeClr val="tx1"/>
-                </a:solidFill>
-                <a:effectLst>
-                  <a:outerShdw blurRad="38100" dist="19050" dir="2700000" algn="tl" rotWithShape="0">
-                    <a:schemeClr val="dk1">
-                      <a:alpha val="40000"/>
-                    </a:schemeClr>
-                  </a:outerShdw>
-                </a:effectLst>
-              </a:rPr>
-              <a:t>Binary Stream</a:t>
-            </a:r>
-            <a:endParaRPr lang="en-US" dirty="0" smtClean="0">
-              <a:ln w="0"/>
-              <a:solidFill>
-                <a:schemeClr val="tx1"/>
-              </a:solidFill>
-              <a:effectLst>
-                <a:outerShdw blurRad="38100" dist="19050" dir="2700000" algn="tl" rotWithShape="0">
-                  <a:schemeClr val="dk1">
-                    <a:alpha val="40000"/>
-                  </a:schemeClr>
-                </a:outerShdw>
-              </a:effectLst>
-            </a:endParaRPr>
-          </a:p>
-        </p:txBody>
-      </p:sp>
-      <p:sp>
-        <p:nvSpPr>
-          <p:cNvPr id="33" name="Rounded Rectangle 32"/>
-          <p:cNvSpPr/>
-          <p:nvPr/>
-        </p:nvSpPr>
-        <p:spPr>
-          <a:xfrm>
-            <a:off x="3914140" y="1062674"/>
-            <a:ext cx="1493520" cy="792480"/>
-          </a:xfrm>
-          <a:prstGeom prst="roundRect">
-            <a:avLst/>
-          </a:prstGeom>
-          <a:solidFill>
-            <a:srgbClr val="65A638"/>
-          </a:solidFill>
-        </p:spPr>
-        <p:style>
-          <a:lnRef idx="1">
-            <a:schemeClr val="accent6"/>
-          </a:lnRef>
-          <a:fillRef idx="3">
-            <a:schemeClr val="accent6"/>
-          </a:fillRef>
-          <a:effectRef idx="2">
-            <a:schemeClr val="accent6"/>
-          </a:effectRef>
-          <a:fontRef idx="minor">
-            <a:schemeClr val="lt1"/>
-          </a:fontRef>
-        </p:style>
-        <p:txBody>
-          <a:bodyPr rtlCol="0" anchor="ctr"/>
-          <a:lstStyle/>
-          <a:p>
-            <a:pPr algn="ctr"/>
-            <a:r>
-              <a:rPr lang="en-US" dirty="0" smtClean="0">
-                <a:ln w="0"/>
-                <a:solidFill>
-                  <a:schemeClr val="bg1"/>
-                </a:solidFill>
-                <a:effectLst>
-                  <a:outerShdw blurRad="38100" dist="19050" dir="2700000" algn="tl" rotWithShape="0">
-                    <a:schemeClr val="dk1">
-                      <a:alpha val="40000"/>
-                    </a:schemeClr>
-                  </a:outerShdw>
-                </a:effectLst>
-              </a:rPr>
               <a:t>Commands</a:t>
-            </a:r>
-            <a:endParaRPr lang="en-US" dirty="0" smtClean="0">
-              <a:ln w="0"/>
-              <a:solidFill>
-                <a:schemeClr val="bg1"/>
-              </a:solidFill>
-              <a:effectLst>
-                <a:outerShdw blurRad="38100" dist="19050" dir="2700000" algn="tl" rotWithShape="0">
-                  <a:schemeClr val="dk1">
-                    <a:alpha val="40000"/>
-                  </a:schemeClr>
-                </a:outerShdw>
-              </a:effectLst>
-            </a:endParaRPr>
-          </a:p>
-        </p:txBody>
-      </p:sp>
-      <p:sp>
-        <p:nvSpPr>
-          <p:cNvPr id="34" name="Rounded Rectangle 33"/>
-          <p:cNvSpPr/>
-          <p:nvPr/>
-        </p:nvSpPr>
-        <p:spPr>
-          <a:xfrm>
-            <a:off x="-1214120" y="5787073"/>
-            <a:ext cx="4311650" cy="2171700"/>
-          </a:xfrm>
-          <a:prstGeom prst="roundRect">
-            <a:avLst/>
-          </a:prstGeom>
-          <a:solidFill>
-            <a:schemeClr val="bg1"/>
-          </a:solidFill>
-          <a:ln w="76200">
-            <a:solidFill>
-              <a:schemeClr val="tx1"/>
-            </a:solidFill>
-          </a:ln>
-        </p:spPr>
-        <p:style>
-          <a:lnRef idx="2">
-            <a:schemeClr val="accent5">
-              <a:shade val="50000"/>
-            </a:schemeClr>
-          </a:lnRef>
-          <a:fillRef idx="1">
-            <a:schemeClr val="accent5"/>
-          </a:fillRef>
-          <a:effectRef idx="0">
-            <a:schemeClr val="accent5"/>
-          </a:effectRef>
-          <a:fontRef idx="minor">
-            <a:schemeClr val="lt1"/>
-          </a:fontRef>
-        </p:style>
-        <p:txBody>
-          <a:bodyPr rtlCol="0" anchor="t"/>
-          <a:lstStyle/>
-          <a:p>
-            <a:endParaRPr lang="en-US" dirty="0">
-              <a:solidFill>
-                <a:schemeClr val="tx1"/>
-              </a:solidFill>
-            </a:endParaRPr>
-          </a:p>
-        </p:txBody>
-      </p:sp>
-      <p:sp>
-        <p:nvSpPr>
-          <p:cNvPr id="36" name="Rounded Rectangle 35"/>
-          <p:cNvSpPr/>
-          <p:nvPr/>
-        </p:nvSpPr>
-        <p:spPr>
-          <a:xfrm>
-            <a:off x="-817880" y="6778943"/>
-            <a:ext cx="1493520" cy="792480"/>
-          </a:xfrm>
-          <a:prstGeom prst="roundRect">
-            <a:avLst/>
-          </a:prstGeom>
-          <a:solidFill>
-            <a:schemeClr val="tx1">
-              <a:lumMod val="95000"/>
-              <a:lumOff val="5000"/>
-            </a:schemeClr>
-          </a:solidFill>
-          <a:ln/>
-        </p:spPr>
-        <p:style>
-          <a:lnRef idx="1">
-            <a:schemeClr val="accent6"/>
-          </a:lnRef>
-          <a:fillRef idx="3">
-            <a:schemeClr val="accent6"/>
-          </a:fillRef>
-          <a:effectRef idx="2">
-            <a:schemeClr val="accent6"/>
-          </a:effectRef>
-          <a:fontRef idx="minor">
-            <a:schemeClr val="lt1"/>
-          </a:fontRef>
-        </p:style>
-        <p:txBody>
-          <a:bodyPr rtlCol="0" anchor="ctr"/>
-          <a:lstStyle/>
-          <a:p>
-            <a:pPr algn="ctr"/>
-            <a:r>
-              <a:rPr lang="en-US" dirty="0" smtClean="0">
-                <a:ln w="0"/>
-                <a:solidFill>
-                  <a:schemeClr val="bg1"/>
-                </a:solidFill>
-                <a:effectLst>
-                  <a:outerShdw blurRad="38100" dist="19050" dir="2700000" algn="tl" rotWithShape="0">
-                    <a:schemeClr val="dk1">
-                      <a:alpha val="40000"/>
-                    </a:schemeClr>
-                  </a:outerShdw>
-                </a:effectLst>
-              </a:rPr>
-              <a:t>Position</a:t>
-            </a:r>
-          </a:p>
-        </p:txBody>
-      </p:sp>
-      <p:sp>
-        <p:nvSpPr>
-          <p:cNvPr id="37" name="Rounded Rectangle 36"/>
-          <p:cNvSpPr/>
-          <p:nvPr/>
-        </p:nvSpPr>
-        <p:spPr>
-          <a:xfrm>
-            <a:off x="873760" y="6778943"/>
-            <a:ext cx="1753870" cy="792480"/>
-          </a:xfrm>
-          <a:prstGeom prst="roundRect">
-            <a:avLst/>
-          </a:prstGeom>
-          <a:solidFill>
-            <a:schemeClr val="tx1">
-              <a:lumMod val="95000"/>
-              <a:lumOff val="5000"/>
-            </a:schemeClr>
-          </a:solidFill>
-          <a:ln/>
-        </p:spPr>
-        <p:style>
-          <a:lnRef idx="1">
-            <a:schemeClr val="accent6"/>
-          </a:lnRef>
-          <a:fillRef idx="3">
-            <a:schemeClr val="accent6"/>
-          </a:fillRef>
-          <a:effectRef idx="2">
-            <a:schemeClr val="accent6"/>
-          </a:effectRef>
-          <a:fontRef idx="minor">
-            <a:schemeClr val="lt1"/>
-          </a:fontRef>
-        </p:style>
-        <p:txBody>
-          <a:bodyPr rtlCol="0" anchor="ctr"/>
-          <a:lstStyle/>
-          <a:p>
-            <a:pPr algn="ctr"/>
-            <a:r>
-              <a:rPr lang="en-US" dirty="0" smtClean="0">
-                <a:ln w="0"/>
-                <a:solidFill>
-                  <a:schemeClr val="bg1"/>
-                </a:solidFill>
-                <a:effectLst>
-                  <a:outerShdw blurRad="38100" dist="19050" dir="2700000" algn="tl" rotWithShape="0">
-                    <a:schemeClr val="dk1">
-                      <a:alpha val="40000"/>
-                    </a:schemeClr>
-                  </a:outerShdw>
-                </a:effectLst>
-              </a:rPr>
-              <a:t>Communication</a:t>
             </a:r>
           </a:p>
         </p:txBody>
@@ -4656,19 +4264,6 @@
               </a:rPr>
               <a:t>Generation</a:t>
             </a:r>
-            <a:endParaRPr lang="en-US" dirty="0" smtClean="0">
-              <a:ln w="0"/>
-              <a:solidFill>
-                <a:schemeClr val="bg1"/>
-              </a:solidFill>
-              <a:effectLst>
-                <a:outerShdw blurRad="38100" dist="19050" dir="2700000" algn="tl" rotWithShape="0">
-                  <a:schemeClr val="dk1">
-                    <a:alpha val="40000"/>
-                  </a:schemeClr>
-                </a:outerShdw>
-              </a:effectLst>
-            </a:endParaRPr>
           </a:p>
         </p:txBody>
       </p:sp>
@@ -4749,19 +4344,6 @@
               </a:rPr>
               <a:t>Generation</a:t>
             </a:r>
-            <a:endParaRPr lang="en-US" dirty="0" smtClean="0">
-              <a:ln w="0"/>
-              <a:solidFill>
-                <a:schemeClr val="bg1"/>
-              </a:solidFill>
-              <a:effectLst>
-                <a:outerShdw blurRad="38100" dist="19050" dir="2700000" algn="tl" rotWithShape="0">
-                  <a:schemeClr val="dk1">
-                    <a:alpha val="40000"/>
-                  </a:schemeClr>
-                </a:outerShdw>
-              </a:effectLst>
-            </a:endParaRPr>
           </a:p>
         </p:txBody>
       </p:sp>
@@ -4842,19 +4424,6 @@
               </a:rPr>
               <a:t>Generation</a:t>
             </a:r>
-            <a:endParaRPr lang="en-US" dirty="0" smtClean="0">
-              <a:ln w="0"/>
-              <a:solidFill>
-                <a:schemeClr val="bg1"/>
-              </a:solidFill>
-              <a:effectLst>
-                <a:outerShdw blurRad="38100" dist="19050" dir="2700000" algn="tl" rotWithShape="0">
-                  <a:schemeClr val="dk1">
-                    <a:alpha val="40000"/>
-                  </a:schemeClr>
-                </a:outerShdw>
-              </a:effectLst>
-            </a:endParaRPr>
           </a:p>
         </p:txBody>
       </p:sp>
@@ -4948,19 +4517,6 @@
               </a:rPr>
               <a:t>Array</a:t>
             </a:r>
-            <a:endParaRPr lang="en-US" dirty="0" smtClean="0">
-              <a:ln w="0"/>
-              <a:solidFill>
-                <a:schemeClr val="bg1"/>
-              </a:solidFill>
-              <a:effectLst>
-                <a:outerShdw blurRad="38100" dist="19050" dir="2700000" algn="tl" rotWithShape="0">
-                  <a:schemeClr val="dk1">
-                    <a:alpha val="40000"/>
-                  </a:schemeClr>
-                </a:outerShdw>
-              </a:effectLst>
-            </a:endParaRPr>
           </a:p>
         </p:txBody>
       </p:sp>
@@ -5094,6 +4650,903 @@
           <a:xfrm flipH="1">
             <a:off x="4048046" y="4154173"/>
             <a:ext cx="612856" cy="314322"/>
+          </a:xfrm>
+          <a:prstGeom prst="straightConnector1">
+            <a:avLst/>
+          </a:prstGeom>
+          <a:ln>
+            <a:solidFill>
+              <a:schemeClr val="tx1"/>
+            </a:solidFill>
+            <a:tailEnd type="triangle"/>
+          </a:ln>
+        </p:spPr>
+        <p:style>
+          <a:lnRef idx="1">
+            <a:schemeClr val="accent1"/>
+          </a:lnRef>
+          <a:fillRef idx="0">
+            <a:schemeClr val="accent1"/>
+          </a:fillRef>
+          <a:effectRef idx="0">
+            <a:schemeClr val="accent1"/>
+          </a:effectRef>
+          <a:fontRef idx="minor">
+            <a:schemeClr val="tx1"/>
+          </a:fontRef>
+        </p:style>
+      </p:cxnSp>
+      <p:sp>
+        <p:nvSpPr>
+          <p:cNvPr id="43" name="Rounded Rectangle 42"/>
+          <p:cNvSpPr/>
+          <p:nvPr/>
+        </p:nvSpPr>
+        <p:spPr>
+          <a:xfrm>
+            <a:off x="567187" y="-1767192"/>
+            <a:ext cx="1493520" cy="745315"/>
+          </a:xfrm>
+          <a:prstGeom prst="roundRect">
+            <a:avLst/>
+          </a:prstGeom>
+          <a:solidFill>
+            <a:schemeClr val="bg1"/>
+          </a:solidFill>
+          <a:ln w="76200">
+            <a:solidFill>
+              <a:schemeClr val="tx1"/>
+            </a:solidFill>
+          </a:ln>
+        </p:spPr>
+        <p:style>
+          <a:lnRef idx="2">
+            <a:schemeClr val="accent5">
+              <a:shade val="50000"/>
+            </a:schemeClr>
+          </a:lnRef>
+          <a:fillRef idx="1">
+            <a:schemeClr val="accent5"/>
+          </a:fillRef>
+          <a:effectRef idx="0">
+            <a:schemeClr val="accent5"/>
+          </a:effectRef>
+          <a:fontRef idx="minor">
+            <a:schemeClr val="lt1"/>
+          </a:fontRef>
+        </p:style>
+        <p:txBody>
+          <a:bodyPr rtlCol="0" anchor="ctr"/>
+          <a:lstStyle/>
+          <a:p>
+            <a:pPr algn="ctr"/>
+            <a:r>
+              <a:rPr lang="en-US" dirty="0" smtClean="0">
+                <a:solidFill>
+                  <a:schemeClr val="tx1"/>
+                </a:solidFill>
+              </a:rPr>
+              <a:t>RF Signal</a:t>
+            </a:r>
+            <a:endParaRPr lang="en-US" dirty="0">
+              <a:solidFill>
+                <a:schemeClr val="tx1"/>
+              </a:solidFill>
+            </a:endParaRPr>
+          </a:p>
+        </p:txBody>
+      </p:sp>
+      <p:cxnSp>
+        <p:nvCxnSpPr>
+          <p:cNvPr id="45" name="Straight Arrow Connector 44"/>
+          <p:cNvCxnSpPr>
+            <a:stCxn id="43" idx="2"/>
+            <a:endCxn id="9" idx="0"/>
+          </p:cNvCxnSpPr>
+          <p:nvPr/>
+        </p:nvCxnSpPr>
+        <p:spPr>
+          <a:xfrm flipH="1">
+            <a:off x="1280160" y="-1021877"/>
+            <a:ext cx="33787" cy="2084551"/>
+          </a:xfrm>
+          <a:prstGeom prst="straightConnector1">
+            <a:avLst/>
+          </a:prstGeom>
+          <a:ln>
+            <a:solidFill>
+              <a:schemeClr val="tx1"/>
+            </a:solidFill>
+            <a:tailEnd type="triangle"/>
+          </a:ln>
+        </p:spPr>
+        <p:style>
+          <a:lnRef idx="1">
+            <a:schemeClr val="accent1"/>
+          </a:lnRef>
+          <a:fillRef idx="0">
+            <a:schemeClr val="accent1"/>
+          </a:fillRef>
+          <a:effectRef idx="0">
+            <a:schemeClr val="accent1"/>
+          </a:effectRef>
+          <a:fontRef idx="minor">
+            <a:schemeClr val="tx1"/>
+          </a:fontRef>
+        </p:style>
+      </p:cxnSp>
+      <p:sp>
+        <p:nvSpPr>
+          <p:cNvPr id="50" name="Rounded Rectangle 49"/>
+          <p:cNvSpPr/>
+          <p:nvPr/>
+        </p:nvSpPr>
+        <p:spPr>
+          <a:xfrm>
+            <a:off x="7683606" y="7212875"/>
+            <a:ext cx="4311650" cy="2171700"/>
+          </a:xfrm>
+          <a:prstGeom prst="roundRect">
+            <a:avLst/>
+          </a:prstGeom>
+          <a:solidFill>
+            <a:schemeClr val="bg1"/>
+          </a:solidFill>
+          <a:ln w="76200">
+            <a:solidFill>
+              <a:schemeClr val="tx1"/>
+            </a:solidFill>
+          </a:ln>
+        </p:spPr>
+        <p:style>
+          <a:lnRef idx="2">
+            <a:schemeClr val="accent5">
+              <a:shade val="50000"/>
+            </a:schemeClr>
+          </a:lnRef>
+          <a:fillRef idx="1">
+            <a:schemeClr val="accent5"/>
+          </a:fillRef>
+          <a:effectRef idx="0">
+            <a:schemeClr val="accent5"/>
+          </a:effectRef>
+          <a:fontRef idx="minor">
+            <a:schemeClr val="lt1"/>
+          </a:fontRef>
+        </p:style>
+        <p:txBody>
+          <a:bodyPr rtlCol="0" anchor="t"/>
+          <a:lstStyle/>
+          <a:p>
+            <a:r>
+              <a:rPr lang="en-US" dirty="0" smtClean="0">
+                <a:solidFill>
+                  <a:schemeClr val="tx1"/>
+                </a:solidFill>
+              </a:rPr>
+              <a:t>Television</a:t>
+            </a:r>
+            <a:endParaRPr lang="en-US" dirty="0">
+              <a:solidFill>
+                <a:schemeClr val="tx1"/>
+              </a:solidFill>
+            </a:endParaRPr>
+          </a:p>
+        </p:txBody>
+      </p:sp>
+      <p:sp>
+        <p:nvSpPr>
+          <p:cNvPr id="51" name="Rounded Rectangle 50"/>
+          <p:cNvSpPr/>
+          <p:nvPr/>
+        </p:nvSpPr>
+        <p:spPr>
+          <a:xfrm>
+            <a:off x="2413107" y="-2311400"/>
+            <a:ext cx="5884226" cy="1853063"/>
+          </a:xfrm>
+          <a:prstGeom prst="roundRect">
+            <a:avLst/>
+          </a:prstGeom>
+          <a:solidFill>
+            <a:schemeClr val="bg1"/>
+          </a:solidFill>
+          <a:ln w="76200">
+            <a:solidFill>
+              <a:schemeClr val="tx1"/>
+            </a:solidFill>
+          </a:ln>
+        </p:spPr>
+        <p:style>
+          <a:lnRef idx="2">
+            <a:schemeClr val="accent5">
+              <a:shade val="50000"/>
+            </a:schemeClr>
+          </a:lnRef>
+          <a:fillRef idx="1">
+            <a:schemeClr val="accent5"/>
+          </a:fillRef>
+          <a:effectRef idx="0">
+            <a:schemeClr val="accent5"/>
+          </a:effectRef>
+          <a:fontRef idx="minor">
+            <a:schemeClr val="lt1"/>
+          </a:fontRef>
+        </p:style>
+        <p:txBody>
+          <a:bodyPr rtlCol="0" anchor="t"/>
+          <a:lstStyle/>
+          <a:p>
+            <a:r>
+              <a:rPr lang="en-US" dirty="0" smtClean="0">
+                <a:solidFill>
+                  <a:schemeClr val="tx1"/>
+                </a:solidFill>
+              </a:rPr>
+              <a:t>PC</a:t>
+            </a:r>
+            <a:endParaRPr lang="en-US" dirty="0">
+              <a:solidFill>
+                <a:schemeClr val="tx1"/>
+              </a:solidFill>
+            </a:endParaRPr>
+          </a:p>
+        </p:txBody>
+      </p:sp>
+      <p:sp>
+        <p:nvSpPr>
+          <p:cNvPr id="52" name="Rounded Rectangle 51"/>
+          <p:cNvSpPr/>
+          <p:nvPr/>
+        </p:nvSpPr>
+        <p:spPr>
+          <a:xfrm>
+            <a:off x="4484266" y="-1644342"/>
+            <a:ext cx="1498705" cy="921111"/>
+          </a:xfrm>
+          <a:prstGeom prst="roundRect">
+            <a:avLst/>
+          </a:prstGeom>
+          <a:solidFill>
+            <a:schemeClr val="bg1">
+              <a:lumMod val="75000"/>
+            </a:schemeClr>
+          </a:solidFill>
+          <a:ln>
+            <a:noFill/>
+          </a:ln>
+        </p:spPr>
+        <p:style>
+          <a:lnRef idx="2">
+            <a:schemeClr val="accent1">
+              <a:shade val="50000"/>
+            </a:schemeClr>
+          </a:lnRef>
+          <a:fillRef idx="1">
+            <a:schemeClr val="accent1"/>
+          </a:fillRef>
+          <a:effectRef idx="0">
+            <a:schemeClr val="accent1"/>
+          </a:effectRef>
+          <a:fontRef idx="minor">
+            <a:schemeClr val="lt1"/>
+          </a:fontRef>
+        </p:style>
+        <p:txBody>
+          <a:bodyPr rtlCol="0" anchor="t"/>
+          <a:lstStyle/>
+          <a:p>
+            <a:r>
+              <a:rPr lang="en-US" dirty="0" smtClean="0">
+                <a:solidFill>
+                  <a:schemeClr val="tx1"/>
+                </a:solidFill>
+              </a:rPr>
+              <a:t>Calculation</a:t>
+            </a:r>
+            <a:endParaRPr lang="en-US" dirty="0">
+              <a:solidFill>
+                <a:schemeClr val="tx1"/>
+              </a:solidFill>
+            </a:endParaRPr>
+          </a:p>
+        </p:txBody>
+      </p:sp>
+      <p:sp>
+        <p:nvSpPr>
+          <p:cNvPr id="53" name="Rounded Rectangle 52"/>
+          <p:cNvSpPr/>
+          <p:nvPr/>
+        </p:nvSpPr>
+        <p:spPr>
+          <a:xfrm>
+            <a:off x="2741667" y="-1644342"/>
+            <a:ext cx="1498705" cy="921111"/>
+          </a:xfrm>
+          <a:prstGeom prst="roundRect">
+            <a:avLst/>
+          </a:prstGeom>
+          <a:solidFill>
+            <a:schemeClr val="bg1">
+              <a:lumMod val="75000"/>
+            </a:schemeClr>
+          </a:solidFill>
+          <a:ln>
+            <a:noFill/>
+          </a:ln>
+        </p:spPr>
+        <p:style>
+          <a:lnRef idx="2">
+            <a:schemeClr val="accent1">
+              <a:shade val="50000"/>
+            </a:schemeClr>
+          </a:lnRef>
+          <a:fillRef idx="1">
+            <a:schemeClr val="accent1"/>
+          </a:fillRef>
+          <a:effectRef idx="0">
+            <a:schemeClr val="accent1"/>
+          </a:effectRef>
+          <a:fontRef idx="minor">
+            <a:schemeClr val="lt1"/>
+          </a:fontRef>
+        </p:style>
+        <p:txBody>
+          <a:bodyPr rtlCol="0" anchor="t"/>
+          <a:lstStyle/>
+          <a:p>
+            <a:r>
+              <a:rPr lang="en-US" dirty="0" smtClean="0">
+                <a:solidFill>
+                  <a:schemeClr val="tx1"/>
+                </a:solidFill>
+              </a:rPr>
+              <a:t>Apps</a:t>
+            </a:r>
+            <a:endParaRPr lang="en-US" dirty="0">
+              <a:solidFill>
+                <a:schemeClr val="tx1"/>
+              </a:solidFill>
+            </a:endParaRPr>
+          </a:p>
+        </p:txBody>
+      </p:sp>
+      <p:sp>
+        <p:nvSpPr>
+          <p:cNvPr id="55" name="Rounded Rectangle 54"/>
+          <p:cNvSpPr/>
+          <p:nvPr/>
+        </p:nvSpPr>
+        <p:spPr>
+          <a:xfrm>
+            <a:off x="6313066" y="-1644342"/>
+            <a:ext cx="1498705" cy="921111"/>
+          </a:xfrm>
+          <a:prstGeom prst="roundRect">
+            <a:avLst/>
+          </a:prstGeom>
+          <a:solidFill>
+            <a:schemeClr val="bg1">
+              <a:lumMod val="75000"/>
+            </a:schemeClr>
+          </a:solidFill>
+          <a:ln>
+            <a:noFill/>
+          </a:ln>
+        </p:spPr>
+        <p:style>
+          <a:lnRef idx="2">
+            <a:schemeClr val="accent1">
+              <a:shade val="50000"/>
+            </a:schemeClr>
+          </a:lnRef>
+          <a:fillRef idx="1">
+            <a:schemeClr val="accent1"/>
+          </a:fillRef>
+          <a:effectRef idx="0">
+            <a:schemeClr val="accent1"/>
+          </a:effectRef>
+          <a:fontRef idx="minor">
+            <a:schemeClr val="lt1"/>
+          </a:fontRef>
+        </p:style>
+        <p:txBody>
+          <a:bodyPr rtlCol="0" anchor="t"/>
+          <a:lstStyle/>
+          <a:p>
+            <a:r>
+              <a:rPr lang="en-US" dirty="0" smtClean="0">
+                <a:solidFill>
+                  <a:schemeClr val="tx1"/>
+                </a:solidFill>
+              </a:rPr>
+              <a:t>GUI</a:t>
+            </a:r>
+            <a:endParaRPr lang="en-US" dirty="0">
+              <a:solidFill>
+                <a:schemeClr val="tx1"/>
+              </a:solidFill>
+            </a:endParaRPr>
+          </a:p>
+        </p:txBody>
+      </p:sp>
+      <p:cxnSp>
+        <p:nvCxnSpPr>
+          <p:cNvPr id="57" name="Straight Arrow Connector 56"/>
+          <p:cNvCxnSpPr>
+            <a:stCxn id="43" idx="3"/>
+            <a:endCxn id="51" idx="1"/>
+          </p:cNvCxnSpPr>
+          <p:nvPr/>
+        </p:nvCxnSpPr>
+        <p:spPr>
+          <a:xfrm>
+            <a:off x="2060707" y="-1394534"/>
+            <a:ext cx="352400" cy="9666"/>
+          </a:xfrm>
+          <a:prstGeom prst="straightConnector1">
+            <a:avLst/>
+          </a:prstGeom>
+          <a:ln>
+            <a:solidFill>
+              <a:schemeClr val="tx1"/>
+            </a:solidFill>
+            <a:tailEnd type="triangle"/>
+          </a:ln>
+        </p:spPr>
+        <p:style>
+          <a:lnRef idx="1">
+            <a:schemeClr val="accent1"/>
+          </a:lnRef>
+          <a:fillRef idx="0">
+            <a:schemeClr val="accent1"/>
+          </a:fillRef>
+          <a:effectRef idx="0">
+            <a:schemeClr val="accent1"/>
+          </a:effectRef>
+          <a:fontRef idx="minor">
+            <a:schemeClr val="tx1"/>
+          </a:fontRef>
+        </p:style>
+      </p:cxnSp>
+      <p:cxnSp>
+        <p:nvCxnSpPr>
+          <p:cNvPr id="60" name="Straight Arrow Connector 59"/>
+          <p:cNvCxnSpPr>
+            <a:stCxn id="51" idx="2"/>
+            <a:endCxn id="20" idx="0"/>
+          </p:cNvCxnSpPr>
+          <p:nvPr/>
+        </p:nvCxnSpPr>
+        <p:spPr>
+          <a:xfrm flipH="1">
+            <a:off x="2987040" y="-458337"/>
+            <a:ext cx="2368180" cy="1056191"/>
+          </a:xfrm>
+          <a:prstGeom prst="straightConnector1">
+            <a:avLst/>
+          </a:prstGeom>
+          <a:ln>
+            <a:solidFill>
+              <a:schemeClr val="tx1"/>
+            </a:solidFill>
+            <a:tailEnd type="triangle"/>
+          </a:ln>
+        </p:spPr>
+        <p:style>
+          <a:lnRef idx="1">
+            <a:schemeClr val="accent1"/>
+          </a:lnRef>
+          <a:fillRef idx="0">
+            <a:schemeClr val="accent1"/>
+          </a:fillRef>
+          <a:effectRef idx="0">
+            <a:schemeClr val="accent1"/>
+          </a:effectRef>
+          <a:fontRef idx="minor">
+            <a:schemeClr val="tx1"/>
+          </a:fontRef>
+        </p:style>
+      </p:cxnSp>
+      <p:sp>
+        <p:nvSpPr>
+          <p:cNvPr id="67" name="Rounded Rectangle 66"/>
+          <p:cNvSpPr/>
+          <p:nvPr/>
+        </p:nvSpPr>
+        <p:spPr>
+          <a:xfrm>
+            <a:off x="3253449" y="8265287"/>
+            <a:ext cx="3837940" cy="1447800"/>
+          </a:xfrm>
+          <a:prstGeom prst="roundRect">
+            <a:avLst/>
+          </a:prstGeom>
+          <a:ln>
+            <a:noFill/>
+          </a:ln>
+        </p:spPr>
+        <p:style>
+          <a:lnRef idx="2">
+            <a:schemeClr val="accent1">
+              <a:shade val="50000"/>
+            </a:schemeClr>
+          </a:lnRef>
+          <a:fillRef idx="1">
+            <a:schemeClr val="accent1"/>
+          </a:fillRef>
+          <a:effectRef idx="0">
+            <a:schemeClr val="accent1"/>
+          </a:effectRef>
+          <a:fontRef idx="minor">
+            <a:schemeClr val="lt1"/>
+          </a:fontRef>
+        </p:style>
+        <p:txBody>
+          <a:bodyPr rtlCol="0" anchor="t"/>
+          <a:lstStyle/>
+          <a:p>
+            <a:r>
+              <a:rPr lang="en-US" dirty="0" smtClean="0">
+                <a:solidFill>
+                  <a:schemeClr val="tx1"/>
+                </a:solidFill>
+              </a:rPr>
+              <a:t>From Flash</a:t>
+            </a:r>
+            <a:endParaRPr lang="en-US" dirty="0">
+              <a:solidFill>
+                <a:schemeClr val="tx1"/>
+              </a:solidFill>
+            </a:endParaRPr>
+          </a:p>
+          <a:p>
+            <a:endParaRPr lang="en-US" dirty="0">
+              <a:solidFill>
+                <a:schemeClr val="tx1"/>
+              </a:solidFill>
+            </a:endParaRPr>
+          </a:p>
+        </p:txBody>
+      </p:sp>
+      <p:cxnSp>
+        <p:nvCxnSpPr>
+          <p:cNvPr id="76" name="Straight Arrow Connector 75"/>
+          <p:cNvCxnSpPr>
+            <a:stCxn id="5" idx="2"/>
+            <a:endCxn id="50" idx="0"/>
+          </p:cNvCxnSpPr>
+          <p:nvPr/>
+        </p:nvCxnSpPr>
+        <p:spPr>
+          <a:xfrm>
+            <a:off x="2971800" y="1855154"/>
+            <a:ext cx="6867631" cy="5357721"/>
+          </a:xfrm>
+          <a:prstGeom prst="straightConnector1">
+            <a:avLst/>
+          </a:prstGeom>
+          <a:ln>
+            <a:solidFill>
+              <a:schemeClr val="tx1"/>
+            </a:solidFill>
+            <a:tailEnd type="triangle"/>
+          </a:ln>
+        </p:spPr>
+        <p:style>
+          <a:lnRef idx="1">
+            <a:schemeClr val="accent1"/>
+          </a:lnRef>
+          <a:fillRef idx="0">
+            <a:schemeClr val="accent1"/>
+          </a:fillRef>
+          <a:effectRef idx="0">
+            <a:schemeClr val="accent1"/>
+          </a:effectRef>
+          <a:fontRef idx="minor">
+            <a:schemeClr val="tx1"/>
+          </a:fontRef>
+        </p:style>
+      </p:cxnSp>
+      <p:cxnSp>
+        <p:nvCxnSpPr>
+          <p:cNvPr id="80" name="Straight Arrow Connector 79"/>
+          <p:cNvCxnSpPr>
+            <a:stCxn id="69" idx="2"/>
+            <a:endCxn id="26" idx="0"/>
+          </p:cNvCxnSpPr>
+          <p:nvPr/>
+        </p:nvCxnSpPr>
+        <p:spPr>
+          <a:xfrm>
+            <a:off x="4048046" y="5657850"/>
+            <a:ext cx="243105" cy="380683"/>
+          </a:xfrm>
+          <a:prstGeom prst="straightConnector1">
+            <a:avLst/>
+          </a:prstGeom>
+          <a:ln>
+            <a:solidFill>
+              <a:schemeClr val="tx1"/>
+            </a:solidFill>
+            <a:tailEnd type="triangle"/>
+          </a:ln>
+        </p:spPr>
+        <p:style>
+          <a:lnRef idx="1">
+            <a:schemeClr val="accent1"/>
+          </a:lnRef>
+          <a:fillRef idx="0">
+            <a:schemeClr val="accent1"/>
+          </a:fillRef>
+          <a:effectRef idx="0">
+            <a:schemeClr val="accent1"/>
+          </a:effectRef>
+          <a:fontRef idx="minor">
+            <a:schemeClr val="tx1"/>
+          </a:fontRef>
+        </p:style>
+      </p:cxnSp>
+      <p:cxnSp>
+        <p:nvCxnSpPr>
+          <p:cNvPr id="84" name="Straight Arrow Connector 83"/>
+          <p:cNvCxnSpPr>
+            <a:stCxn id="26" idx="2"/>
+            <a:endCxn id="30" idx="0"/>
+          </p:cNvCxnSpPr>
+          <p:nvPr/>
+        </p:nvCxnSpPr>
+        <p:spPr>
+          <a:xfrm flipH="1">
+            <a:off x="3764915" y="6530673"/>
+            <a:ext cx="526236" cy="213257"/>
+          </a:xfrm>
+          <a:prstGeom prst="straightConnector1">
+            <a:avLst/>
+          </a:prstGeom>
+          <a:ln>
+            <a:solidFill>
+              <a:schemeClr val="tx1"/>
+            </a:solidFill>
+            <a:tailEnd type="triangle"/>
+          </a:ln>
+        </p:spPr>
+        <p:style>
+          <a:lnRef idx="1">
+            <a:schemeClr val="accent1"/>
+          </a:lnRef>
+          <a:fillRef idx="0">
+            <a:schemeClr val="accent1"/>
+          </a:fillRef>
+          <a:effectRef idx="0">
+            <a:schemeClr val="accent1"/>
+          </a:effectRef>
+          <a:fontRef idx="minor">
+            <a:schemeClr val="tx1"/>
+          </a:fontRef>
+        </p:style>
+      </p:cxnSp>
+      <p:cxnSp>
+        <p:nvCxnSpPr>
+          <p:cNvPr id="98" name="Straight Arrow Connector 97"/>
+          <p:cNvCxnSpPr>
+            <a:stCxn id="18" idx="2"/>
+            <a:endCxn id="19" idx="0"/>
+          </p:cNvCxnSpPr>
+          <p:nvPr/>
+        </p:nvCxnSpPr>
+        <p:spPr>
+          <a:xfrm>
+            <a:off x="-2726371" y="5848191"/>
+            <a:ext cx="5931706" cy="1901476"/>
+          </a:xfrm>
+          <a:prstGeom prst="straightConnector1">
+            <a:avLst/>
+          </a:prstGeom>
+          <a:ln>
+            <a:solidFill>
+              <a:schemeClr val="tx1"/>
+            </a:solidFill>
+            <a:tailEnd type="triangle"/>
+          </a:ln>
+        </p:spPr>
+        <p:style>
+          <a:lnRef idx="1">
+            <a:schemeClr val="accent1"/>
+          </a:lnRef>
+          <a:fillRef idx="0">
+            <a:schemeClr val="accent1"/>
+          </a:fillRef>
+          <a:effectRef idx="0">
+            <a:schemeClr val="accent1"/>
+          </a:effectRef>
+          <a:fontRef idx="minor">
+            <a:schemeClr val="tx1"/>
+          </a:fontRef>
+        </p:style>
+      </p:cxnSp>
+      <p:cxnSp>
+        <p:nvCxnSpPr>
+          <p:cNvPr id="100" name="Straight Arrow Connector 99"/>
+          <p:cNvCxnSpPr>
+            <a:stCxn id="18" idx="2"/>
+            <a:endCxn id="20" idx="0"/>
+          </p:cNvCxnSpPr>
+          <p:nvPr/>
+        </p:nvCxnSpPr>
+        <p:spPr>
+          <a:xfrm flipV="1">
+            <a:off x="-2726371" y="597854"/>
+            <a:ext cx="5713411" cy="5250337"/>
+          </a:xfrm>
+          <a:prstGeom prst="straightConnector1">
+            <a:avLst/>
+          </a:prstGeom>
+          <a:ln>
+            <a:solidFill>
+              <a:schemeClr val="tx1"/>
+            </a:solidFill>
+            <a:tailEnd type="triangle"/>
+          </a:ln>
+        </p:spPr>
+        <p:style>
+          <a:lnRef idx="1">
+            <a:schemeClr val="accent1"/>
+          </a:lnRef>
+          <a:fillRef idx="0">
+            <a:schemeClr val="accent1"/>
+          </a:fillRef>
+          <a:effectRef idx="0">
+            <a:schemeClr val="accent1"/>
+          </a:effectRef>
+          <a:fontRef idx="minor">
+            <a:schemeClr val="tx1"/>
+          </a:fontRef>
+        </p:style>
+      </p:cxnSp>
+      <p:sp>
+        <p:nvSpPr>
+          <p:cNvPr id="103" name="Rounded Rectangle 102"/>
+          <p:cNvSpPr/>
+          <p:nvPr/>
+        </p:nvSpPr>
+        <p:spPr>
+          <a:xfrm>
+            <a:off x="8901429" y="5232295"/>
+            <a:ext cx="1772920" cy="792480"/>
+          </a:xfrm>
+          <a:prstGeom prst="roundRect">
+            <a:avLst/>
+          </a:prstGeom>
+          <a:solidFill>
+            <a:schemeClr val="tx2">
+              <a:lumMod val="60000"/>
+              <a:lumOff val="40000"/>
+            </a:schemeClr>
+          </a:solidFill>
+          <a:ln>
+            <a:noFill/>
+          </a:ln>
+        </p:spPr>
+        <p:style>
+          <a:lnRef idx="2">
+            <a:schemeClr val="accent2">
+              <a:shade val="50000"/>
+            </a:schemeClr>
+          </a:lnRef>
+          <a:fillRef idx="1">
+            <a:schemeClr val="accent2"/>
+          </a:fillRef>
+          <a:effectRef idx="0">
+            <a:schemeClr val="accent2"/>
+          </a:effectRef>
+          <a:fontRef idx="minor">
+            <a:schemeClr val="lt1"/>
+          </a:fontRef>
+        </p:style>
+        <p:txBody>
+          <a:bodyPr rtlCol="0" anchor="ctr"/>
+          <a:lstStyle/>
+          <a:p>
+            <a:r>
+              <a:rPr lang="en-GB" dirty="0" smtClean="0"/>
+              <a:t>Synchronisation</a:t>
+            </a:r>
+            <a:endParaRPr lang="en-GB" dirty="0"/>
+          </a:p>
+        </p:txBody>
+      </p:sp>
+      <p:cxnSp>
+        <p:nvCxnSpPr>
+          <p:cNvPr id="106" name="Straight Arrow Connector 105"/>
+          <p:cNvCxnSpPr>
+            <a:stCxn id="103" idx="2"/>
+            <a:endCxn id="19" idx="0"/>
+          </p:cNvCxnSpPr>
+          <p:nvPr/>
+        </p:nvCxnSpPr>
+        <p:spPr>
+          <a:xfrm flipH="1">
+            <a:off x="3205335" y="6024775"/>
+            <a:ext cx="6582554" cy="1724892"/>
+          </a:xfrm>
+          <a:prstGeom prst="straightConnector1">
+            <a:avLst/>
+          </a:prstGeom>
+          <a:ln>
+            <a:solidFill>
+              <a:schemeClr val="tx1"/>
+            </a:solidFill>
+            <a:tailEnd type="triangle"/>
+          </a:ln>
+        </p:spPr>
+        <p:style>
+          <a:lnRef idx="1">
+            <a:schemeClr val="accent1"/>
+          </a:lnRef>
+          <a:fillRef idx="0">
+            <a:schemeClr val="accent1"/>
+          </a:fillRef>
+          <a:effectRef idx="0">
+            <a:schemeClr val="accent1"/>
+          </a:effectRef>
+          <a:fontRef idx="minor">
+            <a:schemeClr val="tx1"/>
+          </a:fontRef>
+        </p:style>
+      </p:cxnSp>
+      <p:cxnSp>
+        <p:nvCxnSpPr>
+          <p:cNvPr id="112" name="Straight Arrow Connector 111"/>
+          <p:cNvCxnSpPr>
+            <a:stCxn id="103" idx="2"/>
+            <a:endCxn id="50" idx="0"/>
+          </p:cNvCxnSpPr>
+          <p:nvPr/>
+        </p:nvCxnSpPr>
+        <p:spPr>
+          <a:xfrm>
+            <a:off x="9787889" y="6024775"/>
+            <a:ext cx="51542" cy="1188100"/>
+          </a:xfrm>
+          <a:prstGeom prst="straightConnector1">
+            <a:avLst/>
+          </a:prstGeom>
+          <a:ln>
+            <a:solidFill>
+              <a:schemeClr val="tx1"/>
+            </a:solidFill>
+            <a:tailEnd type="triangle"/>
+          </a:ln>
+        </p:spPr>
+        <p:style>
+          <a:lnRef idx="1">
+            <a:schemeClr val="accent1"/>
+          </a:lnRef>
+          <a:fillRef idx="0">
+            <a:schemeClr val="accent1"/>
+          </a:fillRef>
+          <a:effectRef idx="0">
+            <a:schemeClr val="accent1"/>
+          </a:effectRef>
+          <a:fontRef idx="minor">
+            <a:schemeClr val="tx1"/>
+          </a:fontRef>
+        </p:style>
+      </p:cxnSp>
+      <p:cxnSp>
+        <p:nvCxnSpPr>
+          <p:cNvPr id="121" name="Straight Arrow Connector 120"/>
+          <p:cNvCxnSpPr>
+            <a:stCxn id="30" idx="2"/>
+            <a:endCxn id="19" idx="0"/>
+          </p:cNvCxnSpPr>
+          <p:nvPr/>
+        </p:nvCxnSpPr>
+        <p:spPr>
+          <a:xfrm flipH="1">
+            <a:off x="3205335" y="7536410"/>
+            <a:ext cx="559580" cy="213257"/>
           </a:xfrm>
           <a:prstGeom prst="straightConnector1">
             <a:avLst/>
@@ -5682,19 +6135,6 @@
               </a:rPr>
               <a:t>Position</a:t>
             </a:r>
-            <a:endParaRPr lang="en-US" dirty="0" smtClean="0">
-              <a:ln w="0"/>
-              <a:solidFill>
-                <a:schemeClr val="bg1"/>
-              </a:solidFill>
-              <a:effectLst>
-                <a:outerShdw blurRad="38100" dist="19050" dir="2700000" algn="tl" rotWithShape="0">
-                  <a:schemeClr val="dk1">
-                    <a:alpha val="40000"/>
-                  </a:schemeClr>
-                </a:outerShdw>
-              </a:effectLst>
-            </a:endParaRPr>
           </a:p>
         </p:txBody>
       </p:sp>
@@ -5751,19 +6191,6 @@
               </a:rPr>
               <a:t>Commands</a:t>
             </a:r>
-            <a:endParaRPr lang="en-US" dirty="0" smtClean="0">
-              <a:ln w="0"/>
-              <a:solidFill>
-                <a:schemeClr val="bg1"/>
-              </a:solidFill>
-              <a:effectLst>
-                <a:outerShdw blurRad="38100" dist="19050" dir="2700000" algn="tl" rotWithShape="0">
-                  <a:schemeClr val="dk1">
-                    <a:alpha val="40000"/>
-                  </a:schemeClr>
-                </a:outerShdw>
-              </a:effectLst>
-            </a:endParaRPr>
           </a:p>
         </p:txBody>
       </p:sp>
@@ -5908,19 +6335,6 @@
               </a:rPr>
               <a:t>Commands</a:t>
             </a:r>
-            <a:endParaRPr lang="en-US" dirty="0" smtClean="0">
-              <a:ln w="0"/>
-              <a:solidFill>
-                <a:schemeClr val="bg1"/>
-              </a:solidFill>
-              <a:effectLst>
-                <a:outerShdw blurRad="38100" dist="19050" dir="2700000" algn="tl" rotWithShape="0">
-                  <a:schemeClr val="dk1">
-                    <a:alpha val="40000"/>
-                  </a:schemeClr>
-                </a:outerShdw>
-              </a:effectLst>
-            </a:endParaRPr>
           </a:p>
         </p:txBody>
       </p:sp>

--- a/Documents/Structure.pptx
+++ b/Documents/Structure.pptx
@@ -6,9 +6,11 @@
   </p:sldMasterIdLst>
   <p:sldIdLst>
     <p:sldId id="258" r:id="rId2"/>
-    <p:sldId id="256" r:id="rId3"/>
-    <p:sldId id="259" r:id="rId4"/>
-    <p:sldId id="257" r:id="rId5"/>
+    <p:sldId id="260" r:id="rId3"/>
+    <p:sldId id="261" r:id="rId4"/>
+    <p:sldId id="256" r:id="rId5"/>
+    <p:sldId id="259" r:id="rId6"/>
+    <p:sldId id="257" r:id="rId7"/>
   </p:sldIdLst>
   <p:sldSz cx="12192000" cy="6858000"/>
   <p:notesSz cx="6858000" cy="9144000"/>
@@ -246,7 +248,7 @@
           <a:p>
             <a:fld id="{1C7BAE8E-F25C-4613-8620-6E4584186655}" type="datetimeFigureOut">
               <a:rPr lang="en-US" smtClean="0"/>
-              <a:t>12/7/2017</a:t>
+              <a:t>2/12/2018</a:t>
             </a:fld>
             <a:endParaRPr lang="en-US"/>
           </a:p>
@@ -416,7 +418,7 @@
           <a:p>
             <a:fld id="{1C7BAE8E-F25C-4613-8620-6E4584186655}" type="datetimeFigureOut">
               <a:rPr lang="en-US" smtClean="0"/>
-              <a:t>12/7/2017</a:t>
+              <a:t>2/12/2018</a:t>
             </a:fld>
             <a:endParaRPr lang="en-US"/>
           </a:p>
@@ -596,7 +598,7 @@
           <a:p>
             <a:fld id="{1C7BAE8E-F25C-4613-8620-6E4584186655}" type="datetimeFigureOut">
               <a:rPr lang="en-US" smtClean="0"/>
-              <a:t>12/7/2017</a:t>
+              <a:t>2/12/2018</a:t>
             </a:fld>
             <a:endParaRPr lang="en-US"/>
           </a:p>
@@ -766,7 +768,7 @@
           <a:p>
             <a:fld id="{1C7BAE8E-F25C-4613-8620-6E4584186655}" type="datetimeFigureOut">
               <a:rPr lang="en-US" smtClean="0"/>
-              <a:t>12/7/2017</a:t>
+              <a:t>2/12/2018</a:t>
             </a:fld>
             <a:endParaRPr lang="en-US"/>
           </a:p>
@@ -1012,7 +1014,7 @@
           <a:p>
             <a:fld id="{1C7BAE8E-F25C-4613-8620-6E4584186655}" type="datetimeFigureOut">
               <a:rPr lang="en-US" smtClean="0"/>
-              <a:t>12/7/2017</a:t>
+              <a:t>2/12/2018</a:t>
             </a:fld>
             <a:endParaRPr lang="en-US"/>
           </a:p>
@@ -1244,7 +1246,7 @@
           <a:p>
             <a:fld id="{1C7BAE8E-F25C-4613-8620-6E4584186655}" type="datetimeFigureOut">
               <a:rPr lang="en-US" smtClean="0"/>
-              <a:t>12/7/2017</a:t>
+              <a:t>2/12/2018</a:t>
             </a:fld>
             <a:endParaRPr lang="en-US"/>
           </a:p>
@@ -1611,7 +1613,7 @@
           <a:p>
             <a:fld id="{1C7BAE8E-F25C-4613-8620-6E4584186655}" type="datetimeFigureOut">
               <a:rPr lang="en-US" smtClean="0"/>
-              <a:t>12/7/2017</a:t>
+              <a:t>2/12/2018</a:t>
             </a:fld>
             <a:endParaRPr lang="en-US"/>
           </a:p>
@@ -1729,7 +1731,7 @@
           <a:p>
             <a:fld id="{1C7BAE8E-F25C-4613-8620-6E4584186655}" type="datetimeFigureOut">
               <a:rPr lang="en-US" smtClean="0"/>
-              <a:t>12/7/2017</a:t>
+              <a:t>2/12/2018</a:t>
             </a:fld>
             <a:endParaRPr lang="en-US"/>
           </a:p>
@@ -1824,7 +1826,7 @@
           <a:p>
             <a:fld id="{1C7BAE8E-F25C-4613-8620-6E4584186655}" type="datetimeFigureOut">
               <a:rPr lang="en-US" smtClean="0"/>
-              <a:t>12/7/2017</a:t>
+              <a:t>2/12/2018</a:t>
             </a:fld>
             <a:endParaRPr lang="en-US"/>
           </a:p>
@@ -2101,7 +2103,7 @@
           <a:p>
             <a:fld id="{1C7BAE8E-F25C-4613-8620-6E4584186655}" type="datetimeFigureOut">
               <a:rPr lang="en-US" smtClean="0"/>
-              <a:t>12/7/2017</a:t>
+              <a:t>2/12/2018</a:t>
             </a:fld>
             <a:endParaRPr lang="en-US"/>
           </a:p>
@@ -2354,7 +2356,7 @@
           <a:p>
             <a:fld id="{1C7BAE8E-F25C-4613-8620-6E4584186655}" type="datetimeFigureOut">
               <a:rPr lang="en-US" smtClean="0"/>
-              <a:t>12/7/2017</a:t>
+              <a:t>2/12/2018</a:t>
             </a:fld>
             <a:endParaRPr lang="en-US"/>
           </a:p>
@@ -2567,7 +2569,7 @@
           <a:p>
             <a:fld id="{1C7BAE8E-F25C-4613-8620-6E4584186655}" type="datetimeFigureOut">
               <a:rPr lang="en-US" smtClean="0"/>
-              <a:t>12/7/2017</a:t>
+              <a:t>2/12/2018</a:t>
             </a:fld>
             <a:endParaRPr lang="en-US"/>
           </a:p>
@@ -3885,15 +3887,7 @@
                   <a:schemeClr val="tx1"/>
                 </a:solidFill>
               </a:rPr>
-              <a:t>Pattern </a:t>
-            </a:r>
-            <a:r>
-              <a:rPr lang="en-US" dirty="0" smtClean="0">
-                <a:solidFill>
-                  <a:schemeClr val="tx1"/>
-                </a:solidFill>
-              </a:rPr>
-              <a:t>Sequence (PC, DLP GUI)</a:t>
+              <a:t>Pattern Sequence (PC, DLP GUI)</a:t>
             </a:r>
             <a:endParaRPr lang="en-US" dirty="0">
               <a:solidFill>
@@ -4726,7 +4720,15 @@
                   <a:schemeClr val="tx1"/>
                 </a:solidFill>
               </a:rPr>
-              <a:t>RF Signal</a:t>
+              <a:t>RF </a:t>
+            </a:r>
+            <a:r>
+              <a:rPr lang="en-US" dirty="0" smtClean="0">
+                <a:solidFill>
+                  <a:schemeClr val="tx1"/>
+                </a:solidFill>
+              </a:rPr>
+              <a:t>Signal (?)</a:t>
             </a:r>
             <a:endParaRPr lang="en-US" dirty="0">
               <a:solidFill>
@@ -5605,129 +5607,1165 @@
       </p:grpSpPr>
       <p:sp>
         <p:nvSpPr>
-          <p:cNvPr id="5" name="TextBox 4"/>
-          <p:cNvSpPr txBox="1"/>
+          <p:cNvPr id="69" name="Rounded Rectangle 68"/>
+          <p:cNvSpPr/>
           <p:nvPr/>
         </p:nvSpPr>
         <p:spPr>
           <a:xfrm>
-            <a:off x="1130245" y="2884481"/>
-            <a:ext cx="2106154" cy="2862322"/>
-          </a:xfrm>
-          <a:prstGeom prst="rect">
+            <a:off x="1284581" y="1219200"/>
+            <a:ext cx="9827100" cy="5249330"/>
+          </a:xfrm>
+          <a:prstGeom prst="roundRect">
             <a:avLst/>
           </a:prstGeom>
-          <a:noFill/>
-        </p:spPr>
-        <p:txBody>
-          <a:bodyPr wrap="none" rtlCol="0">
-            <a:spAutoFit/>
-          </a:bodyPr>
-          <a:lstStyle/>
-          <a:p>
-            <a:r>
-              <a:rPr lang="en-US" b="1" u="sng" dirty="0" smtClean="0"/>
-              <a:t>User Input (?)</a:t>
-            </a:r>
-          </a:p>
-          <a:p>
-            <a:pPr marL="285750" indent="-285750">
-              <a:buFontTx/>
-              <a:buChar char="-"/>
-            </a:pPr>
+          <a:solidFill>
+            <a:schemeClr val="bg1"/>
+          </a:solidFill>
+          <a:ln w="76200">
+            <a:solidFill>
+              <a:schemeClr val="tx1"/>
+            </a:solidFill>
+          </a:ln>
+        </p:spPr>
+        <p:style>
+          <a:lnRef idx="2">
+            <a:schemeClr val="accent5">
+              <a:shade val="50000"/>
+            </a:schemeClr>
+          </a:lnRef>
+          <a:fillRef idx="1">
+            <a:schemeClr val="accent5"/>
+          </a:fillRef>
+          <a:effectRef idx="0">
+            <a:schemeClr val="accent5"/>
+          </a:effectRef>
+          <a:fontRef idx="minor">
+            <a:schemeClr val="lt1"/>
+          </a:fontRef>
+        </p:style>
+        <p:txBody>
+          <a:bodyPr rtlCol="0" anchor="t"/>
+          <a:lstStyle/>
+          <a:p>
+            <a:pPr algn="ctr"/>
+            <a:r>
+              <a:rPr lang="en-US" dirty="0" smtClean="0">
+                <a:solidFill>
+                  <a:schemeClr val="tx1"/>
+                </a:solidFill>
+              </a:rPr>
+              <a:t>Create Firmware </a:t>
+            </a:r>
+            <a:endParaRPr lang="en-US" dirty="0">
+              <a:solidFill>
+                <a:schemeClr val="tx1"/>
+              </a:solidFill>
+            </a:endParaRPr>
+          </a:p>
+        </p:txBody>
+      </p:sp>
+      <p:sp>
+        <p:nvSpPr>
+          <p:cNvPr id="35" name="Rounded Rectangle 34"/>
+          <p:cNvSpPr/>
+          <p:nvPr/>
+        </p:nvSpPr>
+        <p:spPr>
+          <a:xfrm>
+            <a:off x="1559691" y="2045105"/>
+            <a:ext cx="9276880" cy="4167691"/>
+          </a:xfrm>
+          <a:prstGeom prst="roundRect">
+            <a:avLst/>
+          </a:prstGeom>
+          <a:solidFill>
+            <a:schemeClr val="bg1">
+              <a:lumMod val="75000"/>
+            </a:schemeClr>
+          </a:solidFill>
+          <a:ln>
+            <a:noFill/>
+          </a:ln>
+        </p:spPr>
+        <p:style>
+          <a:lnRef idx="2">
+            <a:schemeClr val="accent1">
+              <a:shade val="50000"/>
+            </a:schemeClr>
+          </a:lnRef>
+          <a:fillRef idx="1">
+            <a:schemeClr val="accent1"/>
+          </a:fillRef>
+          <a:effectRef idx="0">
+            <a:schemeClr val="accent1"/>
+          </a:effectRef>
+          <a:fontRef idx="minor">
+            <a:schemeClr val="lt1"/>
+          </a:fontRef>
+        </p:style>
+        <p:txBody>
+          <a:bodyPr rtlCol="0" anchor="t"/>
+          <a:lstStyle/>
+          <a:p>
+            <a:endParaRPr lang="en-US" dirty="0">
+              <a:solidFill>
+                <a:schemeClr val="tx1"/>
+              </a:solidFill>
+            </a:endParaRPr>
+          </a:p>
+        </p:txBody>
+      </p:sp>
+      <p:sp>
+        <p:nvSpPr>
+          <p:cNvPr id="2" name="Title 1"/>
+          <p:cNvSpPr>
+            <a:spLocks noGrp="1"/>
+          </p:cNvSpPr>
+          <p:nvPr>
+            <p:ph type="title"/>
+          </p:nvPr>
+        </p:nvSpPr>
+        <p:spPr>
+          <a:xfrm>
+            <a:off x="320971" y="52413"/>
+            <a:ext cx="10515600" cy="1325563"/>
+          </a:xfrm>
+        </p:spPr>
+        <p:txBody>
+          <a:bodyPr/>
+          <a:lstStyle/>
+          <a:p>
             <a:r>
               <a:rPr lang="en-US" dirty="0" smtClean="0"/>
-              <a:t>Touch</a:t>
-            </a:r>
-            <a:endParaRPr lang="en-US" dirty="0"/>
-          </a:p>
-          <a:p>
-            <a:pPr marL="285750" indent="-285750">
-              <a:buFontTx/>
-              <a:buChar char="-"/>
-            </a:pPr>
-            <a:r>
-              <a:rPr lang="en-US" dirty="0" smtClean="0"/>
-              <a:t>Movement</a:t>
-            </a:r>
-          </a:p>
-          <a:p>
-            <a:pPr marL="742950" lvl="1" indent="-285750">
-              <a:buFontTx/>
-              <a:buChar char="-"/>
-            </a:pPr>
-            <a:r>
-              <a:rPr lang="en-US" dirty="0" smtClean="0"/>
-              <a:t>Planar</a:t>
-            </a:r>
-          </a:p>
-          <a:p>
-            <a:pPr marL="742950" lvl="1" indent="-285750">
-              <a:buFontTx/>
-              <a:buChar char="-"/>
-            </a:pPr>
-            <a:r>
-              <a:rPr lang="en-US" dirty="0" smtClean="0"/>
-              <a:t>Orthogonal</a:t>
-            </a:r>
-            <a:endParaRPr lang="en-US" dirty="0"/>
-          </a:p>
-          <a:p>
-            <a:pPr marL="285750" indent="-285750">
-              <a:buFontTx/>
-              <a:buChar char="-"/>
-            </a:pPr>
-            <a:r>
-              <a:rPr lang="en-US" dirty="0" smtClean="0"/>
-              <a:t>External UI</a:t>
-            </a:r>
-          </a:p>
-          <a:p>
-            <a:pPr marL="742950" lvl="1" indent="-285750">
-              <a:buFontTx/>
-              <a:buChar char="-"/>
-            </a:pPr>
-            <a:r>
-              <a:rPr lang="en-US" dirty="0" smtClean="0"/>
-              <a:t>Buttons</a:t>
-            </a:r>
-          </a:p>
-          <a:p>
-            <a:pPr marL="742950" lvl="1" indent="-285750">
-              <a:buFontTx/>
-              <a:buChar char="-"/>
-            </a:pPr>
-            <a:r>
-              <a:rPr lang="en-US" dirty="0" smtClean="0"/>
-              <a:t>Levers</a:t>
-            </a:r>
-          </a:p>
-          <a:p>
-            <a:pPr marL="742950" lvl="1" indent="-285750">
-              <a:buFontTx/>
-              <a:buChar char="-"/>
-            </a:pPr>
-            <a:r>
-              <a:rPr lang="en-US" dirty="0" smtClean="0"/>
-              <a:t>Encoders</a:t>
-            </a:r>
-          </a:p>
-          <a:p>
-            <a:pPr marL="742950" lvl="1" indent="-285750">
-              <a:buFontTx/>
-              <a:buChar char="-"/>
-            </a:pPr>
-            <a:r>
-              <a:rPr lang="en-US" dirty="0" smtClean="0"/>
-              <a:t>Scroll Wheel</a:t>
-            </a:r>
-          </a:p>
-        </p:txBody>
-      </p:sp>
+              <a:t>Replicate Paper – Create Firmware</a:t>
+            </a:r>
+            <a:endParaRPr lang="en-GB" dirty="0"/>
+          </a:p>
+        </p:txBody>
+      </p:sp>
+      <p:sp>
+        <p:nvSpPr>
+          <p:cNvPr id="54" name="Rounded Rectangle 53"/>
+          <p:cNvSpPr/>
+          <p:nvPr/>
+        </p:nvSpPr>
+        <p:spPr>
+          <a:xfrm>
+            <a:off x="5520797" y="3955282"/>
+            <a:ext cx="1354668" cy="792480"/>
+          </a:xfrm>
+          <a:prstGeom prst="roundRect">
+            <a:avLst>
+              <a:gd name="adj" fmla="val 50000"/>
+            </a:avLst>
+          </a:prstGeom>
+          <a:solidFill>
+            <a:schemeClr val="tx1"/>
+          </a:solidFill>
+          <a:ln>
+            <a:noFill/>
+          </a:ln>
+        </p:spPr>
+        <p:style>
+          <a:lnRef idx="1">
+            <a:schemeClr val="accent3"/>
+          </a:lnRef>
+          <a:fillRef idx="2">
+            <a:schemeClr val="accent3"/>
+          </a:fillRef>
+          <a:effectRef idx="1">
+            <a:schemeClr val="accent3"/>
+          </a:effectRef>
+          <a:fontRef idx="minor">
+            <a:schemeClr val="dk1"/>
+          </a:fontRef>
+        </p:style>
+        <p:txBody>
+          <a:bodyPr rtlCol="0" anchor="ctr"/>
+          <a:lstStyle/>
+          <a:p>
+            <a:pPr algn="ctr"/>
+            <a:r>
+              <a:rPr lang="en-US" dirty="0" smtClean="0">
+                <a:ln w="0"/>
+                <a:solidFill>
+                  <a:schemeClr val="bg1"/>
+                </a:solidFill>
+                <a:effectLst>
+                  <a:outerShdw blurRad="38100" dist="19050" dir="2700000" algn="tl" rotWithShape="0">
+                    <a:schemeClr val="dk1">
+                      <a:alpha val="40000"/>
+                    </a:schemeClr>
+                  </a:outerShdw>
+                </a:effectLst>
+              </a:rPr>
+              <a:t>Default</a:t>
+            </a:r>
+            <a:endParaRPr lang="en-US" dirty="0" smtClean="0">
+              <a:ln w="0"/>
+              <a:solidFill>
+                <a:schemeClr val="bg1"/>
+              </a:solidFill>
+              <a:effectLst>
+                <a:outerShdw blurRad="38100" dist="19050" dir="2700000" algn="tl" rotWithShape="0">
+                  <a:schemeClr val="dk1">
+                    <a:alpha val="40000"/>
+                  </a:schemeClr>
+                </a:outerShdw>
+              </a:effectLst>
+            </a:endParaRPr>
+          </a:p>
+          <a:p>
+            <a:pPr algn="ctr"/>
+            <a:r>
+              <a:rPr lang="en-US" dirty="0" smtClean="0">
+                <a:ln w="0"/>
+                <a:solidFill>
+                  <a:schemeClr val="bg1"/>
+                </a:solidFill>
+                <a:effectLst>
+                  <a:outerShdw blurRad="38100" dist="19050" dir="2700000" algn="tl" rotWithShape="0">
+                    <a:schemeClr val="dk1">
+                      <a:alpha val="40000"/>
+                    </a:schemeClr>
+                  </a:outerShdw>
+                </a:effectLst>
+              </a:rPr>
+              <a:t>Firmware</a:t>
+            </a:r>
+            <a:endParaRPr lang="en-US" dirty="0" smtClean="0">
+              <a:ln w="0"/>
+              <a:solidFill>
+                <a:schemeClr val="bg1"/>
+              </a:solidFill>
+              <a:effectLst>
+                <a:outerShdw blurRad="38100" dist="19050" dir="2700000" algn="tl" rotWithShape="0">
+                  <a:schemeClr val="dk1">
+                    <a:alpha val="40000"/>
+                  </a:schemeClr>
+                </a:outerShdw>
+              </a:effectLst>
+            </a:endParaRPr>
+          </a:p>
+        </p:txBody>
+      </p:sp>
+      <p:sp>
+        <p:nvSpPr>
+          <p:cNvPr id="56" name="Rounded Rectangle 55"/>
+          <p:cNvSpPr/>
+          <p:nvPr/>
+        </p:nvSpPr>
+        <p:spPr>
+          <a:xfrm>
+            <a:off x="2173485" y="2417068"/>
+            <a:ext cx="2071437" cy="792480"/>
+          </a:xfrm>
+          <a:prstGeom prst="roundRect">
+            <a:avLst>
+              <a:gd name="adj" fmla="val 50000"/>
+            </a:avLst>
+          </a:prstGeom>
+          <a:solidFill>
+            <a:schemeClr val="tx1"/>
+          </a:solidFill>
+          <a:ln>
+            <a:noFill/>
+          </a:ln>
+        </p:spPr>
+        <p:style>
+          <a:lnRef idx="1">
+            <a:schemeClr val="accent3"/>
+          </a:lnRef>
+          <a:fillRef idx="2">
+            <a:schemeClr val="accent3"/>
+          </a:fillRef>
+          <a:effectRef idx="1">
+            <a:schemeClr val="accent3"/>
+          </a:effectRef>
+          <a:fontRef idx="minor">
+            <a:schemeClr val="dk1"/>
+          </a:fontRef>
+        </p:style>
+        <p:txBody>
+          <a:bodyPr rtlCol="0" anchor="ctr"/>
+          <a:lstStyle/>
+          <a:p>
+            <a:pPr algn="ctr"/>
+            <a:r>
+              <a:rPr lang="en-US" dirty="0" smtClean="0">
+                <a:ln w="0"/>
+                <a:solidFill>
+                  <a:schemeClr val="bg1"/>
+                </a:solidFill>
+                <a:effectLst>
+                  <a:outerShdw blurRad="38100" dist="19050" dir="2700000" algn="tl" rotWithShape="0">
+                    <a:schemeClr val="dk1">
+                      <a:alpha val="40000"/>
+                    </a:schemeClr>
+                  </a:outerShdw>
+                </a:effectLst>
+              </a:rPr>
+              <a:t>Default static Pattern Sequence</a:t>
+            </a:r>
+            <a:endParaRPr lang="en-US" dirty="0" smtClean="0">
+              <a:ln w="0"/>
+              <a:solidFill>
+                <a:schemeClr val="bg1"/>
+              </a:solidFill>
+              <a:effectLst>
+                <a:outerShdw blurRad="38100" dist="19050" dir="2700000" algn="tl" rotWithShape="0">
+                  <a:schemeClr val="dk1">
+                    <a:alpha val="40000"/>
+                  </a:schemeClr>
+                </a:outerShdw>
+              </a:effectLst>
+            </a:endParaRPr>
+          </a:p>
+        </p:txBody>
+      </p:sp>
+      <p:sp>
+        <p:nvSpPr>
+          <p:cNvPr id="58" name="Rounded Rectangle 57"/>
+          <p:cNvSpPr/>
+          <p:nvPr/>
+        </p:nvSpPr>
+        <p:spPr>
+          <a:xfrm>
+            <a:off x="8011174" y="2417068"/>
+            <a:ext cx="2209762" cy="792480"/>
+          </a:xfrm>
+          <a:prstGeom prst="roundRect">
+            <a:avLst>
+              <a:gd name="adj" fmla="val 50000"/>
+            </a:avLst>
+          </a:prstGeom>
+          <a:solidFill>
+            <a:schemeClr val="tx1"/>
+          </a:solidFill>
+          <a:ln>
+            <a:noFill/>
+          </a:ln>
+        </p:spPr>
+        <p:style>
+          <a:lnRef idx="1">
+            <a:schemeClr val="accent3"/>
+          </a:lnRef>
+          <a:fillRef idx="2">
+            <a:schemeClr val="accent3"/>
+          </a:fillRef>
+          <a:effectRef idx="1">
+            <a:schemeClr val="accent3"/>
+          </a:effectRef>
+          <a:fontRef idx="minor">
+            <a:schemeClr val="dk1"/>
+          </a:fontRef>
+        </p:style>
+        <p:txBody>
+          <a:bodyPr rtlCol="0" anchor="ctr"/>
+          <a:lstStyle/>
+          <a:p>
+            <a:pPr algn="ctr"/>
+            <a:r>
+              <a:rPr lang="en-US" dirty="0" smtClean="0">
+                <a:ln w="0"/>
+                <a:solidFill>
+                  <a:schemeClr val="bg1"/>
+                </a:solidFill>
+                <a:effectLst>
+                  <a:outerShdw blurRad="38100" dist="19050" dir="2700000" algn="tl" rotWithShape="0">
+                    <a:schemeClr val="dk1">
+                      <a:alpha val="40000"/>
+                    </a:schemeClr>
+                  </a:outerShdw>
+                </a:effectLst>
+              </a:rPr>
+              <a:t>22x 1-Bit static Grey Code Patterns</a:t>
+            </a:r>
+            <a:endParaRPr lang="en-US" dirty="0" smtClean="0">
+              <a:ln w="0"/>
+              <a:solidFill>
+                <a:schemeClr val="bg1"/>
+              </a:solidFill>
+              <a:effectLst>
+                <a:outerShdw blurRad="38100" dist="19050" dir="2700000" algn="tl" rotWithShape="0">
+                  <a:schemeClr val="dk1">
+                    <a:alpha val="40000"/>
+                  </a:schemeClr>
+                </a:outerShdw>
+              </a:effectLst>
+            </a:endParaRPr>
+          </a:p>
+        </p:txBody>
+      </p:sp>
+      <p:sp>
+        <p:nvSpPr>
+          <p:cNvPr id="59" name="Rounded Rectangle 58"/>
+          <p:cNvSpPr/>
+          <p:nvPr/>
+        </p:nvSpPr>
+        <p:spPr>
+          <a:xfrm>
+            <a:off x="4328078" y="2417068"/>
+            <a:ext cx="2171753" cy="792480"/>
+          </a:xfrm>
+          <a:prstGeom prst="roundRect">
+            <a:avLst>
+              <a:gd name="adj" fmla="val 50000"/>
+            </a:avLst>
+          </a:prstGeom>
+          <a:solidFill>
+            <a:schemeClr val="tx1"/>
+          </a:solidFill>
+          <a:ln>
+            <a:noFill/>
+          </a:ln>
+        </p:spPr>
+        <p:style>
+          <a:lnRef idx="1">
+            <a:schemeClr val="accent3"/>
+          </a:lnRef>
+          <a:fillRef idx="2">
+            <a:schemeClr val="accent3"/>
+          </a:fillRef>
+          <a:effectRef idx="1">
+            <a:schemeClr val="accent3"/>
+          </a:effectRef>
+          <a:fontRef idx="minor">
+            <a:schemeClr val="dk1"/>
+          </a:fontRef>
+        </p:style>
+        <p:txBody>
+          <a:bodyPr rtlCol="0" anchor="ctr"/>
+          <a:lstStyle/>
+          <a:p>
+            <a:pPr algn="ctr"/>
+            <a:r>
+              <a:rPr lang="en-US" dirty="0" smtClean="0">
+                <a:ln w="0"/>
+                <a:solidFill>
+                  <a:schemeClr val="bg1"/>
+                </a:solidFill>
+                <a:effectLst>
+                  <a:outerShdw blurRad="38100" dist="19050" dir="2700000" algn="tl" rotWithShape="0">
+                    <a:schemeClr val="dk1">
+                      <a:alpha val="40000"/>
+                    </a:schemeClr>
+                  </a:outerShdw>
+                </a:effectLst>
+              </a:rPr>
+              <a:t>Default Projector Settings</a:t>
+            </a:r>
+            <a:endParaRPr lang="en-US" dirty="0" smtClean="0">
+              <a:ln w="0"/>
+              <a:solidFill>
+                <a:schemeClr val="bg1"/>
+              </a:solidFill>
+              <a:effectLst>
+                <a:outerShdw blurRad="38100" dist="19050" dir="2700000" algn="tl" rotWithShape="0">
+                  <a:schemeClr val="dk1">
+                    <a:alpha val="40000"/>
+                  </a:schemeClr>
+                </a:outerShdw>
+              </a:effectLst>
+            </a:endParaRPr>
+          </a:p>
+        </p:txBody>
+      </p:sp>
+      <p:sp>
+        <p:nvSpPr>
+          <p:cNvPr id="61" name="Rounded Rectangle 60"/>
+          <p:cNvSpPr/>
+          <p:nvPr/>
+        </p:nvSpPr>
+        <p:spPr>
+          <a:xfrm>
+            <a:off x="7996868" y="3955282"/>
+            <a:ext cx="2238375" cy="792480"/>
+          </a:xfrm>
+          <a:prstGeom prst="roundRect">
+            <a:avLst>
+              <a:gd name="adj" fmla="val 50000"/>
+            </a:avLst>
+          </a:prstGeom>
+          <a:solidFill>
+            <a:schemeClr val="tx1"/>
+          </a:solidFill>
+          <a:ln>
+            <a:noFill/>
+          </a:ln>
+        </p:spPr>
+        <p:style>
+          <a:lnRef idx="1">
+            <a:schemeClr val="accent3"/>
+          </a:lnRef>
+          <a:fillRef idx="2">
+            <a:schemeClr val="accent3"/>
+          </a:fillRef>
+          <a:effectRef idx="1">
+            <a:schemeClr val="accent3"/>
+          </a:effectRef>
+          <a:fontRef idx="minor">
+            <a:schemeClr val="dk1"/>
+          </a:fontRef>
+        </p:style>
+        <p:txBody>
+          <a:bodyPr rtlCol="0" anchor="ctr"/>
+          <a:lstStyle/>
+          <a:p>
+            <a:pPr algn="ctr"/>
+            <a:r>
+              <a:rPr lang="en-US" dirty="0" smtClean="0">
+                <a:ln w="0"/>
+                <a:solidFill>
+                  <a:schemeClr val="bg1"/>
+                </a:solidFill>
+                <a:effectLst>
+                  <a:outerShdw blurRad="38100" dist="19050" dir="2700000" algn="tl" rotWithShape="0">
+                    <a:schemeClr val="dk1">
+                      <a:alpha val="40000"/>
+                    </a:schemeClr>
+                  </a:outerShdw>
+                </a:effectLst>
+              </a:rPr>
+              <a:t>1x 24Bit static</a:t>
+            </a:r>
+          </a:p>
+          <a:p>
+            <a:pPr algn="ctr"/>
+            <a:r>
+              <a:rPr lang="en-US" dirty="0" smtClean="0">
+                <a:ln w="0"/>
+                <a:solidFill>
+                  <a:schemeClr val="bg1"/>
+                </a:solidFill>
+                <a:effectLst>
+                  <a:outerShdw blurRad="38100" dist="19050" dir="2700000" algn="tl" rotWithShape="0">
+                    <a:schemeClr val="dk1">
+                      <a:alpha val="40000"/>
+                    </a:schemeClr>
+                  </a:outerShdw>
+                </a:effectLst>
+              </a:rPr>
+              <a:t>Grey Code BMP</a:t>
+            </a:r>
+            <a:endParaRPr lang="en-US" dirty="0" smtClean="0">
+              <a:ln w="0"/>
+              <a:solidFill>
+                <a:schemeClr val="bg1"/>
+              </a:solidFill>
+              <a:effectLst>
+                <a:outerShdw blurRad="38100" dist="19050" dir="2700000" algn="tl" rotWithShape="0">
+                  <a:schemeClr val="dk1">
+                    <a:alpha val="40000"/>
+                  </a:schemeClr>
+                </a:outerShdw>
+              </a:effectLst>
+            </a:endParaRPr>
+          </a:p>
+        </p:txBody>
+      </p:sp>
+      <p:sp>
+        <p:nvSpPr>
+          <p:cNvPr id="62" name="Rounded Rectangle 61"/>
+          <p:cNvSpPr/>
+          <p:nvPr/>
+        </p:nvSpPr>
+        <p:spPr>
+          <a:xfrm>
+            <a:off x="3565769" y="3958487"/>
+            <a:ext cx="1493521" cy="792480"/>
+          </a:xfrm>
+          <a:prstGeom prst="roundRect">
+            <a:avLst>
+              <a:gd name="adj" fmla="val 50000"/>
+            </a:avLst>
+          </a:prstGeom>
+          <a:solidFill>
+            <a:schemeClr val="tx1"/>
+          </a:solidFill>
+          <a:ln>
+            <a:noFill/>
+          </a:ln>
+        </p:spPr>
+        <p:style>
+          <a:lnRef idx="1">
+            <a:schemeClr val="accent3"/>
+          </a:lnRef>
+          <a:fillRef idx="2">
+            <a:schemeClr val="accent3"/>
+          </a:fillRef>
+          <a:effectRef idx="1">
+            <a:schemeClr val="accent3"/>
+          </a:effectRef>
+          <a:fontRef idx="minor">
+            <a:schemeClr val="dk1"/>
+          </a:fontRef>
+        </p:style>
+        <p:txBody>
+          <a:bodyPr rtlCol="0" anchor="ctr"/>
+          <a:lstStyle/>
+          <a:p>
+            <a:pPr algn="ctr"/>
+            <a:r>
+              <a:rPr lang="en-US" dirty="0" smtClean="0">
+                <a:ln w="0"/>
+                <a:solidFill>
+                  <a:schemeClr val="bg1"/>
+                </a:solidFill>
+                <a:effectLst>
+                  <a:outerShdw blurRad="38100" dist="19050" dir="2700000" algn="tl" rotWithShape="0">
+                    <a:schemeClr val="dk1">
+                      <a:alpha val="40000"/>
+                    </a:schemeClr>
+                  </a:outerShdw>
+                </a:effectLst>
+              </a:rPr>
+              <a:t>Solution/</a:t>
+            </a:r>
+          </a:p>
+          <a:p>
+            <a:pPr algn="ctr"/>
+            <a:r>
+              <a:rPr lang="en-US" dirty="0" smtClean="0">
+                <a:ln w="0"/>
+                <a:solidFill>
+                  <a:schemeClr val="bg1"/>
+                </a:solidFill>
+                <a:effectLst>
+                  <a:outerShdw blurRad="38100" dist="19050" dir="2700000" algn="tl" rotWithShape="0">
+                    <a:schemeClr val="dk1">
+                      <a:alpha val="40000"/>
+                    </a:schemeClr>
+                  </a:outerShdw>
+                </a:effectLst>
+              </a:rPr>
+              <a:t>.</a:t>
+            </a:r>
+            <a:r>
+              <a:rPr lang="en-US" dirty="0" err="1" smtClean="0">
+                <a:ln w="0"/>
+                <a:solidFill>
+                  <a:schemeClr val="bg1"/>
+                </a:solidFill>
+                <a:effectLst>
+                  <a:outerShdw blurRad="38100" dist="19050" dir="2700000" algn="tl" rotWithShape="0">
+                    <a:schemeClr val="dk1">
+                      <a:alpha val="40000"/>
+                    </a:schemeClr>
+                  </a:outerShdw>
+                </a:effectLst>
+              </a:rPr>
+              <a:t>ini</a:t>
+            </a:r>
+            <a:r>
+              <a:rPr lang="en-US" dirty="0" smtClean="0">
+                <a:ln w="0"/>
+                <a:solidFill>
+                  <a:schemeClr val="bg1"/>
+                </a:solidFill>
+                <a:effectLst>
+                  <a:outerShdw blurRad="38100" dist="19050" dir="2700000" algn="tl" rotWithShape="0">
+                    <a:schemeClr val="dk1">
+                      <a:alpha val="40000"/>
+                    </a:schemeClr>
+                  </a:outerShdw>
+                </a:effectLst>
+              </a:rPr>
+              <a:t> File</a:t>
+            </a:r>
+            <a:endParaRPr lang="en-US" dirty="0" smtClean="0">
+              <a:ln w="0"/>
+              <a:solidFill>
+                <a:schemeClr val="bg1"/>
+              </a:solidFill>
+              <a:effectLst>
+                <a:outerShdw blurRad="38100" dist="19050" dir="2700000" algn="tl" rotWithShape="0">
+                  <a:schemeClr val="dk1">
+                    <a:alpha val="40000"/>
+                  </a:schemeClr>
+                </a:outerShdw>
+              </a:effectLst>
+            </a:endParaRPr>
+          </a:p>
+        </p:txBody>
+      </p:sp>
+      <p:cxnSp>
+        <p:nvCxnSpPr>
+          <p:cNvPr id="63" name="Straight Arrow Connector 62"/>
+          <p:cNvCxnSpPr>
+            <a:stCxn id="56" idx="2"/>
+            <a:endCxn id="62" idx="0"/>
+          </p:cNvCxnSpPr>
+          <p:nvPr/>
+        </p:nvCxnSpPr>
+        <p:spPr>
+          <a:xfrm>
+            <a:off x="3209204" y="3209548"/>
+            <a:ext cx="1103326" cy="748939"/>
+          </a:xfrm>
+          <a:prstGeom prst="straightConnector1">
+            <a:avLst/>
+          </a:prstGeom>
+          <a:ln>
+            <a:solidFill>
+              <a:schemeClr val="tx1"/>
+            </a:solidFill>
+            <a:tailEnd type="triangle"/>
+          </a:ln>
+        </p:spPr>
+        <p:style>
+          <a:lnRef idx="1">
+            <a:schemeClr val="accent1"/>
+          </a:lnRef>
+          <a:fillRef idx="0">
+            <a:schemeClr val="accent1"/>
+          </a:fillRef>
+          <a:effectRef idx="0">
+            <a:schemeClr val="accent1"/>
+          </a:effectRef>
+          <a:fontRef idx="minor">
+            <a:schemeClr val="tx1"/>
+          </a:fontRef>
+        </p:style>
+      </p:cxnSp>
+      <p:cxnSp>
+        <p:nvCxnSpPr>
+          <p:cNvPr id="64" name="Straight Arrow Connector 63"/>
+          <p:cNvCxnSpPr>
+            <a:stCxn id="59" idx="2"/>
+            <a:endCxn id="62" idx="0"/>
+          </p:cNvCxnSpPr>
+          <p:nvPr/>
+        </p:nvCxnSpPr>
+        <p:spPr>
+          <a:xfrm flipH="1">
+            <a:off x="4312530" y="3209548"/>
+            <a:ext cx="1101425" cy="748939"/>
+          </a:xfrm>
+          <a:prstGeom prst="straightConnector1">
+            <a:avLst/>
+          </a:prstGeom>
+          <a:ln>
+            <a:solidFill>
+              <a:schemeClr val="tx1"/>
+            </a:solidFill>
+            <a:tailEnd type="triangle"/>
+          </a:ln>
+        </p:spPr>
+        <p:style>
+          <a:lnRef idx="1">
+            <a:schemeClr val="accent1"/>
+          </a:lnRef>
+          <a:fillRef idx="0">
+            <a:schemeClr val="accent1"/>
+          </a:fillRef>
+          <a:effectRef idx="0">
+            <a:schemeClr val="accent1"/>
+          </a:effectRef>
+          <a:fontRef idx="minor">
+            <a:schemeClr val="tx1"/>
+          </a:fontRef>
+        </p:style>
+      </p:cxnSp>
+      <p:sp>
+        <p:nvSpPr>
+          <p:cNvPr id="65" name="Rounded Rectangle 64"/>
+          <p:cNvSpPr/>
+          <p:nvPr/>
+        </p:nvSpPr>
+        <p:spPr>
+          <a:xfrm>
+            <a:off x="5520797" y="5118923"/>
+            <a:ext cx="1354668" cy="792480"/>
+          </a:xfrm>
+          <a:prstGeom prst="roundRect">
+            <a:avLst>
+              <a:gd name="adj" fmla="val 50000"/>
+            </a:avLst>
+          </a:prstGeom>
+          <a:solidFill>
+            <a:schemeClr val="tx1"/>
+          </a:solidFill>
+          <a:ln>
+            <a:noFill/>
+          </a:ln>
+        </p:spPr>
+        <p:style>
+          <a:lnRef idx="1">
+            <a:schemeClr val="accent3"/>
+          </a:lnRef>
+          <a:fillRef idx="2">
+            <a:schemeClr val="accent3"/>
+          </a:fillRef>
+          <a:effectRef idx="1">
+            <a:schemeClr val="accent3"/>
+          </a:effectRef>
+          <a:fontRef idx="minor">
+            <a:schemeClr val="dk1"/>
+          </a:fontRef>
+        </p:style>
+        <p:txBody>
+          <a:bodyPr rtlCol="0" anchor="ctr"/>
+          <a:lstStyle/>
+          <a:p>
+            <a:pPr algn="ctr"/>
+            <a:r>
+              <a:rPr lang="en-US" dirty="0" smtClean="0">
+                <a:ln w="0"/>
+                <a:solidFill>
+                  <a:schemeClr val="bg1"/>
+                </a:solidFill>
+                <a:effectLst>
+                  <a:outerShdw blurRad="38100" dist="19050" dir="2700000" algn="tl" rotWithShape="0">
+                    <a:schemeClr val="dk1">
+                      <a:alpha val="40000"/>
+                    </a:schemeClr>
+                  </a:outerShdw>
+                </a:effectLst>
+              </a:rPr>
+              <a:t>Paper</a:t>
+            </a:r>
+            <a:endParaRPr lang="en-US" dirty="0" smtClean="0">
+              <a:ln w="0"/>
+              <a:solidFill>
+                <a:schemeClr val="bg1"/>
+              </a:solidFill>
+              <a:effectLst>
+                <a:outerShdw blurRad="38100" dist="19050" dir="2700000" algn="tl" rotWithShape="0">
+                  <a:schemeClr val="dk1">
+                    <a:alpha val="40000"/>
+                  </a:schemeClr>
+                </a:outerShdw>
+              </a:effectLst>
+            </a:endParaRPr>
+          </a:p>
+          <a:p>
+            <a:pPr algn="ctr"/>
+            <a:r>
+              <a:rPr lang="en-US" dirty="0" smtClean="0">
+                <a:ln w="0"/>
+                <a:solidFill>
+                  <a:schemeClr val="bg1"/>
+                </a:solidFill>
+                <a:effectLst>
+                  <a:outerShdw blurRad="38100" dist="19050" dir="2700000" algn="tl" rotWithShape="0">
+                    <a:schemeClr val="dk1">
+                      <a:alpha val="40000"/>
+                    </a:schemeClr>
+                  </a:outerShdw>
+                </a:effectLst>
+              </a:rPr>
+              <a:t>Firmware</a:t>
+            </a:r>
+            <a:endParaRPr lang="en-US" dirty="0" smtClean="0">
+              <a:ln w="0"/>
+              <a:solidFill>
+                <a:schemeClr val="bg1"/>
+              </a:solidFill>
+              <a:effectLst>
+                <a:outerShdw blurRad="38100" dist="19050" dir="2700000" algn="tl" rotWithShape="0">
+                  <a:schemeClr val="dk1">
+                    <a:alpha val="40000"/>
+                  </a:schemeClr>
+                </a:outerShdw>
+              </a:effectLst>
+            </a:endParaRPr>
+          </a:p>
+        </p:txBody>
+      </p:sp>
+      <p:cxnSp>
+        <p:nvCxnSpPr>
+          <p:cNvPr id="66" name="Straight Arrow Connector 65"/>
+          <p:cNvCxnSpPr>
+            <a:stCxn id="54" idx="2"/>
+            <a:endCxn id="65" idx="0"/>
+          </p:cNvCxnSpPr>
+          <p:nvPr/>
+        </p:nvCxnSpPr>
+        <p:spPr>
+          <a:xfrm>
+            <a:off x="6198131" y="4747762"/>
+            <a:ext cx="0" cy="371161"/>
+          </a:xfrm>
+          <a:prstGeom prst="straightConnector1">
+            <a:avLst/>
+          </a:prstGeom>
+          <a:ln>
+            <a:solidFill>
+              <a:schemeClr val="tx1"/>
+            </a:solidFill>
+            <a:tailEnd type="triangle"/>
+          </a:ln>
+        </p:spPr>
+        <p:style>
+          <a:lnRef idx="1">
+            <a:schemeClr val="accent1"/>
+          </a:lnRef>
+          <a:fillRef idx="0">
+            <a:schemeClr val="accent1"/>
+          </a:fillRef>
+          <a:effectRef idx="0">
+            <a:schemeClr val="accent1"/>
+          </a:effectRef>
+          <a:fontRef idx="minor">
+            <a:schemeClr val="tx1"/>
+          </a:fontRef>
+        </p:style>
+      </p:cxnSp>
+      <p:cxnSp>
+        <p:nvCxnSpPr>
+          <p:cNvPr id="70" name="Straight Arrow Connector 69"/>
+          <p:cNvCxnSpPr>
+            <a:stCxn id="61" idx="2"/>
+            <a:endCxn id="65" idx="0"/>
+          </p:cNvCxnSpPr>
+          <p:nvPr/>
+        </p:nvCxnSpPr>
+        <p:spPr>
+          <a:xfrm flipH="1">
+            <a:off x="6198131" y="4747762"/>
+            <a:ext cx="2917925" cy="371161"/>
+          </a:xfrm>
+          <a:prstGeom prst="straightConnector1">
+            <a:avLst/>
+          </a:prstGeom>
+          <a:ln>
+            <a:solidFill>
+              <a:schemeClr val="tx1"/>
+            </a:solidFill>
+            <a:tailEnd type="triangle"/>
+          </a:ln>
+        </p:spPr>
+        <p:style>
+          <a:lnRef idx="1">
+            <a:schemeClr val="accent1"/>
+          </a:lnRef>
+          <a:fillRef idx="0">
+            <a:schemeClr val="accent1"/>
+          </a:fillRef>
+          <a:effectRef idx="0">
+            <a:schemeClr val="accent1"/>
+          </a:effectRef>
+          <a:fontRef idx="minor">
+            <a:schemeClr val="tx1"/>
+          </a:fontRef>
+        </p:style>
+      </p:cxnSp>
+      <p:cxnSp>
+        <p:nvCxnSpPr>
+          <p:cNvPr id="72" name="Straight Arrow Connector 71"/>
+          <p:cNvCxnSpPr>
+            <a:stCxn id="58" idx="2"/>
+            <a:endCxn id="61" idx="0"/>
+          </p:cNvCxnSpPr>
+          <p:nvPr/>
+        </p:nvCxnSpPr>
+        <p:spPr>
+          <a:xfrm>
+            <a:off x="9116055" y="3209548"/>
+            <a:ext cx="1" cy="745734"/>
+          </a:xfrm>
+          <a:prstGeom prst="straightConnector1">
+            <a:avLst/>
+          </a:prstGeom>
+          <a:ln>
+            <a:solidFill>
+              <a:schemeClr val="tx1"/>
+            </a:solidFill>
+            <a:tailEnd type="triangle"/>
+          </a:ln>
+        </p:spPr>
+        <p:style>
+          <a:lnRef idx="1">
+            <a:schemeClr val="accent1"/>
+          </a:lnRef>
+          <a:fillRef idx="0">
+            <a:schemeClr val="accent1"/>
+          </a:fillRef>
+          <a:effectRef idx="0">
+            <a:schemeClr val="accent1"/>
+          </a:effectRef>
+          <a:fontRef idx="minor">
+            <a:schemeClr val="tx1"/>
+          </a:fontRef>
+        </p:style>
+      </p:cxnSp>
+      <p:cxnSp>
+        <p:nvCxnSpPr>
+          <p:cNvPr id="75" name="Straight Arrow Connector 74"/>
+          <p:cNvCxnSpPr>
+            <a:stCxn id="62" idx="2"/>
+            <a:endCxn id="65" idx="0"/>
+          </p:cNvCxnSpPr>
+          <p:nvPr/>
+        </p:nvCxnSpPr>
+        <p:spPr>
+          <a:xfrm>
+            <a:off x="4312530" y="4750967"/>
+            <a:ext cx="1885601" cy="367956"/>
+          </a:xfrm>
+          <a:prstGeom prst="straightConnector1">
+            <a:avLst/>
+          </a:prstGeom>
+          <a:ln>
+            <a:solidFill>
+              <a:schemeClr val="tx1"/>
+            </a:solidFill>
+            <a:tailEnd type="triangle"/>
+          </a:ln>
+        </p:spPr>
+        <p:style>
+          <a:lnRef idx="1">
+            <a:schemeClr val="accent1"/>
+          </a:lnRef>
+          <a:fillRef idx="0">
+            <a:schemeClr val="accent1"/>
+          </a:fillRef>
+          <a:effectRef idx="0">
+            <a:schemeClr val="accent1"/>
+          </a:effectRef>
+          <a:fontRef idx="minor">
+            <a:schemeClr val="tx1"/>
+          </a:fontRef>
+        </p:style>
+      </p:cxnSp>
+      <p:cxnSp>
+        <p:nvCxnSpPr>
+          <p:cNvPr id="136" name="Straight Connector 135"/>
+          <p:cNvCxnSpPr>
+            <a:stCxn id="56" idx="1"/>
+            <a:endCxn id="35" idx="1"/>
+          </p:cNvCxnSpPr>
+          <p:nvPr/>
+        </p:nvCxnSpPr>
+        <p:spPr>
+          <a:xfrm flipH="1">
+            <a:off x="1559691" y="2813308"/>
+            <a:ext cx="613794" cy="1315643"/>
+          </a:xfrm>
+          <a:prstGeom prst="line">
+            <a:avLst/>
+          </a:prstGeom>
+        </p:spPr>
+        <p:style>
+          <a:lnRef idx="1">
+            <a:schemeClr val="accent1"/>
+          </a:lnRef>
+          <a:fillRef idx="0">
+            <a:schemeClr val="accent1"/>
+          </a:fillRef>
+          <a:effectRef idx="0">
+            <a:schemeClr val="accent1"/>
+          </a:effectRef>
+          <a:fontRef idx="minor">
+            <a:schemeClr val="tx1"/>
+          </a:fontRef>
+        </p:style>
+      </p:cxnSp>
+      <p:cxnSp>
+        <p:nvCxnSpPr>
+          <p:cNvPr id="139" name="Straight Connector 138"/>
+          <p:cNvCxnSpPr>
+            <a:stCxn id="58" idx="3"/>
+            <a:endCxn id="35" idx="3"/>
+          </p:cNvCxnSpPr>
+          <p:nvPr/>
+        </p:nvCxnSpPr>
+        <p:spPr>
+          <a:xfrm>
+            <a:off x="10220936" y="2813308"/>
+            <a:ext cx="615635" cy="1315643"/>
+          </a:xfrm>
+          <a:prstGeom prst="line">
+            <a:avLst/>
+          </a:prstGeom>
+        </p:spPr>
+        <p:style>
+          <a:lnRef idx="1">
+            <a:schemeClr val="accent1"/>
+          </a:lnRef>
+          <a:fillRef idx="0">
+            <a:schemeClr val="accent1"/>
+          </a:fillRef>
+          <a:effectRef idx="0">
+            <a:schemeClr val="accent1"/>
+          </a:effectRef>
+          <a:fontRef idx="minor">
+            <a:schemeClr val="tx1"/>
+          </a:fontRef>
+        </p:style>
+      </p:cxnSp>
+      <p:cxnSp>
+        <p:nvCxnSpPr>
+          <p:cNvPr id="161" name="Straight Connector 160"/>
+          <p:cNvCxnSpPr>
+            <a:stCxn id="69" idx="1"/>
+            <a:endCxn id="35" idx="1"/>
+          </p:cNvCxnSpPr>
+          <p:nvPr/>
+        </p:nvCxnSpPr>
+        <p:spPr>
+          <a:xfrm>
+            <a:off x="1284581" y="3843865"/>
+            <a:ext cx="275110" cy="285086"/>
+          </a:xfrm>
+          <a:prstGeom prst="line">
+            <a:avLst/>
+          </a:prstGeom>
+        </p:spPr>
+        <p:style>
+          <a:lnRef idx="1">
+            <a:schemeClr val="accent1"/>
+          </a:lnRef>
+          <a:fillRef idx="0">
+            <a:schemeClr val="accent1"/>
+          </a:fillRef>
+          <a:effectRef idx="0">
+            <a:schemeClr val="accent1"/>
+          </a:effectRef>
+          <a:fontRef idx="minor">
+            <a:schemeClr val="tx1"/>
+          </a:fontRef>
+        </p:style>
+      </p:cxnSp>
+      <p:cxnSp>
+        <p:nvCxnSpPr>
+          <p:cNvPr id="164" name="Straight Connector 163"/>
+          <p:cNvCxnSpPr>
+            <a:stCxn id="69" idx="3"/>
+            <a:endCxn id="35" idx="3"/>
+          </p:cNvCxnSpPr>
+          <p:nvPr/>
+        </p:nvCxnSpPr>
+        <p:spPr>
+          <a:xfrm flipH="1">
+            <a:off x="10836571" y="3843865"/>
+            <a:ext cx="275110" cy="285086"/>
+          </a:xfrm>
+          <a:prstGeom prst="line">
+            <a:avLst/>
+          </a:prstGeom>
+        </p:spPr>
+        <p:style>
+          <a:lnRef idx="1">
+            <a:schemeClr val="accent1"/>
+          </a:lnRef>
+          <a:fillRef idx="0">
+            <a:schemeClr val="accent1"/>
+          </a:fillRef>
+          <a:effectRef idx="0">
+            <a:schemeClr val="accent1"/>
+          </a:effectRef>
+          <a:fontRef idx="minor">
+            <a:schemeClr val="tx1"/>
+          </a:fontRef>
+        </p:style>
+      </p:cxnSp>
     </p:spTree>
     <p:extLst>
       <p:ext uri="{BB962C8B-B14F-4D97-AF65-F5344CB8AC3E}">
-        <p14:creationId xmlns:p14="http://schemas.microsoft.com/office/powerpoint/2010/main" val="2512912554"/>
+        <p14:creationId xmlns:p14="http://schemas.microsoft.com/office/powerpoint/2010/main" val="2414472812"/>
       </p:ext>
     </p:extLst>
   </p:cSld>
@@ -5756,13 +6794,13 @@
       </p:grpSpPr>
       <p:sp>
         <p:nvSpPr>
-          <p:cNvPr id="4" name="Rounded Rectangle 3"/>
+          <p:cNvPr id="22" name="Rounded Rectangle 21"/>
           <p:cNvSpPr/>
           <p:nvPr/>
         </p:nvSpPr>
         <p:spPr>
           <a:xfrm>
-            <a:off x="2279650" y="185103"/>
+            <a:off x="2341033" y="3188654"/>
             <a:ext cx="7816850" cy="2132965"/>
           </a:xfrm>
           <a:prstGeom prst="roundRect">
@@ -5820,14 +6858,14 @@
       </p:sp>
       <p:sp>
         <p:nvSpPr>
-          <p:cNvPr id="5" name="Rounded Rectangle 4"/>
+          <p:cNvPr id="23" name="Rounded Rectangle 22"/>
           <p:cNvSpPr/>
           <p:nvPr/>
         </p:nvSpPr>
         <p:spPr>
           <a:xfrm>
-            <a:off x="7974330" y="667704"/>
-            <a:ext cx="1899920" cy="1460500"/>
+            <a:off x="3597698" y="3681521"/>
+            <a:ext cx="5303520" cy="1460500"/>
           </a:xfrm>
           <a:prstGeom prst="roundRect">
             <a:avLst/>
@@ -5868,7 +6906,7 @@
                   <a:schemeClr val="tx1"/>
                 </a:solidFill>
               </a:rPr>
-              <a:t>Static</a:t>
+              <a:t>Dynamic</a:t>
             </a:r>
             <a:endParaRPr lang="en-US" dirty="0">
               <a:solidFill>
@@ -5880,26 +6918,299 @@
       </p:sp>
       <p:sp>
         <p:nvSpPr>
-          <p:cNvPr id="6" name="Rounded Rectangle 5"/>
+          <p:cNvPr id="24" name="Rounded Rectangle 23"/>
           <p:cNvSpPr/>
           <p:nvPr/>
         </p:nvSpPr>
         <p:spPr>
           <a:xfrm>
-            <a:off x="2475230" y="667704"/>
-            <a:ext cx="5303520" cy="1460500"/>
+            <a:off x="5502698" y="4043100"/>
+            <a:ext cx="1493520" cy="792480"/>
           </a:xfrm>
           <a:prstGeom prst="roundRect">
             <a:avLst/>
           </a:prstGeom>
           <a:solidFill>
+            <a:srgbClr val="65A638"/>
+          </a:solidFill>
+        </p:spPr>
+        <p:style>
+          <a:lnRef idx="1">
+            <a:schemeClr val="accent6"/>
+          </a:lnRef>
+          <a:fillRef idx="3">
+            <a:schemeClr val="accent6"/>
+          </a:fillRef>
+          <a:effectRef idx="2">
+            <a:schemeClr val="accent6"/>
+          </a:effectRef>
+          <a:fontRef idx="minor">
+            <a:schemeClr val="lt1"/>
+          </a:fontRef>
+        </p:style>
+        <p:txBody>
+          <a:bodyPr rtlCol="0" anchor="ctr"/>
+          <a:lstStyle/>
+          <a:p>
+            <a:pPr algn="ctr"/>
+            <a:r>
+              <a:rPr lang="en-US" dirty="0" smtClean="0">
+                <a:ln w="0"/>
+                <a:solidFill>
+                  <a:schemeClr val="bg1"/>
+                </a:solidFill>
+                <a:effectLst>
+                  <a:outerShdw blurRad="38100" dist="19050" dir="2700000" algn="tl" rotWithShape="0">
+                    <a:schemeClr val="dk1">
+                      <a:alpha val="40000"/>
+                    </a:schemeClr>
+                  </a:outerShdw>
+                </a:effectLst>
+              </a:rPr>
+              <a:t>Simulated Environment</a:t>
+            </a:r>
+          </a:p>
+        </p:txBody>
+      </p:sp>
+      <p:sp>
+        <p:nvSpPr>
+          <p:cNvPr id="27" name="Title 1"/>
+          <p:cNvSpPr>
+            <a:spLocks noGrp="1"/>
+          </p:cNvSpPr>
+          <p:nvPr>
+            <p:ph type="title"/>
+          </p:nvPr>
+        </p:nvSpPr>
+        <p:spPr>
+          <a:xfrm>
+            <a:off x="320971" y="52413"/>
+            <a:ext cx="10515600" cy="1325563"/>
+          </a:xfrm>
+        </p:spPr>
+        <p:txBody>
+          <a:bodyPr/>
+          <a:lstStyle/>
+          <a:p>
+            <a:r>
+              <a:rPr lang="en-US" dirty="0" smtClean="0"/>
+              <a:t>Replicate Paper </a:t>
+            </a:r>
+            <a:r>
+              <a:rPr lang="en-US" smtClean="0"/>
+              <a:t>– Upload Firmware</a:t>
+            </a:r>
+            <a:endParaRPr lang="en-GB" dirty="0"/>
+          </a:p>
+        </p:txBody>
+      </p:sp>
+    </p:spTree>
+    <p:extLst>
+      <p:ext uri="{BB962C8B-B14F-4D97-AF65-F5344CB8AC3E}">
+        <p14:creationId xmlns:p14="http://schemas.microsoft.com/office/powerpoint/2010/main" val="3971438021"/>
+      </p:ext>
+    </p:extLst>
+  </p:cSld>
+  <p:clrMapOvr>
+    <a:masterClrMapping/>
+  </p:clrMapOvr>
+</p:sld>
+</file>
+
+<file path=ppt/slides/slide4.xml><?xml version="1.0" encoding="utf-8"?>
+<p:sld xmlns:a="http://schemas.openxmlformats.org/drawingml/2006/main" xmlns:r="http://schemas.openxmlformats.org/officeDocument/2006/relationships" xmlns:p="http://schemas.openxmlformats.org/presentationml/2006/main">
+  <p:cSld>
+    <p:spTree>
+      <p:nvGrpSpPr>
+        <p:cNvPr id="1" name=""/>
+        <p:cNvGrpSpPr/>
+        <p:nvPr/>
+      </p:nvGrpSpPr>
+      <p:grpSpPr>
+        <a:xfrm>
+          <a:off x="0" y="0"/>
+          <a:ext cx="0" cy="0"/>
+          <a:chOff x="0" y="0"/>
+          <a:chExt cx="0" cy="0"/>
+        </a:xfrm>
+      </p:grpSpPr>
+      <p:sp>
+        <p:nvSpPr>
+          <p:cNvPr id="5" name="TextBox 4"/>
+          <p:cNvSpPr txBox="1"/>
+          <p:nvPr/>
+        </p:nvSpPr>
+        <p:spPr>
+          <a:xfrm>
+            <a:off x="1130245" y="2884481"/>
+            <a:ext cx="2106154" cy="2862322"/>
+          </a:xfrm>
+          <a:prstGeom prst="rect">
+            <a:avLst/>
+          </a:prstGeom>
+          <a:noFill/>
+        </p:spPr>
+        <p:txBody>
+          <a:bodyPr wrap="none" rtlCol="0">
+            <a:spAutoFit/>
+          </a:bodyPr>
+          <a:lstStyle/>
+          <a:p>
+            <a:r>
+              <a:rPr lang="en-US" b="1" u="sng" dirty="0" smtClean="0"/>
+              <a:t>User Input (?)</a:t>
+            </a:r>
+          </a:p>
+          <a:p>
+            <a:pPr marL="285750" indent="-285750">
+              <a:buFontTx/>
+              <a:buChar char="-"/>
+            </a:pPr>
+            <a:r>
+              <a:rPr lang="en-US" dirty="0" smtClean="0"/>
+              <a:t>Touch</a:t>
+            </a:r>
+            <a:endParaRPr lang="en-US" dirty="0"/>
+          </a:p>
+          <a:p>
+            <a:pPr marL="285750" indent="-285750">
+              <a:buFontTx/>
+              <a:buChar char="-"/>
+            </a:pPr>
+            <a:r>
+              <a:rPr lang="en-US" dirty="0" smtClean="0"/>
+              <a:t>Movement</a:t>
+            </a:r>
+          </a:p>
+          <a:p>
+            <a:pPr marL="742950" lvl="1" indent="-285750">
+              <a:buFontTx/>
+              <a:buChar char="-"/>
+            </a:pPr>
+            <a:r>
+              <a:rPr lang="en-US" dirty="0" smtClean="0"/>
+              <a:t>Planar</a:t>
+            </a:r>
+          </a:p>
+          <a:p>
+            <a:pPr marL="742950" lvl="1" indent="-285750">
+              <a:buFontTx/>
+              <a:buChar char="-"/>
+            </a:pPr>
+            <a:r>
+              <a:rPr lang="en-US" dirty="0" smtClean="0"/>
+              <a:t>Orthogonal</a:t>
+            </a:r>
+            <a:endParaRPr lang="en-US" dirty="0"/>
+          </a:p>
+          <a:p>
+            <a:pPr marL="285750" indent="-285750">
+              <a:buFontTx/>
+              <a:buChar char="-"/>
+            </a:pPr>
+            <a:r>
+              <a:rPr lang="en-US" dirty="0" smtClean="0"/>
+              <a:t>External UI</a:t>
+            </a:r>
+          </a:p>
+          <a:p>
+            <a:pPr marL="742950" lvl="1" indent="-285750">
+              <a:buFontTx/>
+              <a:buChar char="-"/>
+            </a:pPr>
+            <a:r>
+              <a:rPr lang="en-US" dirty="0" smtClean="0"/>
+              <a:t>Buttons</a:t>
+            </a:r>
+          </a:p>
+          <a:p>
+            <a:pPr marL="742950" lvl="1" indent="-285750">
+              <a:buFontTx/>
+              <a:buChar char="-"/>
+            </a:pPr>
+            <a:r>
+              <a:rPr lang="en-US" dirty="0" smtClean="0"/>
+              <a:t>Levers</a:t>
+            </a:r>
+          </a:p>
+          <a:p>
+            <a:pPr marL="742950" lvl="1" indent="-285750">
+              <a:buFontTx/>
+              <a:buChar char="-"/>
+            </a:pPr>
+            <a:r>
+              <a:rPr lang="en-US" dirty="0" smtClean="0"/>
+              <a:t>Encoders</a:t>
+            </a:r>
+          </a:p>
+          <a:p>
+            <a:pPr marL="742950" lvl="1" indent="-285750">
+              <a:buFontTx/>
+              <a:buChar char="-"/>
+            </a:pPr>
+            <a:r>
+              <a:rPr lang="en-US" dirty="0" smtClean="0"/>
+              <a:t>Scroll Wheel</a:t>
+            </a:r>
+          </a:p>
+        </p:txBody>
+      </p:sp>
+    </p:spTree>
+    <p:extLst>
+      <p:ext uri="{BB962C8B-B14F-4D97-AF65-F5344CB8AC3E}">
+        <p14:creationId xmlns:p14="http://schemas.microsoft.com/office/powerpoint/2010/main" val="2512912554"/>
+      </p:ext>
+    </p:extLst>
+  </p:cSld>
+  <p:clrMapOvr>
+    <a:masterClrMapping/>
+  </p:clrMapOvr>
+</p:sld>
+</file>
+
+<file path=ppt/slides/slide5.xml><?xml version="1.0" encoding="utf-8"?>
+<p:sld xmlns:a="http://schemas.openxmlformats.org/drawingml/2006/main" xmlns:r="http://schemas.openxmlformats.org/officeDocument/2006/relationships" xmlns:p="http://schemas.openxmlformats.org/presentationml/2006/main">
+  <p:cSld>
+    <p:spTree>
+      <p:nvGrpSpPr>
+        <p:cNvPr id="1" name=""/>
+        <p:cNvGrpSpPr/>
+        <p:nvPr/>
+      </p:nvGrpSpPr>
+      <p:grpSpPr>
+        <a:xfrm>
+          <a:off x="0" y="0"/>
+          <a:ext cx="0" cy="0"/>
+          <a:chOff x="0" y="0"/>
+          <a:chExt cx="0" cy="0"/>
+        </a:xfrm>
+      </p:grpSpPr>
+      <p:sp>
+        <p:nvSpPr>
+          <p:cNvPr id="4" name="Rounded Rectangle 3"/>
+          <p:cNvSpPr/>
+          <p:nvPr/>
+        </p:nvSpPr>
+        <p:spPr>
+          <a:xfrm>
+            <a:off x="2279650" y="185103"/>
+            <a:ext cx="7816850" cy="2132965"/>
+          </a:xfrm>
+          <a:prstGeom prst="roundRect">
+            <a:avLst/>
+          </a:prstGeom>
+          <a:solidFill>
             <a:schemeClr val="accent6">
-              <a:lumMod val="60000"/>
-              <a:lumOff val="40000"/>
+              <a:lumMod val="20000"/>
+              <a:lumOff val="80000"/>
             </a:schemeClr>
           </a:solidFill>
           <a:ln w="76200">
-            <a:noFill/>
+            <a:solidFill>
+              <a:schemeClr val="accent6">
+                <a:lumMod val="75000"/>
+              </a:schemeClr>
+            </a:solidFill>
           </a:ln>
         </p:spPr>
         <p:style>
@@ -5928,6 +7239,126 @@
                   <a:schemeClr val="tx1"/>
                 </a:solidFill>
               </a:rPr>
+              <a:t>Information</a:t>
+            </a:r>
+            <a:endParaRPr lang="en-US" dirty="0">
+              <a:solidFill>
+                <a:schemeClr val="tx1"/>
+              </a:solidFill>
+            </a:endParaRPr>
+          </a:p>
+        </p:txBody>
+      </p:sp>
+      <p:sp>
+        <p:nvSpPr>
+          <p:cNvPr id="5" name="Rounded Rectangle 4"/>
+          <p:cNvSpPr/>
+          <p:nvPr/>
+        </p:nvSpPr>
+        <p:spPr>
+          <a:xfrm>
+            <a:off x="7974330" y="667704"/>
+            <a:ext cx="1899920" cy="1460500"/>
+          </a:xfrm>
+          <a:prstGeom prst="roundRect">
+            <a:avLst/>
+          </a:prstGeom>
+          <a:solidFill>
+            <a:schemeClr val="accent6">
+              <a:lumMod val="60000"/>
+              <a:lumOff val="40000"/>
+            </a:schemeClr>
+          </a:solidFill>
+          <a:ln w="76200">
+            <a:noFill/>
+          </a:ln>
+        </p:spPr>
+        <p:style>
+          <a:lnRef idx="2">
+            <a:schemeClr val="accent5">
+              <a:shade val="50000"/>
+            </a:schemeClr>
+          </a:lnRef>
+          <a:fillRef idx="1">
+            <a:schemeClr val="accent5"/>
+          </a:fillRef>
+          <a:effectRef idx="0">
+            <a:schemeClr val="accent5"/>
+          </a:effectRef>
+          <a:fontRef idx="minor">
+            <a:schemeClr val="lt1"/>
+          </a:fontRef>
+        </p:style>
+        <p:txBody>
+          <a:bodyPr rtlCol="0" anchor="t"/>
+          <a:lstStyle/>
+          <a:p>
+            <a:r>
+              <a:rPr lang="en-US" dirty="0" smtClean="0">
+                <a:solidFill>
+                  <a:schemeClr val="tx1"/>
+                </a:solidFill>
+              </a:rPr>
+              <a:t>Static</a:t>
+            </a:r>
+            <a:endParaRPr lang="en-US" dirty="0">
+              <a:solidFill>
+                <a:schemeClr val="tx1"/>
+              </a:solidFill>
+            </a:endParaRPr>
+          </a:p>
+        </p:txBody>
+      </p:sp>
+      <p:sp>
+        <p:nvSpPr>
+          <p:cNvPr id="6" name="Rounded Rectangle 5"/>
+          <p:cNvSpPr/>
+          <p:nvPr/>
+        </p:nvSpPr>
+        <p:spPr>
+          <a:xfrm>
+            <a:off x="2475230" y="667704"/>
+            <a:ext cx="5303520" cy="1460500"/>
+          </a:xfrm>
+          <a:prstGeom prst="roundRect">
+            <a:avLst/>
+          </a:prstGeom>
+          <a:solidFill>
+            <a:schemeClr val="accent6">
+              <a:lumMod val="60000"/>
+              <a:lumOff val="40000"/>
+            </a:schemeClr>
+          </a:solidFill>
+          <a:ln w="76200">
+            <a:noFill/>
+          </a:ln>
+        </p:spPr>
+        <p:style>
+          <a:lnRef idx="2">
+            <a:schemeClr val="accent5">
+              <a:shade val="50000"/>
+            </a:schemeClr>
+          </a:lnRef>
+          <a:fillRef idx="1">
+            <a:schemeClr val="accent5"/>
+          </a:fillRef>
+          <a:effectRef idx="0">
+            <a:schemeClr val="accent5"/>
+          </a:effectRef>
+          <a:fontRef idx="minor">
+            <a:schemeClr val="lt1"/>
+          </a:fontRef>
+        </p:style>
+        <p:txBody>
+          <a:bodyPr rtlCol="0" anchor="t"/>
+          <a:lstStyle/>
+          <a:p>
+            <a:r>
+              <a:rPr lang="en-US" dirty="0" smtClean="0">
+                <a:solidFill>
+                  <a:schemeClr val="tx1"/>
+                </a:solidFill>
+              </a:rPr>
               <a:t>Dynamic</a:t>
             </a:r>
             <a:endParaRPr lang="en-US" dirty="0">
@@ -6407,7 +7838,7 @@
 </p:sld>
 </file>
 
-<file path=ppt/slides/slide4.xml><?xml version="1.0" encoding="utf-8"?>
+<file path=ppt/slides/slide6.xml><?xml version="1.0" encoding="utf-8"?>
 <p:sld xmlns:a="http://schemas.openxmlformats.org/drawingml/2006/main" xmlns:r="http://schemas.openxmlformats.org/officeDocument/2006/relationships" xmlns:p="http://schemas.openxmlformats.org/presentationml/2006/main">
   <p:cSld>
     <p:spTree>
